--- a/PSB_Project_report (by Old_Process).pptx
+++ b/PSB_Project_report (by Old_Process).pptx
@@ -31,6 +31,8 @@
     <p:sldId id="292" r:id="rId25"/>
     <p:sldId id="294" r:id="rId26"/>
     <p:sldId id="293" r:id="rId27"/>
+    <p:sldId id="295" r:id="rId28"/>
+    <p:sldId id="296" r:id="rId29"/>
   </p:sldIdLst>
   <p:sldSz cx="12192000" cy="6858000"/>
   <p:notesSz cx="6858000" cy="9144000"/>
@@ -8686,6 +8688,398 @@
 </p:sld>
 </file>
 
+<file path=ppt/slides/slide27.xml><?xml version="1.0" encoding="utf-8"?>
+<p:sld xmlns:a="http://schemas.openxmlformats.org/drawingml/2006/main" xmlns:r="http://schemas.openxmlformats.org/officeDocument/2006/relationships" xmlns:p="http://schemas.openxmlformats.org/presentationml/2006/main">
+  <p:cSld>
+    <p:spTree>
+      <p:nvGrpSpPr>
+        <p:cNvPr id="1" name=""/>
+        <p:cNvGrpSpPr/>
+        <p:nvPr/>
+      </p:nvGrpSpPr>
+      <p:grpSpPr>
+        <a:xfrm>
+          <a:off x="0" y="0"/>
+          <a:ext cx="0" cy="0"/>
+          <a:chOff x="0" y="0"/>
+          <a:chExt cx="0" cy="0"/>
+        </a:xfrm>
+      </p:grpSpPr>
+      <p:sp>
+        <p:nvSpPr>
+          <p:cNvPr id="2" name="제목 1">
+            <a:extLst>
+              <a:ext uri="{FF2B5EF4-FFF2-40B4-BE49-F238E27FC236}">
+                <a16:creationId xmlns:a16="http://schemas.microsoft.com/office/drawing/2014/main" id="{B8D66C48-914E-4671-AFF2-919B110C4ACD}"/>
+              </a:ext>
+            </a:extLst>
+          </p:cNvPr>
+          <p:cNvSpPr>
+            <a:spLocks noGrp="1"/>
+          </p:cNvSpPr>
+          <p:nvPr>
+            <p:ph type="title"/>
+          </p:nvPr>
+        </p:nvSpPr>
+        <p:spPr>
+          <a:xfrm>
+            <a:off x="838200" y="365125"/>
+            <a:ext cx="10515600" cy="728889"/>
+          </a:xfrm>
+        </p:spPr>
+        <p:txBody>
+          <a:bodyPr/>
+          <a:lstStyle/>
+          <a:p>
+            <a:r>
+              <a:rPr lang="en-US" altLang="ko-KR" dirty="0"/>
+              <a:t>3. </a:t>
+            </a:r>
+            <a:r>
+              <a:rPr lang="ko-KR" altLang="en-US" dirty="0"/>
+              <a:t>예외처리 항목</a:t>
+            </a:r>
+          </a:p>
+        </p:txBody>
+      </p:sp>
+      <p:sp>
+        <p:nvSpPr>
+          <p:cNvPr id="4" name="내용 개체 틀 3">
+            <a:extLst>
+              <a:ext uri="{FF2B5EF4-FFF2-40B4-BE49-F238E27FC236}">
+                <a16:creationId xmlns:a16="http://schemas.microsoft.com/office/drawing/2014/main" id="{69F5C882-E919-4AB7-B2E4-E7215EADAD99}"/>
+              </a:ext>
+            </a:extLst>
+          </p:cNvPr>
+          <p:cNvSpPr>
+            <a:spLocks noGrp="1"/>
+          </p:cNvSpPr>
+          <p:nvPr>
+            <p:ph idx="1"/>
+          </p:nvPr>
+        </p:nvSpPr>
+        <p:spPr>
+          <a:xfrm>
+            <a:off x="838200" y="1094014"/>
+            <a:ext cx="10515600" cy="5082949"/>
+          </a:xfrm>
+        </p:spPr>
+        <p:txBody>
+          <a:bodyPr>
+            <a:normAutofit/>
+          </a:bodyPr>
+          <a:lstStyle/>
+          <a:p>
+            <a:r>
+              <a:rPr lang="en-US" altLang="ko-KR" sz="2000" dirty="0" err="1"/>
+              <a:t>FileloadException</a:t>
+            </a:r>
+            <a:endParaRPr lang="en-US" altLang="ko-KR" sz="2000" dirty="0"/>
+          </a:p>
+          <a:p>
+            <a:pPr lvl="1"/>
+            <a:r>
+              <a:rPr lang="ko-KR" altLang="en-US" sz="1500" dirty="0"/>
+              <a:t>파일을 불러올 수 없을 때 발생 </a:t>
+            </a:r>
+            <a:r>
+              <a:rPr lang="en-US" altLang="ko-KR" sz="1500" dirty="0"/>
+              <a:t>(Model_reader_NoteReader.java)</a:t>
+            </a:r>
+          </a:p>
+          <a:p>
+            <a:pPr lvl="1"/>
+            <a:endParaRPr lang="en-US" altLang="ko-KR" sz="1200" dirty="0"/>
+          </a:p>
+          <a:p>
+            <a:r>
+              <a:rPr lang="en-US" altLang="ko-KR" sz="2000" dirty="0" err="1"/>
+              <a:t>IOException</a:t>
+            </a:r>
+            <a:endParaRPr lang="en-US" altLang="ko-KR" sz="2000" dirty="0"/>
+          </a:p>
+          <a:p>
+            <a:pPr lvl="1"/>
+            <a:r>
+              <a:rPr lang="en-US" altLang="ko-KR" sz="1500" dirty="0" err="1"/>
+              <a:t>fxml</a:t>
+            </a:r>
+            <a:r>
+              <a:rPr lang="en-US" altLang="ko-KR" sz="1500" dirty="0"/>
+              <a:t> </a:t>
+            </a:r>
+            <a:r>
+              <a:rPr lang="ko-KR" altLang="en-US" sz="1500" dirty="0"/>
+              <a:t>파일을 읽을 수 없을 때 발생 </a:t>
+            </a:r>
+            <a:r>
+              <a:rPr lang="en-US" altLang="ko-KR" sz="1500" dirty="0"/>
+              <a:t>(Controller_eventProcessor_SceneChanger.java)</a:t>
+            </a:r>
+          </a:p>
+          <a:p>
+            <a:pPr lvl="1"/>
+            <a:r>
+              <a:rPr lang="ko-KR" altLang="en-US" sz="1500" dirty="0"/>
+              <a:t>화면 전환을 하지 못 할 때 발생 </a:t>
+            </a:r>
+            <a:r>
+              <a:rPr lang="en-US" altLang="ko-KR" sz="1500" dirty="0"/>
+              <a:t>(Controller_eventProcessor_SceneChanger.java)</a:t>
+            </a:r>
+          </a:p>
+          <a:p>
+            <a:pPr lvl="1"/>
+            <a:r>
+              <a:rPr lang="ko-KR" altLang="en-US" sz="1500" dirty="0"/>
+              <a:t>점수 및 콤보를 업데이트 하지 못 할 때 발생 </a:t>
+            </a:r>
+            <a:r>
+              <a:rPr lang="en-US" altLang="ko-KR" sz="1500" dirty="0"/>
+              <a:t>(Controller_gameController_ScoreController.java)</a:t>
+            </a:r>
+          </a:p>
+          <a:p>
+            <a:pPr lvl="1"/>
+            <a:r>
+              <a:rPr lang="ko-KR" altLang="en-US" sz="1500" dirty="0"/>
+              <a:t>메인 화면을 돌아가지 못 할 때 발생 </a:t>
+            </a:r>
+            <a:r>
+              <a:rPr lang="en-US" altLang="ko-KR" sz="1500" dirty="0"/>
+              <a:t>(Controller_sceneController_OptionController.java, Controller_sceneController_SongListController.java)</a:t>
+            </a:r>
+          </a:p>
+          <a:p>
+            <a:pPr lvl="1"/>
+            <a:r>
+              <a:rPr lang="ko-KR" altLang="en-US" sz="1500" dirty="0"/>
+              <a:t>설정 값을 덮어쓰지 못 할 때 발생 </a:t>
+            </a:r>
+            <a:r>
+              <a:rPr lang="en-US" altLang="ko-KR" sz="1500" dirty="0"/>
+              <a:t>(Model_reader_ScoreReader.java, Model_reader_SettingReader.java, Model_reader_SongValueReader.java)</a:t>
+            </a:r>
+          </a:p>
+          <a:p>
+            <a:pPr lvl="1"/>
+            <a:endParaRPr lang="en-US" altLang="ko-KR" sz="1600" dirty="0"/>
+          </a:p>
+          <a:p>
+            <a:r>
+              <a:rPr lang="en-US" altLang="ko-KR" sz="2000" dirty="0"/>
+              <a:t>Exception</a:t>
+            </a:r>
+          </a:p>
+          <a:p>
+            <a:pPr lvl="1"/>
+            <a:r>
+              <a:rPr lang="ko-KR" altLang="en-US" sz="1500" dirty="0"/>
+              <a:t>파일을 불러오거나 정보를 읽지 못 할 때 발생 </a:t>
+            </a:r>
+            <a:r>
+              <a:rPr lang="en-US" altLang="ko-KR" sz="1500" dirty="0"/>
+              <a:t>(Model_reader_ScoreReader.java, Model_reader_SettingReader.java, </a:t>
+            </a:r>
+          </a:p>
+          <a:p>
+            <a:pPr marL="457200" lvl="1" indent="0">
+              <a:buNone/>
+            </a:pPr>
+            <a:r>
+              <a:rPr lang="en-US" altLang="ko-KR" sz="1500" dirty="0"/>
+              <a:t>        Model_reader_SongValueReader.java)</a:t>
+            </a:r>
+          </a:p>
+        </p:txBody>
+      </p:sp>
+    </p:spTree>
+    <p:extLst>
+      <p:ext uri="{BB962C8B-B14F-4D97-AF65-F5344CB8AC3E}">
+        <p14:creationId xmlns:p14="http://schemas.microsoft.com/office/powerpoint/2010/main" val="3322533819"/>
+      </p:ext>
+    </p:extLst>
+  </p:cSld>
+  <p:clrMapOvr>
+    <a:masterClrMapping/>
+  </p:clrMapOvr>
+</p:sld>
+</file>
+
+<file path=ppt/slides/slide28.xml><?xml version="1.0" encoding="utf-8"?>
+<p:sld xmlns:a="http://schemas.openxmlformats.org/drawingml/2006/main" xmlns:r="http://schemas.openxmlformats.org/officeDocument/2006/relationships" xmlns:p="http://schemas.openxmlformats.org/presentationml/2006/main">
+  <p:cSld>
+    <p:spTree>
+      <p:nvGrpSpPr>
+        <p:cNvPr id="1" name=""/>
+        <p:cNvGrpSpPr/>
+        <p:nvPr/>
+      </p:nvGrpSpPr>
+      <p:grpSpPr>
+        <a:xfrm>
+          <a:off x="0" y="0"/>
+          <a:ext cx="0" cy="0"/>
+          <a:chOff x="0" y="0"/>
+          <a:chExt cx="0" cy="0"/>
+        </a:xfrm>
+      </p:grpSpPr>
+      <p:sp>
+        <p:nvSpPr>
+          <p:cNvPr id="2" name="제목 1">
+            <a:extLst>
+              <a:ext uri="{FF2B5EF4-FFF2-40B4-BE49-F238E27FC236}">
+                <a16:creationId xmlns:a16="http://schemas.microsoft.com/office/drawing/2014/main" id="{B8D66C48-914E-4671-AFF2-919B110C4ACD}"/>
+              </a:ext>
+            </a:extLst>
+          </p:cNvPr>
+          <p:cNvSpPr>
+            <a:spLocks noGrp="1"/>
+          </p:cNvSpPr>
+          <p:nvPr>
+            <p:ph type="title"/>
+          </p:nvPr>
+        </p:nvSpPr>
+        <p:spPr>
+          <a:xfrm>
+            <a:off x="838200" y="365125"/>
+            <a:ext cx="10515600" cy="728889"/>
+          </a:xfrm>
+        </p:spPr>
+        <p:txBody>
+          <a:bodyPr/>
+          <a:lstStyle/>
+          <a:p>
+            <a:r>
+              <a:rPr lang="en-US" altLang="ko-KR" dirty="0"/>
+              <a:t>4. </a:t>
+            </a:r>
+            <a:r>
+              <a:rPr lang="ko-KR" altLang="en-US" dirty="0"/>
+              <a:t>역할 분담</a:t>
+            </a:r>
+          </a:p>
+        </p:txBody>
+      </p:sp>
+      <p:sp>
+        <p:nvSpPr>
+          <p:cNvPr id="4" name="내용 개체 틀 3">
+            <a:extLst>
+              <a:ext uri="{FF2B5EF4-FFF2-40B4-BE49-F238E27FC236}">
+                <a16:creationId xmlns:a16="http://schemas.microsoft.com/office/drawing/2014/main" id="{69F5C882-E919-4AB7-B2E4-E7215EADAD99}"/>
+              </a:ext>
+            </a:extLst>
+          </p:cNvPr>
+          <p:cNvSpPr>
+            <a:spLocks noGrp="1"/>
+          </p:cNvSpPr>
+          <p:nvPr>
+            <p:ph idx="1"/>
+          </p:nvPr>
+        </p:nvSpPr>
+        <p:spPr>
+          <a:xfrm>
+            <a:off x="838200" y="1094013"/>
+            <a:ext cx="10515600" cy="5082949"/>
+          </a:xfrm>
+        </p:spPr>
+        <p:txBody>
+          <a:bodyPr>
+            <a:normAutofit/>
+          </a:bodyPr>
+          <a:lstStyle/>
+          <a:p>
+            <a:r>
+              <a:rPr lang="ko-KR" altLang="en-US" sz="3500" dirty="0"/>
+              <a:t>김재훈</a:t>
+            </a:r>
+            <a:endParaRPr lang="en-US" altLang="ko-KR" sz="3500" dirty="0"/>
+          </a:p>
+          <a:p>
+            <a:pPr lvl="1"/>
+            <a:r>
+              <a:rPr lang="ko-KR" altLang="en-US" sz="2500" dirty="0"/>
+              <a:t>게임 화면 구성</a:t>
+            </a:r>
+            <a:endParaRPr lang="en-US" altLang="ko-KR" sz="2500" dirty="0"/>
+          </a:p>
+          <a:p>
+            <a:pPr lvl="1"/>
+            <a:r>
+              <a:rPr lang="ko-KR" altLang="en-US" sz="2500" dirty="0"/>
+              <a:t>노트 움직임 구현</a:t>
+            </a:r>
+            <a:endParaRPr lang="en-US" altLang="ko-KR" sz="2500" dirty="0"/>
+          </a:p>
+          <a:p>
+            <a:pPr lvl="1"/>
+            <a:r>
+              <a:rPr lang="ko-KR" altLang="en-US" sz="2500" dirty="0"/>
+              <a:t>콤보 이펙트</a:t>
+            </a:r>
+            <a:r>
+              <a:rPr lang="en-US" altLang="ko-KR" sz="2500" dirty="0"/>
+              <a:t>, </a:t>
+            </a:r>
+            <a:r>
+              <a:rPr lang="ko-KR" altLang="en-US" sz="2500" dirty="0"/>
+              <a:t>노트 이펙트 구현</a:t>
+            </a:r>
+            <a:endParaRPr lang="en-US" altLang="ko-KR" sz="2500" dirty="0"/>
+          </a:p>
+          <a:p>
+            <a:pPr lvl="1"/>
+            <a:r>
+              <a:rPr lang="ko-KR" altLang="en-US" sz="2500" dirty="0"/>
+              <a:t>코드 분리 및 정리</a:t>
+            </a:r>
+            <a:endParaRPr lang="en-US" altLang="ko-KR" sz="2500" dirty="0"/>
+          </a:p>
+          <a:p>
+            <a:r>
+              <a:rPr lang="ko-KR" altLang="en-US" sz="3500" dirty="0"/>
+              <a:t>최성환</a:t>
+            </a:r>
+            <a:endParaRPr lang="en-US" altLang="ko-KR" sz="3500" dirty="0"/>
+          </a:p>
+          <a:p>
+            <a:pPr lvl="1"/>
+            <a:r>
+              <a:rPr lang="ko-KR" altLang="en-US" sz="2500" dirty="0"/>
+              <a:t>각 화면 제작</a:t>
+            </a:r>
+            <a:endParaRPr lang="en-US" altLang="ko-KR" sz="2500" dirty="0"/>
+          </a:p>
+          <a:p>
+            <a:pPr lvl="1"/>
+            <a:r>
+              <a:rPr lang="ko-KR" altLang="en-US" sz="2500" dirty="0"/>
+              <a:t>설정 기능 구현</a:t>
+            </a:r>
+            <a:endParaRPr lang="en-US" altLang="ko-KR" sz="2500" dirty="0"/>
+          </a:p>
+          <a:p>
+            <a:pPr lvl="1"/>
+            <a:r>
+              <a:rPr lang="ko-KR" altLang="en-US" sz="2500" dirty="0"/>
+              <a:t>보고서 작성</a:t>
+            </a:r>
+            <a:endParaRPr lang="ko-KR" altLang="ko-KR" sz="2500" dirty="0"/>
+          </a:p>
+        </p:txBody>
+      </p:sp>
+    </p:spTree>
+    <p:extLst>
+      <p:ext uri="{BB962C8B-B14F-4D97-AF65-F5344CB8AC3E}">
+        <p14:creationId xmlns:p14="http://schemas.microsoft.com/office/powerpoint/2010/main" val="1345333054"/>
+      </p:ext>
+    </p:extLst>
+  </p:cSld>
+  <p:clrMapOvr>
+    <a:masterClrMapping/>
+  </p:clrMapOvr>
+</p:sld>
+</file>
+
 <file path=ppt/slides/slide3.xml><?xml version="1.0" encoding="utf-8"?>
 <p:sld xmlns:a="http://schemas.openxmlformats.org/drawingml/2006/main" xmlns:r="http://schemas.openxmlformats.org/officeDocument/2006/relationships" xmlns:p="http://schemas.openxmlformats.org/presentationml/2006/main">
   <p:cSld>

--- a/PSB_Project_report (by Old_Process).pptx
+++ b/PSB_Project_report (by Old_Process).pptx
@@ -8780,7 +8780,7 @@
             <a:pPr lvl="1"/>
             <a:r>
               <a:rPr lang="ko-KR" altLang="en-US" sz="1500" dirty="0"/>
-              <a:t>파일을 불러올 수 없을 때 발생 </a:t>
+              <a:t>파일을 불러올 수 없을 때 처리 </a:t>
             </a:r>
             <a:r>
               <a:rPr lang="en-US" altLang="ko-KR" sz="1500" dirty="0"/>
@@ -8810,7 +8810,7 @@
             </a:r>
             <a:r>
               <a:rPr lang="ko-KR" altLang="en-US" sz="1500" dirty="0"/>
-              <a:t>파일을 읽을 수 없을 때 발생 </a:t>
+              <a:t>파일을 읽을 수 없을 때 처리 </a:t>
             </a:r>
             <a:r>
               <a:rPr lang="en-US" altLang="ko-KR" sz="1500" dirty="0"/>
@@ -8821,7 +8821,7 @@
             <a:pPr lvl="1"/>
             <a:r>
               <a:rPr lang="ko-KR" altLang="en-US" sz="1500" dirty="0"/>
-              <a:t>화면 전환을 하지 못 할 때 발생 </a:t>
+              <a:t>화면 전환을 하지 못 할 때 처리 </a:t>
             </a:r>
             <a:r>
               <a:rPr lang="en-US" altLang="ko-KR" sz="1500" dirty="0"/>
@@ -8832,7 +8832,7 @@
             <a:pPr lvl="1"/>
             <a:r>
               <a:rPr lang="ko-KR" altLang="en-US" sz="1500" dirty="0"/>
-              <a:t>점수 및 콤보를 업데이트 하지 못 할 때 발생 </a:t>
+              <a:t>점수 및 콤보를 업데이트 하지 못 할 때 처리 </a:t>
             </a:r>
             <a:r>
               <a:rPr lang="en-US" altLang="ko-KR" sz="1500" dirty="0"/>
@@ -8843,7 +8843,7 @@
             <a:pPr lvl="1"/>
             <a:r>
               <a:rPr lang="ko-KR" altLang="en-US" sz="1500" dirty="0"/>
-              <a:t>메인 화면을 돌아가지 못 할 때 발생 </a:t>
+              <a:t>메인 화면을 돌아가지 못 할 때 처리 </a:t>
             </a:r>
             <a:r>
               <a:rPr lang="en-US" altLang="ko-KR" sz="1500" dirty="0"/>
@@ -8854,7 +8854,7 @@
             <a:pPr lvl="1"/>
             <a:r>
               <a:rPr lang="ko-KR" altLang="en-US" sz="1500" dirty="0"/>
-              <a:t>설정 값을 덮어쓰지 못 할 때 발생 </a:t>
+              <a:t>설정 값을 덮어쓰지 못 할 때 처리 </a:t>
             </a:r>
             <a:r>
               <a:rPr lang="en-US" altLang="ko-KR" sz="1500" dirty="0"/>
@@ -8875,7 +8875,11 @@
             <a:pPr lvl="1"/>
             <a:r>
               <a:rPr lang="ko-KR" altLang="en-US" sz="1500" dirty="0"/>
-              <a:t>파일을 불러오거나 정보를 읽지 못 할 때 발생 </a:t>
+              <a:t>파일을 불러오거나 정보를 읽지 못 할 </a:t>
+            </a:r>
+            <a:r>
+              <a:rPr lang="ko-KR" altLang="en-US" sz="1500"/>
+              <a:t>때 처리 </a:t>
             </a:r>
             <a:r>
               <a:rPr lang="en-US" altLang="ko-KR" sz="1500" dirty="0"/>

--- a/PSB_Project_report (by Old_Process).pptx
+++ b/PSB_Project_report (by Old_Process).pptx
@@ -8,31 +8,27 @@
     <p:sldId id="256" r:id="rId2"/>
     <p:sldId id="257" r:id="rId3"/>
     <p:sldId id="258" r:id="rId4"/>
-    <p:sldId id="271" r:id="rId5"/>
-    <p:sldId id="273" r:id="rId6"/>
-    <p:sldId id="274" r:id="rId7"/>
-    <p:sldId id="272" r:id="rId8"/>
-    <p:sldId id="259" r:id="rId9"/>
-    <p:sldId id="275" r:id="rId10"/>
-    <p:sldId id="276" r:id="rId11"/>
-    <p:sldId id="268" r:id="rId12"/>
-    <p:sldId id="283" r:id="rId13"/>
-    <p:sldId id="269" r:id="rId14"/>
-    <p:sldId id="277" r:id="rId15"/>
-    <p:sldId id="278" r:id="rId16"/>
-    <p:sldId id="282" r:id="rId17"/>
-    <p:sldId id="284" r:id="rId18"/>
-    <p:sldId id="285" r:id="rId19"/>
-    <p:sldId id="286" r:id="rId20"/>
-    <p:sldId id="287" r:id="rId21"/>
-    <p:sldId id="289" r:id="rId22"/>
-    <p:sldId id="290" r:id="rId23"/>
-    <p:sldId id="291" r:id="rId24"/>
-    <p:sldId id="292" r:id="rId25"/>
-    <p:sldId id="294" r:id="rId26"/>
-    <p:sldId id="293" r:id="rId27"/>
-    <p:sldId id="295" r:id="rId28"/>
-    <p:sldId id="296" r:id="rId29"/>
+    <p:sldId id="259" r:id="rId5"/>
+    <p:sldId id="275" r:id="rId6"/>
+    <p:sldId id="276" r:id="rId7"/>
+    <p:sldId id="268" r:id="rId8"/>
+    <p:sldId id="297" r:id="rId9"/>
+    <p:sldId id="269" r:id="rId10"/>
+    <p:sldId id="277" r:id="rId11"/>
+    <p:sldId id="278" r:id="rId12"/>
+    <p:sldId id="282" r:id="rId13"/>
+    <p:sldId id="284" r:id="rId14"/>
+    <p:sldId id="285" r:id="rId15"/>
+    <p:sldId id="286" r:id="rId16"/>
+    <p:sldId id="287" r:id="rId17"/>
+    <p:sldId id="289" r:id="rId18"/>
+    <p:sldId id="290" r:id="rId19"/>
+    <p:sldId id="291" r:id="rId20"/>
+    <p:sldId id="292" r:id="rId21"/>
+    <p:sldId id="294" r:id="rId22"/>
+    <p:sldId id="293" r:id="rId23"/>
+    <p:sldId id="295" r:id="rId24"/>
+    <p:sldId id="296" r:id="rId25"/>
   </p:sldIdLst>
   <p:sldSz cx="12192000" cy="6858000"/>
   <p:notesSz cx="6858000" cy="9144000"/>
@@ -3582,11 +3578,11 @@
             <a:pPr lvl="1"/>
             <a:r>
               <a:rPr lang="en-US" altLang="ko-KR" dirty="0"/>
-              <a:t>2) </a:t>
+              <a:t>4) </a:t>
             </a:r>
             <a:r>
               <a:rPr lang="en-US" altLang="ko-KR" dirty="0" err="1"/>
-              <a:t>Model_formatPackage</a:t>
+              <a:t>View_effectDrawerPackage</a:t>
             </a:r>
             <a:endParaRPr lang="ko-KR" altLang="en-US" dirty="0"/>
           </a:p>
@@ -3617,80 +3613,109 @@
           <a:p>
             <a:r>
               <a:rPr lang="en-US" altLang="ko-KR" sz="1600" dirty="0"/>
-              <a:t>noteFormat.java : </a:t>
+              <a:t>ComboEffect.java : </a:t>
             </a:r>
             <a:r>
               <a:rPr lang="ko-KR" altLang="en-US" sz="1600" dirty="0"/>
-              <a:t>노트의 형식이 지정된 클래스</a:t>
+              <a:t>게임 내 화면 우측에 콤보 이펙트를 그리는 클래스</a:t>
+            </a:r>
+            <a:r>
+              <a:rPr lang="en-US" altLang="ko-KR" sz="1600" dirty="0"/>
+              <a:t>,</a:t>
+            </a:r>
+          </a:p>
+          <a:p>
+            <a:pPr marL="0" indent="0">
+              <a:buNone/>
+            </a:pPr>
+            <a:r>
+              <a:rPr lang="en-US" altLang="ko-KR" sz="1600" dirty="0"/>
+              <a:t>		</a:t>
+            </a:r>
+            <a:r>
+              <a:rPr lang="en-US" altLang="ko-KR" sz="1600" dirty="0" err="1"/>
+              <a:t>AnimationTimer</a:t>
+            </a:r>
+            <a:r>
+              <a:rPr lang="en-US" altLang="ko-KR" sz="1600" dirty="0"/>
+              <a:t> </a:t>
+            </a:r>
+            <a:r>
+              <a:rPr lang="ko-KR" altLang="en-US" sz="1600" dirty="0"/>
+              <a:t>추상 클래스를 상속 받음</a:t>
             </a:r>
             <a:endParaRPr lang="en-US" altLang="ko-KR" sz="1600" dirty="0"/>
           </a:p>
           <a:p>
             <a:pPr lvl="1"/>
             <a:r>
-              <a:rPr lang="en-US" altLang="ko-KR" sz="1200" dirty="0"/>
-              <a:t>line : </a:t>
-            </a:r>
-            <a:r>
-              <a:rPr lang="ko-KR" altLang="en-US" sz="1200" dirty="0"/>
-              <a:t>노트가</a:t>
-            </a:r>
-            <a:r>
-              <a:rPr lang="en-US" altLang="ko-KR" sz="1200" dirty="0"/>
-              <a:t> </a:t>
-            </a:r>
-            <a:r>
-              <a:rPr lang="ko-KR" altLang="en-US" sz="1200" dirty="0"/>
-              <a:t>나타날 라인</a:t>
-            </a:r>
-            <a:endParaRPr lang="en-US" altLang="ko-KR" sz="1200" dirty="0"/>
-          </a:p>
-          <a:p>
-            <a:pPr lvl="1"/>
-            <a:r>
-              <a:rPr lang="en-US" altLang="ko-KR" sz="1200" dirty="0"/>
-              <a:t>timing</a:t>
-            </a:r>
-            <a:r>
-              <a:rPr lang="ko-KR" altLang="en-US" sz="1200" dirty="0"/>
-              <a:t> </a:t>
-            </a:r>
-            <a:r>
-              <a:rPr lang="en-US" altLang="ko-KR" sz="1200" dirty="0"/>
-              <a:t>:</a:t>
-            </a:r>
-            <a:r>
-              <a:rPr lang="ko-KR" altLang="en-US" sz="1200" dirty="0"/>
-              <a:t> 노트의 판정 시간</a:t>
-            </a:r>
-            <a:endParaRPr lang="en-US" altLang="ko-KR" sz="1600" dirty="0"/>
-          </a:p>
-          <a:p>
-            <a:r>
-              <a:rPr lang="en-US" altLang="ko-KR" sz="1600" dirty="0"/>
-              <a:t>collisionTypeFormat.java : </a:t>
-            </a:r>
-            <a:r>
-              <a:rPr lang="ko-KR" altLang="en-US" sz="1600" dirty="0"/>
-              <a:t>노트의 판정 타입 형식이 지정된 클래스</a:t>
-            </a:r>
-            <a:endParaRPr lang="en-US" altLang="ko-KR" sz="1600" dirty="0"/>
-          </a:p>
-          <a:p>
-            <a:pPr lvl="1"/>
-            <a:r>
               <a:rPr lang="en-US" altLang="ko-KR" sz="1200" dirty="0" err="1"/>
-              <a:t>collisionTypeList</a:t>
+              <a:t>effectDuration</a:t>
             </a:r>
             <a:r>
               <a:rPr lang="en-US" altLang="ko-KR" sz="1200" dirty="0"/>
               <a:t> : </a:t>
             </a:r>
             <a:r>
-              <a:rPr lang="ko-KR" altLang="en-US" sz="1200" dirty="0"/>
-              <a:t>노트의 판정 타입들이 저장된 리스트</a:t>
-            </a:r>
-            <a:endParaRPr lang="en-US" altLang="ko-KR" sz="1200" dirty="0"/>
+              <a:rPr lang="ko-KR" altLang="ko-KR" sz="1200" dirty="0"/>
+              <a:t>이펙트가 나타나는 시간</a:t>
+            </a:r>
+          </a:p>
+          <a:p>
+            <a:pPr lvl="1"/>
+            <a:r>
+              <a:rPr lang="en-US" altLang="ko-KR" sz="1200" dirty="0" err="1"/>
+              <a:t>isStop</a:t>
+            </a:r>
+            <a:r>
+              <a:rPr lang="en-US" altLang="ko-KR" sz="1200" dirty="0"/>
+              <a:t> : </a:t>
+            </a:r>
+            <a:r>
+              <a:rPr lang="ko-KR" altLang="ko-KR" sz="1200" dirty="0"/>
+              <a:t>이펙트가 지속되는 상태인지 확인하는 변수</a:t>
+            </a:r>
+          </a:p>
+          <a:p>
+            <a:pPr lvl="1"/>
+            <a:r>
+              <a:rPr lang="en-US" altLang="ko-KR" sz="1200" dirty="0" err="1"/>
+              <a:t>startTime</a:t>
+            </a:r>
+            <a:r>
+              <a:rPr lang="en-US" altLang="ko-KR" sz="1200" dirty="0"/>
+              <a:t> : </a:t>
+            </a:r>
+            <a:r>
+              <a:rPr lang="ko-KR" altLang="ko-KR" sz="1200" dirty="0"/>
+              <a:t>이펙트가 시작된 시간</a:t>
+            </a:r>
+          </a:p>
+          <a:p>
+            <a:pPr lvl="1"/>
+            <a:r>
+              <a:rPr lang="en-US" altLang="ko-KR" sz="1200" dirty="0" err="1"/>
+              <a:t>currentTime</a:t>
+            </a:r>
+            <a:r>
+              <a:rPr lang="en-US" altLang="ko-KR" sz="1200" dirty="0"/>
+              <a:t> : </a:t>
+            </a:r>
+            <a:r>
+              <a:rPr lang="ko-KR" altLang="ko-KR" sz="1200" dirty="0"/>
+              <a:t>이펙트가 시작된 시간부터 측정하기 시작하는 시간</a:t>
+            </a:r>
+          </a:p>
+          <a:p>
+            <a:pPr lvl="1"/>
+            <a:r>
+              <a:rPr lang="en-US" altLang="ko-KR" sz="1200" dirty="0"/>
+              <a:t>combo : </a:t>
+            </a:r>
+            <a:r>
+              <a:rPr lang="ko-KR" altLang="ko-KR" sz="1200" dirty="0"/>
+              <a:t>현재 콤보</a:t>
+            </a:r>
           </a:p>
           <a:p>
             <a:pPr lvl="1"/>
@@ -3703,206 +3728,24 @@
               <a:t> : </a:t>
             </a:r>
             <a:r>
-              <a:rPr lang="ko-KR" altLang="en-US" sz="1200" dirty="0"/>
-              <a:t>확인중인 노트의 판정 타입</a:t>
+              <a:rPr lang="ko-KR" altLang="ko-KR" sz="1200" dirty="0"/>
+              <a:t>판정 타입</a:t>
             </a:r>
             <a:endParaRPr lang="en-US" altLang="ko-KR" sz="1200" dirty="0"/>
           </a:p>
           <a:p>
             <a:pPr lvl="1"/>
             <a:r>
-              <a:rPr lang="en-US" altLang="ko-KR" sz="1200" dirty="0"/>
-              <a:t>line</a:t>
-            </a:r>
-            <a:r>
-              <a:rPr lang="ko-KR" altLang="en-US" sz="1200" dirty="0"/>
-              <a:t> </a:t>
-            </a:r>
-            <a:r>
-              <a:rPr lang="en-US" altLang="ko-KR" sz="1200" dirty="0"/>
-              <a:t>:</a:t>
-            </a:r>
-            <a:r>
-              <a:rPr lang="ko-KR" altLang="en-US" sz="1200" dirty="0"/>
-              <a:t> 확인중인 노트가 나타난 라인</a:t>
-            </a:r>
-            <a:endParaRPr lang="en-US" altLang="ko-KR" sz="1200" dirty="0"/>
-          </a:p>
-          <a:p>
-            <a:r>
-              <a:rPr lang="en-US" altLang="ko-KR" sz="1600" dirty="0"/>
-              <a:t>scoreFormat.java : </a:t>
-            </a:r>
-            <a:r>
-              <a:rPr lang="ko-KR" altLang="en-US" sz="1600" dirty="0"/>
-              <a:t>점수 정보를 가지는 클래스</a:t>
-            </a:r>
-            <a:endParaRPr lang="en-US" altLang="ko-KR" sz="1600" dirty="0"/>
-          </a:p>
-          <a:p>
-            <a:pPr lvl="1"/>
-            <a:r>
-              <a:rPr lang="en-US" altLang="ko-KR" sz="1200" dirty="0"/>
-              <a:t>score : </a:t>
-            </a:r>
-            <a:r>
-              <a:rPr lang="ko-KR" altLang="en-US" sz="1200" dirty="0"/>
-              <a:t>점수</a:t>
-            </a:r>
-            <a:endParaRPr lang="en-US" altLang="ko-KR" sz="1200" dirty="0"/>
-          </a:p>
-          <a:p>
-            <a:pPr lvl="1"/>
-            <a:r>
-              <a:rPr lang="en-US" altLang="ko-KR" sz="1200" dirty="0"/>
-              <a:t>combo</a:t>
-            </a:r>
-            <a:r>
-              <a:rPr lang="ko-KR" altLang="en-US" sz="1200" dirty="0"/>
-              <a:t> </a:t>
-            </a:r>
-            <a:r>
-              <a:rPr lang="en-US" altLang="ko-KR" sz="1200" dirty="0"/>
-              <a:t>:</a:t>
-            </a:r>
-            <a:r>
-              <a:rPr lang="ko-KR" altLang="en-US" sz="1200" dirty="0"/>
-              <a:t> 콤보</a:t>
-            </a:r>
-            <a:endParaRPr lang="en-US" altLang="ko-KR" sz="1200" dirty="0"/>
-          </a:p>
-          <a:p>
-            <a:pPr lvl="1"/>
-            <a:r>
               <a:rPr lang="en-US" altLang="ko-KR" sz="1200" dirty="0" err="1"/>
-              <a:t>maxCombo</a:t>
-            </a:r>
-            <a:r>
-              <a:rPr lang="en-US" altLang="ko-KR" sz="1200" dirty="0"/>
-              <a:t> : </a:t>
-            </a:r>
-            <a:r>
-              <a:rPr lang="ko-KR" altLang="en-US" sz="1200" dirty="0"/>
-              <a:t>최대 콤보</a:t>
-            </a:r>
-            <a:endParaRPr lang="en-US" altLang="ko-KR" sz="1200" dirty="0"/>
-          </a:p>
-          <a:p>
-            <a:pPr lvl="1"/>
-            <a:r>
-              <a:rPr lang="en-US" altLang="ko-KR" sz="1200" dirty="0" err="1"/>
-              <a:t>perfectHit</a:t>
-            </a:r>
-            <a:r>
-              <a:rPr lang="en-US" altLang="ko-KR" sz="1200" dirty="0"/>
-              <a:t> : perfect </a:t>
-            </a:r>
-            <a:r>
-              <a:rPr lang="ko-KR" altLang="en-US" sz="1200" dirty="0"/>
-              <a:t>판정을 받은 노트의 수</a:t>
-            </a:r>
-            <a:endParaRPr lang="en-US" altLang="ko-KR" sz="1200" dirty="0"/>
-          </a:p>
-          <a:p>
-            <a:r>
-              <a:rPr lang="en-US" altLang="ko-KR" sz="1600" dirty="0"/>
-              <a:t>gameInputFormat.java</a:t>
-            </a:r>
-            <a:r>
-              <a:rPr lang="ko-KR" altLang="en-US" sz="1600" dirty="0"/>
-              <a:t> </a:t>
-            </a:r>
-            <a:r>
-              <a:rPr lang="en-US" altLang="ko-KR" sz="1600" dirty="0"/>
-              <a:t>:</a:t>
-            </a:r>
-            <a:r>
-              <a:rPr lang="ko-KR" altLang="en-US" sz="1600" dirty="0"/>
-              <a:t> </a:t>
-            </a:r>
-            <a:r>
-              <a:rPr lang="ko-KR" altLang="en-US" sz="1600" dirty="0" err="1"/>
-              <a:t>입력받은</a:t>
-            </a:r>
-            <a:r>
-              <a:rPr lang="ko-KR" altLang="en-US" sz="1600" dirty="0"/>
-              <a:t> 키에 매칭되는 라인과 입력 타이밍을 가지는 클래스</a:t>
-            </a:r>
-            <a:endParaRPr lang="en-US" altLang="ko-KR" sz="400" dirty="0"/>
-          </a:p>
-          <a:p>
-            <a:pPr lvl="1"/>
-            <a:r>
-              <a:rPr lang="en-US" altLang="ko-KR" sz="1200" dirty="0" err="1"/>
-              <a:t>availableKeyList</a:t>
-            </a:r>
-            <a:r>
-              <a:rPr lang="en-US" altLang="ko-KR" sz="1200" dirty="0"/>
-              <a:t> : </a:t>
-            </a:r>
-            <a:r>
-              <a:rPr lang="ko-KR" altLang="en-US" sz="1200" dirty="0"/>
-              <a:t>게임 노트에 </a:t>
-            </a:r>
-            <a:r>
-              <a:rPr lang="ko-KR" altLang="en-US" sz="1200" dirty="0" err="1"/>
-              <a:t>매핑되는</a:t>
-            </a:r>
-            <a:r>
-              <a:rPr lang="ko-KR" altLang="en-US" sz="1200" dirty="0"/>
-              <a:t> </a:t>
-            </a:r>
-            <a:r>
-              <a:rPr lang="ko-KR" altLang="en-US" sz="1200" dirty="0" err="1"/>
-              <a:t>키값</a:t>
-            </a:r>
-            <a:r>
-              <a:rPr lang="ko-KR" altLang="en-US" sz="1200" dirty="0"/>
-              <a:t> 리스트</a:t>
-            </a:r>
-            <a:endParaRPr lang="en-US" altLang="ko-KR" sz="1200" dirty="0"/>
-          </a:p>
-          <a:p>
-            <a:pPr lvl="1"/>
-            <a:r>
-              <a:rPr lang="en-US" altLang="ko-KR" sz="1200" dirty="0"/>
-              <a:t>line : </a:t>
-            </a:r>
-            <a:r>
-              <a:rPr lang="ko-KR" altLang="en-US" sz="1200" dirty="0" err="1"/>
-              <a:t>입력받은</a:t>
-            </a:r>
-            <a:r>
-              <a:rPr lang="ko-KR" altLang="en-US" sz="1200" dirty="0"/>
-              <a:t> 키에 </a:t>
-            </a:r>
-            <a:r>
-              <a:rPr lang="ko-KR" altLang="en-US" sz="1200" dirty="0" err="1"/>
-              <a:t>매핑되는</a:t>
-            </a:r>
-            <a:r>
-              <a:rPr lang="ko-KR" altLang="en-US" sz="1200" dirty="0"/>
-              <a:t> 라인</a:t>
-            </a:r>
-            <a:endParaRPr lang="en-US" altLang="ko-KR" sz="1200" dirty="0"/>
-          </a:p>
-          <a:p>
-            <a:pPr lvl="1"/>
-            <a:r>
-              <a:rPr lang="en-US" altLang="ko-KR" sz="1200" dirty="0"/>
-              <a:t>timing</a:t>
-            </a:r>
-            <a:r>
-              <a:rPr lang="ko-KR" altLang="en-US" sz="1200" dirty="0"/>
-              <a:t> </a:t>
-            </a:r>
-            <a:r>
-              <a:rPr lang="en-US" altLang="ko-KR" sz="1200" dirty="0"/>
-              <a:t>:</a:t>
-            </a:r>
-            <a:r>
-              <a:rPr lang="ko-KR" altLang="en-US" sz="1200" dirty="0"/>
-              <a:t> 키 입력이 들어온 시간</a:t>
+              <a:t>getVisibility</a:t>
+            </a:r>
+            <a:r>
+              <a:rPr lang="en-US" altLang="ko-KR" sz="1200" dirty="0"/>
+              <a:t>( ) : </a:t>
+            </a:r>
+            <a:r>
+              <a:rPr lang="ko-KR" altLang="ko-KR" sz="1200" dirty="0"/>
+              <a:t>시간에 따른 투명도를 반환하는 메소드</a:t>
             </a:r>
             <a:endParaRPr lang="en-US" altLang="ko-KR" sz="1200" dirty="0"/>
           </a:p>
@@ -3911,7 +3754,7 @@
     </p:spTree>
     <p:extLst>
       <p:ext uri="{BB962C8B-B14F-4D97-AF65-F5344CB8AC3E}">
-        <p14:creationId xmlns:p14="http://schemas.microsoft.com/office/powerpoint/2010/main" val="3530392251"/>
+        <p14:creationId xmlns:p14="http://schemas.microsoft.com/office/powerpoint/2010/main" val="989504594"/>
       </p:ext>
     </p:extLst>
   </p:cSld>
@@ -3978,46 +3821,11 @@
             </a:r>
             <a:r>
               <a:rPr lang="ko-KR" altLang="en-US" dirty="0"/>
-              <a:t>클래스 구조도</a:t>
-            </a:r>
-          </a:p>
-        </p:txBody>
-      </p:sp>
-      <p:pic>
-        <p:nvPicPr>
-          <p:cNvPr id="8" name="내용 개체 틀 7">
-            <a:extLst>
-              <a:ext uri="{FF2B5EF4-FFF2-40B4-BE49-F238E27FC236}">
-                <a16:creationId xmlns:a16="http://schemas.microsoft.com/office/drawing/2014/main" id="{4911737D-D08A-47E8-969E-50982B18375B}"/>
-              </a:ext>
-            </a:extLst>
-          </p:cNvPr>
-          <p:cNvPicPr>
-            <a:picLocks noGrp="1" noChangeAspect="1"/>
-          </p:cNvPicPr>
-          <p:nvPr>
-            <p:ph idx="1"/>
-          </p:nvPr>
-        </p:nvPicPr>
-        <p:blipFill>
-          <a:blip r:embed="rId2">
-            <a:extLst>
-              <a:ext uri="{28A0092B-C50C-407E-A947-70E740481C1C}">
-                <a14:useLocalDpi xmlns:a14="http://schemas.microsoft.com/office/drawing/2010/main" val="0"/>
-              </a:ext>
-            </a:extLst>
-          </a:blip>
-          <a:stretch>
-            <a:fillRect/>
-          </a:stretch>
-        </p:blipFill>
-        <p:spPr>
-          <a:xfrm>
-            <a:off x="1043844" y="1937575"/>
-            <a:ext cx="10104311" cy="4329271"/>
-          </a:xfrm>
-        </p:spPr>
-      </p:pic>
+              <a:t>클래스 명세표</a:t>
+            </a:r>
+          </a:p>
+        </p:txBody>
+      </p:sp>
       <p:sp>
         <p:nvSpPr>
           <p:cNvPr id="9" name="제목 1">
@@ -4068,20 +3876,270 @@
             <a:pPr lvl="1"/>
             <a:r>
               <a:rPr lang="en-US" altLang="ko-KR" dirty="0"/>
-              <a:t>3) </a:t>
+              <a:t>4) </a:t>
             </a:r>
             <a:r>
               <a:rPr lang="en-US" altLang="ko-KR" dirty="0" err="1"/>
-              <a:t>Model_redaerPackage</a:t>
+              <a:t>View_effectDrawerPackage</a:t>
             </a:r>
             <a:endParaRPr lang="ko-KR" altLang="en-US" dirty="0"/>
+          </a:p>
+        </p:txBody>
+      </p:sp>
+      <p:sp>
+        <p:nvSpPr>
+          <p:cNvPr id="4" name="내용 개체 틀 3">
+            <a:extLst>
+              <a:ext uri="{FF2B5EF4-FFF2-40B4-BE49-F238E27FC236}">
+                <a16:creationId xmlns:a16="http://schemas.microsoft.com/office/drawing/2014/main" id="{69F5C882-E919-4AB7-B2E4-E7215EADAD99}"/>
+              </a:ext>
+            </a:extLst>
+          </p:cNvPr>
+          <p:cNvSpPr>
+            <a:spLocks noGrp="1"/>
+          </p:cNvSpPr>
+          <p:nvPr>
+            <p:ph idx="1"/>
+          </p:nvPr>
+        </p:nvSpPr>
+        <p:spPr/>
+        <p:txBody>
+          <a:bodyPr>
+            <a:normAutofit/>
+          </a:bodyPr>
+          <a:lstStyle/>
+          <a:p>
+            <a:r>
+              <a:rPr lang="en-US" altLang="ko-KR" sz="1600" dirty="0"/>
+              <a:t>NoteEffect.java :</a:t>
+            </a:r>
+            <a:r>
+              <a:rPr lang="ko-KR" altLang="ko-KR" sz="1600" dirty="0"/>
+              <a:t> 노트를 쳤을 때 판정에 따라 이펙트를 그</a:t>
+            </a:r>
+            <a:r>
+              <a:rPr lang="ko-KR" altLang="en-US" sz="1600" dirty="0"/>
+              <a:t>리</a:t>
+            </a:r>
+            <a:r>
+              <a:rPr lang="ko-KR" altLang="ko-KR" sz="1600" dirty="0"/>
+              <a:t>는 클래스</a:t>
+            </a:r>
+            <a:r>
+              <a:rPr lang="en-US" altLang="ko-KR" sz="1600" dirty="0"/>
+              <a:t>,</a:t>
+            </a:r>
+          </a:p>
+          <a:p>
+            <a:pPr marL="0" indent="0">
+              <a:buNone/>
+            </a:pPr>
+            <a:r>
+              <a:rPr lang="en-US" altLang="ko-KR" sz="1600" dirty="0"/>
+              <a:t>		</a:t>
+            </a:r>
+            <a:r>
+              <a:rPr lang="en-US" altLang="ko-KR" sz="1600" dirty="0" err="1"/>
+              <a:t>AnimationTimer</a:t>
+            </a:r>
+            <a:r>
+              <a:rPr lang="en-US" altLang="ko-KR" sz="1600" dirty="0"/>
+              <a:t> </a:t>
+            </a:r>
+            <a:r>
+              <a:rPr lang="ko-KR" altLang="en-US" sz="1600" dirty="0"/>
+              <a:t>추상 클래스를 상속 받음</a:t>
+            </a:r>
+            <a:endParaRPr lang="en-US" altLang="ko-KR" sz="1600" dirty="0"/>
+          </a:p>
+          <a:p>
+            <a:pPr lvl="1"/>
+            <a:r>
+              <a:rPr lang="en-US" altLang="ko-KR" sz="1200" dirty="0" err="1"/>
+              <a:t>effectDuration</a:t>
+            </a:r>
+            <a:r>
+              <a:rPr lang="en-US" altLang="ko-KR" sz="1200" dirty="0"/>
+              <a:t> : </a:t>
+            </a:r>
+            <a:r>
+              <a:rPr lang="ko-KR" altLang="ko-KR" sz="1200" dirty="0"/>
+              <a:t>이펙트를 보여주는 시간</a:t>
+            </a:r>
+          </a:p>
+          <a:p>
+            <a:pPr lvl="1"/>
+            <a:r>
+              <a:rPr lang="en-US" altLang="ko-KR" sz="1200" dirty="0" err="1"/>
+              <a:t>isStop</a:t>
+            </a:r>
+            <a:r>
+              <a:rPr lang="en-US" altLang="ko-KR" sz="1200" dirty="0"/>
+              <a:t> : </a:t>
+            </a:r>
+            <a:r>
+              <a:rPr lang="ko-KR" altLang="ko-KR" sz="1200" dirty="0"/>
+              <a:t>이펙트가 지속되는지 확인하는 변수</a:t>
+            </a:r>
+          </a:p>
+          <a:p>
+            <a:pPr lvl="1"/>
+            <a:r>
+              <a:rPr lang="en-US" altLang="ko-KR" sz="1200" dirty="0" err="1"/>
+              <a:t>startTime</a:t>
+            </a:r>
+            <a:r>
+              <a:rPr lang="en-US" altLang="ko-KR" sz="1200" dirty="0"/>
+              <a:t> : </a:t>
+            </a:r>
+            <a:r>
+              <a:rPr lang="ko-KR" altLang="ko-KR" sz="1200" dirty="0"/>
+              <a:t>이펙트가 시작된 시간</a:t>
+            </a:r>
+          </a:p>
+          <a:p>
+            <a:pPr lvl="1"/>
+            <a:r>
+              <a:rPr lang="en-US" altLang="ko-KR" sz="1200" dirty="0" err="1"/>
+              <a:t>currentTime</a:t>
+            </a:r>
+            <a:r>
+              <a:rPr lang="en-US" altLang="ko-KR" sz="1200" dirty="0"/>
+              <a:t> : </a:t>
+            </a:r>
+            <a:r>
+              <a:rPr lang="ko-KR" altLang="ko-KR" sz="1200" dirty="0"/>
+              <a:t>이펙트가 시작된 시간부터 측정하기 시작하는 시간</a:t>
+            </a:r>
+          </a:p>
+          <a:p>
+            <a:pPr lvl="1"/>
+            <a:r>
+              <a:rPr lang="en-US" altLang="ko-KR" sz="1200" dirty="0" err="1"/>
+              <a:t>collisionType</a:t>
+            </a:r>
+            <a:r>
+              <a:rPr lang="en-US" altLang="ko-KR" sz="1200" dirty="0"/>
+              <a:t> : </a:t>
+            </a:r>
+            <a:r>
+              <a:rPr lang="ko-KR" altLang="ko-KR" sz="1200" dirty="0"/>
+              <a:t>판정 타입</a:t>
+            </a:r>
+          </a:p>
+          <a:p>
+            <a:pPr lvl="1"/>
+            <a:r>
+              <a:rPr lang="en-US" altLang="ko-KR" sz="1200" dirty="0"/>
+              <a:t>line : </a:t>
+            </a:r>
+            <a:r>
+              <a:rPr lang="ko-KR" altLang="ko-KR" sz="1200" dirty="0"/>
+              <a:t>노트가 내려오는 구간</a:t>
+            </a:r>
+          </a:p>
+          <a:p>
+            <a:pPr lvl="1"/>
+            <a:r>
+              <a:rPr lang="en-US" altLang="ko-KR" sz="1200" dirty="0"/>
+              <a:t>color : </a:t>
+            </a:r>
+            <a:r>
+              <a:rPr lang="ko-KR" altLang="ko-KR" sz="1200" dirty="0"/>
+              <a:t>이펙트의 색</a:t>
+            </a:r>
+          </a:p>
+          <a:p>
+            <a:pPr lvl="1"/>
+            <a:r>
+              <a:rPr lang="en-US" altLang="ko-KR" sz="1200" dirty="0" err="1"/>
+              <a:t>xPoints</a:t>
+            </a:r>
+            <a:r>
+              <a:rPr lang="en-US" altLang="ko-KR" sz="1200" dirty="0"/>
+              <a:t> : </a:t>
+            </a:r>
+            <a:r>
+              <a:rPr lang="ko-KR" altLang="ko-KR" sz="1200" dirty="0"/>
+              <a:t>이펙트의 표시하기 위한</a:t>
+            </a:r>
+            <a:r>
+              <a:rPr lang="en-US" altLang="ko-KR" sz="1200" dirty="0"/>
+              <a:t> 3</a:t>
+            </a:r>
+            <a:r>
+              <a:rPr lang="ko-KR" altLang="ko-KR" sz="1200" dirty="0"/>
+              <a:t>점의 </a:t>
+            </a:r>
+            <a:r>
+              <a:rPr lang="en-US" altLang="ko-KR" sz="1200" dirty="0"/>
+              <a:t>x</a:t>
+            </a:r>
+            <a:r>
+              <a:rPr lang="ko-KR" altLang="ko-KR" sz="1200" dirty="0"/>
+              <a:t>좌표</a:t>
+            </a:r>
+          </a:p>
+          <a:p>
+            <a:pPr lvl="1"/>
+            <a:r>
+              <a:rPr lang="en-US" altLang="ko-KR" sz="1200" dirty="0" err="1"/>
+              <a:t>yPoints</a:t>
+            </a:r>
+            <a:r>
+              <a:rPr lang="en-US" altLang="ko-KR" sz="1200" dirty="0"/>
+              <a:t> : </a:t>
+            </a:r>
+            <a:r>
+              <a:rPr lang="ko-KR" altLang="ko-KR" sz="1200" dirty="0"/>
+              <a:t>이펙트를 표시하기 위한</a:t>
+            </a:r>
+            <a:r>
+              <a:rPr lang="en-US" altLang="ko-KR" sz="1200" dirty="0"/>
+              <a:t> 3</a:t>
+            </a:r>
+            <a:r>
+              <a:rPr lang="ko-KR" altLang="ko-KR" sz="1200" dirty="0"/>
+              <a:t>점의 </a:t>
+            </a:r>
+            <a:r>
+              <a:rPr lang="en-US" altLang="ko-KR" sz="1200" dirty="0"/>
+              <a:t>y</a:t>
+            </a:r>
+            <a:r>
+              <a:rPr lang="ko-KR" altLang="ko-KR" sz="1200" dirty="0"/>
+              <a:t>좌표</a:t>
+            </a:r>
+            <a:endParaRPr lang="en-US" altLang="ko-KR" sz="1200" dirty="0"/>
+          </a:p>
+          <a:p>
+            <a:pPr lvl="1"/>
+            <a:r>
+              <a:rPr lang="en-US" altLang="ko-KR" sz="1200" dirty="0" err="1"/>
+              <a:t>getImgLength</a:t>
+            </a:r>
+            <a:r>
+              <a:rPr lang="en-US" altLang="ko-KR" sz="1200" dirty="0"/>
+              <a:t>( ) : </a:t>
+            </a:r>
+            <a:r>
+              <a:rPr lang="ko-KR" altLang="ko-KR" sz="1200" dirty="0"/>
+              <a:t>이펙트가 그려지는 위치 계산</a:t>
+            </a:r>
+          </a:p>
+          <a:p>
+            <a:pPr lvl="1"/>
+            <a:endParaRPr lang="ko-KR" altLang="ko-KR" sz="1200" dirty="0"/>
+          </a:p>
+          <a:p>
+            <a:endParaRPr lang="en-US" altLang="ko-KR" sz="1200" dirty="0"/>
           </a:p>
         </p:txBody>
       </p:sp>
     </p:spTree>
     <p:extLst>
       <p:ext uri="{BB962C8B-B14F-4D97-AF65-F5344CB8AC3E}">
-        <p14:creationId xmlns:p14="http://schemas.microsoft.com/office/powerpoint/2010/main" val="3162332653"/>
+        <p14:creationId xmlns:p14="http://schemas.microsoft.com/office/powerpoint/2010/main" val="2393422914"/>
       </p:ext>
     </p:extLst>
   </p:cSld>
@@ -4203,11 +4261,11 @@
             <a:pPr lvl="1"/>
             <a:r>
               <a:rPr lang="en-US" altLang="ko-KR" dirty="0"/>
-              <a:t>3) </a:t>
+              <a:t>4) </a:t>
             </a:r>
             <a:r>
               <a:rPr lang="en-US" altLang="ko-KR" dirty="0" err="1"/>
-              <a:t>Model_redaerPackage</a:t>
+              <a:t>View_gameDrawerPackage</a:t>
             </a:r>
             <a:endParaRPr lang="ko-KR" altLang="en-US" dirty="0"/>
           </a:p>
@@ -4238,11 +4296,27 @@
           <a:p>
             <a:r>
               <a:rPr lang="en-US" altLang="ko-KR" sz="1600" dirty="0"/>
-              <a:t>NoteReader.java : </a:t>
+              <a:t>GameDrawer.java : </a:t>
             </a:r>
             <a:r>
               <a:rPr lang="ko-KR" altLang="ko-KR" sz="1600" dirty="0"/>
-              <a:t>저장된 노트 파일을 읽어와 지정된 노트 형식의 배열로 만들어주는 클래스</a:t>
+              <a:t>다른</a:t>
+            </a:r>
+            <a:r>
+              <a:rPr lang="en-US" altLang="ko-KR" sz="1600" dirty="0"/>
+              <a:t> Drawer</a:t>
+            </a:r>
+            <a:r>
+              <a:rPr lang="ko-KR" altLang="ko-KR" sz="1600" dirty="0"/>
+              <a:t>클래스들을 불러와 전체적인 게임 화면을 그</a:t>
+            </a:r>
+            <a:r>
+              <a:rPr lang="ko-KR" altLang="en-US" sz="1600" dirty="0"/>
+              <a:t>리</a:t>
+            </a:r>
+            <a:r>
+              <a:rPr lang="ko-KR" altLang="ko-KR" sz="1600" dirty="0"/>
+              <a:t>는 클래스</a:t>
             </a:r>
             <a:endParaRPr lang="en-US" altLang="ko-KR" sz="1600" dirty="0"/>
           </a:p>
@@ -4250,45 +4324,11 @@
             <a:pPr lvl="1"/>
             <a:r>
               <a:rPr lang="en-US" altLang="ko-KR" sz="1200" dirty="0"/>
-              <a:t>notes : </a:t>
+              <a:t>draw( ) : </a:t>
             </a:r>
             <a:r>
               <a:rPr lang="ko-KR" altLang="ko-KR" sz="1200" dirty="0"/>
-              <a:t>노트의 정보를 저장할 큐</a:t>
-            </a:r>
-          </a:p>
-          <a:p>
-            <a:pPr lvl="1"/>
-            <a:r>
-              <a:rPr lang="en-US" altLang="ko-KR" sz="1200" dirty="0"/>
-              <a:t>sync : </a:t>
-            </a:r>
-            <a:r>
-              <a:rPr lang="ko-KR" altLang="ko-KR" sz="1200" dirty="0"/>
-              <a:t>노트가 내려올 타이밍을 조절하기 위한 변수</a:t>
-            </a:r>
-          </a:p>
-          <a:p>
-            <a:pPr lvl="1"/>
-            <a:r>
-              <a:rPr lang="en-US" altLang="ko-KR" sz="1200" dirty="0" err="1"/>
-              <a:t>readNote</a:t>
-            </a:r>
-            <a:r>
-              <a:rPr lang="en-US" altLang="ko-KR" sz="1200" dirty="0"/>
-              <a:t>( ) : </a:t>
-            </a:r>
-            <a:r>
-              <a:rPr lang="ko-KR" altLang="ko-KR" sz="1200" dirty="0"/>
-              <a:t>모든 노트의 정보가 저장된 텍스트 파일을 불러와 어느 라인에 어느</a:t>
-            </a:r>
-            <a:r>
-              <a:rPr lang="en-US" altLang="ko-KR" sz="1200" dirty="0"/>
-              <a:t> </a:t>
-            </a:r>
-            <a:r>
-              <a:rPr lang="ko-KR" altLang="ko-KR" sz="1200" dirty="0"/>
-              <a:t>시간에 나타날 지 구별해 놓는 메소</a:t>
+              <a:t>게임 플레이 화면을 구성하는 요소들을 그려주는 메소</a:t>
             </a:r>
             <a:r>
               <a:rPr lang="ko-KR" altLang="en-US" sz="1200" dirty="0"/>
@@ -4299,155 +4339,97 @@
           <a:p>
             <a:r>
               <a:rPr lang="en-US" altLang="ko-KR" sz="1600" dirty="0"/>
-              <a:t>ScoreReader.java : </a:t>
+              <a:t>NoteDrawer.java : </a:t>
+            </a:r>
+            <a:r>
+              <a:rPr lang="ko-KR" altLang="ko-KR" sz="1600" dirty="0"/>
+              <a:t>화면에 나타나 있을 노트를 받아 뒤에서부터 그</a:t>
             </a:r>
             <a:r>
               <a:rPr lang="ko-KR" altLang="en-US" sz="1600" dirty="0"/>
-              <a:t>선택된 노래의 점수를 읽고 결과를 덮어쓰는 클래스</a:t>
+              <a:t>리</a:t>
+            </a:r>
+            <a:r>
+              <a:rPr lang="ko-KR" altLang="ko-KR" sz="1600" dirty="0"/>
+              <a:t>는 클래스</a:t>
             </a:r>
             <a:endParaRPr lang="en-US" altLang="ko-KR" sz="1600" dirty="0"/>
           </a:p>
           <a:p>
             <a:pPr lvl="1"/>
             <a:r>
+              <a:rPr lang="en-US" altLang="ko-KR" sz="1200" dirty="0"/>
+              <a:t>draw( ) : </a:t>
+            </a:r>
+            <a:r>
+              <a:rPr lang="ko-KR" altLang="ko-KR" sz="1200" dirty="0"/>
+              <a:t>노트를 뒤에 있는 순으로 그려주는 메소드</a:t>
+            </a:r>
+            <a:endParaRPr lang="en-US" altLang="ko-KR" sz="1200" dirty="0"/>
+          </a:p>
+          <a:p>
+            <a:r>
+              <a:rPr lang="en-US" altLang="ko-KR" sz="1600" dirty="0"/>
+              <a:t>ScoreDrawer.java : </a:t>
+            </a:r>
+            <a:r>
+              <a:rPr lang="ko-KR" altLang="ko-KR" sz="1600" dirty="0"/>
+              <a:t>화면 우측에 점수와 판정을 표시</a:t>
+            </a:r>
+            <a:r>
+              <a:rPr lang="ko-KR" altLang="en-US" sz="1600" dirty="0"/>
+              <a:t>하</a:t>
+            </a:r>
+            <a:r>
+              <a:rPr lang="ko-KR" altLang="ko-KR" sz="1600" dirty="0"/>
+              <a:t>는 클래스</a:t>
+            </a:r>
+            <a:endParaRPr lang="en-US" altLang="ko-KR" sz="1600" dirty="0"/>
+          </a:p>
+          <a:p>
+            <a:pPr lvl="1"/>
+            <a:r>
               <a:rPr lang="en-US" altLang="ko-KR" sz="1200" dirty="0" err="1"/>
-              <a:t>readScore</a:t>
-            </a:r>
-            <a:r>
-              <a:rPr lang="en-US" altLang="ko-KR" sz="1200" dirty="0"/>
-              <a:t>(</a:t>
-            </a:r>
-            <a:r>
-              <a:rPr lang="ko-KR" altLang="en-US" sz="1200" dirty="0"/>
-              <a:t> </a:t>
-            </a:r>
-            <a:r>
-              <a:rPr lang="en-US" altLang="ko-KR" sz="1200" dirty="0"/>
-              <a:t>) : </a:t>
-            </a:r>
-            <a:r>
-              <a:rPr lang="ko-KR" altLang="en-US" sz="1200" dirty="0"/>
-              <a:t>선택된 노래의 알맞은 텍스트 파일을 읽어 정보를 가져오는 메소드</a:t>
-            </a:r>
-            <a:endParaRPr lang="en-US" altLang="ko-KR" sz="1200" dirty="0"/>
+              <a:t>comboEffect</a:t>
+            </a:r>
+            <a:r>
+              <a:rPr lang="en-US" altLang="ko-KR" sz="1200" dirty="0"/>
+              <a:t> : </a:t>
+            </a:r>
+            <a:r>
+              <a:rPr lang="ko-KR" altLang="ko-KR" sz="1200" dirty="0"/>
+              <a:t>콤보의 변화를 보여줄 때 사용할 이펙트</a:t>
+            </a:r>
           </a:p>
           <a:p>
             <a:pPr lvl="1"/>
             <a:r>
               <a:rPr lang="en-US" altLang="ko-KR" sz="1200" dirty="0" err="1"/>
-              <a:t>writeScore</a:t>
+              <a:t>drawScore</a:t>
             </a:r>
             <a:r>
               <a:rPr lang="en-US" altLang="ko-KR" sz="1200" dirty="0"/>
               <a:t>( ) : </a:t>
             </a:r>
             <a:r>
-              <a:rPr lang="ko-KR" altLang="en-US" sz="1200" dirty="0"/>
-              <a:t>선택된 노래의 알맞은 텍스트 파일에 결과 정보를 덮어쓰는 메소드</a:t>
-            </a:r>
-            <a:endParaRPr lang="en-US" altLang="ko-KR" sz="100" dirty="0"/>
-          </a:p>
-          <a:p>
-            <a:r>
-              <a:rPr lang="en-US" altLang="ko-KR" sz="1600" dirty="0"/>
-              <a:t>SettingReader.java : </a:t>
-            </a:r>
-            <a:r>
-              <a:rPr lang="ko-KR" altLang="en-US" sz="1600" dirty="0"/>
-              <a:t>저장된 설정 값을 읽고 덮어쓰는 클래스</a:t>
-            </a:r>
-            <a:endParaRPr lang="en-US" altLang="ko-KR" sz="1600" dirty="0"/>
+              <a:rPr lang="ko-KR" altLang="ko-KR" sz="1200" dirty="0"/>
+              <a:t>점수를 보여주는 메소드</a:t>
+            </a:r>
           </a:p>
           <a:p>
             <a:pPr lvl="1"/>
             <a:r>
               <a:rPr lang="en-US" altLang="ko-KR" sz="1200" dirty="0" err="1"/>
-              <a:t>seetingFilePath</a:t>
-            </a:r>
-            <a:r>
-              <a:rPr lang="en-US" altLang="ko-KR" sz="1200" dirty="0"/>
-              <a:t> : </a:t>
-            </a:r>
-            <a:r>
-              <a:rPr lang="ko-KR" altLang="en-US" sz="1200" dirty="0"/>
-              <a:t>정보를 가져올 파일의 경로</a:t>
-            </a:r>
-            <a:endParaRPr lang="en-US" altLang="ko-KR" sz="1200" dirty="0"/>
-          </a:p>
-          <a:p>
-            <a:pPr lvl="1"/>
-            <a:r>
-              <a:rPr lang="en-US" altLang="ko-KR" sz="1200" dirty="0" err="1"/>
-              <a:t>readSetting</a:t>
+              <a:t>drawCombo</a:t>
             </a:r>
             <a:r>
               <a:rPr lang="en-US" altLang="ko-KR" sz="1200" dirty="0"/>
               <a:t>( ) : </a:t>
             </a:r>
             <a:r>
-              <a:rPr lang="ko-KR" altLang="en-US" sz="1200" dirty="0"/>
-              <a:t>저장된 설정 값을 읽어 정보를 가져오는 메소드</a:t>
-            </a:r>
-            <a:endParaRPr lang="en-US" altLang="ko-KR" sz="1200" dirty="0"/>
-          </a:p>
-          <a:p>
-            <a:pPr lvl="1"/>
-            <a:r>
-              <a:rPr lang="en-US" altLang="ko-KR" sz="1200" dirty="0" err="1"/>
-              <a:t>writeSetting</a:t>
-            </a:r>
-            <a:r>
-              <a:rPr lang="en-US" altLang="ko-KR" sz="1200" dirty="0"/>
-              <a:t>( ) : </a:t>
-            </a:r>
-            <a:r>
-              <a:rPr lang="ko-KR" altLang="en-US" sz="1200" dirty="0"/>
-              <a:t>새롭게 설정된 값을 덮어쓰는 메소드</a:t>
-            </a:r>
-            <a:endParaRPr lang="en-US" altLang="ko-KR" sz="1200" dirty="0"/>
-          </a:p>
-          <a:p>
-            <a:r>
-              <a:rPr lang="en-US" altLang="ko-KR" sz="1600" dirty="0"/>
-              <a:t>SongValueReader.java : </a:t>
-            </a:r>
-            <a:r>
-              <a:rPr lang="ko-KR" altLang="en-US" sz="1600" dirty="0"/>
-              <a:t>재생된 곡의 이름과 그 곡의 노트 개수를 읽고 덮어쓰는 클래스</a:t>
-            </a:r>
-            <a:endParaRPr lang="en-US" altLang="ko-KR" sz="1200" dirty="0"/>
-          </a:p>
-          <a:p>
-            <a:pPr lvl="1"/>
-            <a:r>
-              <a:rPr lang="en-US" altLang="ko-KR" sz="1200" dirty="0" err="1"/>
-              <a:t>readSongValue</a:t>
-            </a:r>
-            <a:r>
-              <a:rPr lang="en-US" altLang="ko-KR" sz="1200" dirty="0"/>
-              <a:t>( ) : </a:t>
-            </a:r>
-            <a:r>
-              <a:rPr lang="ko-KR" altLang="en-US" sz="1200" dirty="0"/>
-              <a:t>재생된 곡의 이름과 그 곡의 노트 개수를 읽어 정보를 가져오는 메소드</a:t>
-            </a:r>
-            <a:endParaRPr lang="en-US" altLang="ko-KR" sz="1200" dirty="0"/>
-          </a:p>
-          <a:p>
-            <a:pPr lvl="1"/>
-            <a:r>
-              <a:rPr lang="en-US" altLang="ko-KR" sz="1200" dirty="0" err="1"/>
-              <a:t>writeSongValue</a:t>
-            </a:r>
-            <a:r>
-              <a:rPr lang="en-US" altLang="ko-KR" sz="1200" dirty="0"/>
-              <a:t>( ) : </a:t>
-            </a:r>
-            <a:r>
-              <a:rPr lang="ko-KR" altLang="en-US" sz="1200" dirty="0"/>
-              <a:t>재생된 곡의 이름과 그 곡의 노트 개수에 대한 정보를 덮어쓰는 클래스</a:t>
-            </a:r>
-            <a:endParaRPr lang="ko-KR" altLang="ko-KR" sz="1200" dirty="0"/>
+              <a:rPr lang="ko-KR" altLang="ko-KR" sz="1200" dirty="0"/>
+              <a:t>콤보를 보여주는 메소드</a:t>
+            </a:r>
           </a:p>
           <a:p>
             <a:pPr lvl="1"/>
@@ -4458,7 +4440,7 @@
     </p:spTree>
     <p:extLst>
       <p:ext uri="{BB962C8B-B14F-4D97-AF65-F5344CB8AC3E}">
-        <p14:creationId xmlns:p14="http://schemas.microsoft.com/office/powerpoint/2010/main" val="180620296"/>
+        <p14:creationId xmlns:p14="http://schemas.microsoft.com/office/powerpoint/2010/main" val="1703538266"/>
       </p:ext>
     </p:extLst>
   </p:cSld>
@@ -4560,8 +4542,8 @@
         </p:blipFill>
         <p:spPr>
           <a:xfrm>
-            <a:off x="1125373" y="1690688"/>
-            <a:ext cx="9941252" cy="4823046"/>
+            <a:off x="1125373" y="1856495"/>
+            <a:ext cx="9941252" cy="4491431"/>
           </a:xfrm>
         </p:spPr>
       </p:pic>
@@ -4615,19 +4597,11 @@
             <a:pPr lvl="1"/>
             <a:r>
               <a:rPr lang="en-US" altLang="ko-KR" dirty="0"/>
-              <a:t>4) </a:t>
+              <a:t>5) </a:t>
             </a:r>
             <a:r>
               <a:rPr lang="en-US" altLang="ko-KR" dirty="0" err="1"/>
-              <a:t>View_effectDrawerPackage</a:t>
-            </a:r>
-            <a:r>
-              <a:rPr lang="en-US" altLang="ko-KR" dirty="0"/>
-              <a:t>, </a:t>
-            </a:r>
-            <a:r>
-              <a:rPr lang="en-US" altLang="ko-KR" dirty="0" err="1"/>
-              <a:t>View_gameDrawerPackage</a:t>
+              <a:t>Controller_calculatorPackage</a:t>
             </a:r>
             <a:endParaRPr lang="ko-KR" altLang="en-US" dirty="0"/>
           </a:p>
@@ -4636,7 +4610,7 @@
     </p:spTree>
     <p:extLst>
       <p:ext uri="{BB962C8B-B14F-4D97-AF65-F5344CB8AC3E}">
-        <p14:creationId xmlns:p14="http://schemas.microsoft.com/office/powerpoint/2010/main" val="694710267"/>
+        <p14:creationId xmlns:p14="http://schemas.microsoft.com/office/powerpoint/2010/main" val="3751324303"/>
       </p:ext>
     </p:extLst>
   </p:cSld>
@@ -4758,11 +4732,11 @@
             <a:pPr lvl="1"/>
             <a:r>
               <a:rPr lang="en-US" altLang="ko-KR" dirty="0"/>
-              <a:t>4) </a:t>
+              <a:t>5) </a:t>
             </a:r>
             <a:r>
               <a:rPr lang="en-US" altLang="ko-KR" dirty="0" err="1"/>
-              <a:t>View_effectDrawerPackage</a:t>
+              <a:t>Controller_calculatorPackage</a:t>
             </a:r>
             <a:endParaRPr lang="ko-KR" altLang="en-US" dirty="0"/>
           </a:p>
@@ -4784,7 +4758,12 @@
             <p:ph idx="1"/>
           </p:nvPr>
         </p:nvSpPr>
-        <p:spPr/>
+        <p:spPr>
+          <a:xfrm>
+            <a:off x="838200" y="1825625"/>
+            <a:ext cx="10515600" cy="4351338"/>
+          </a:xfrm>
+        </p:spPr>
         <p:txBody>
           <a:bodyPr>
             <a:normAutofit/>
@@ -4793,36 +4772,212 @@
           <a:p>
             <a:r>
               <a:rPr lang="en-US" altLang="ko-KR" sz="1600" dirty="0"/>
-              <a:t>ComboEffect.java : </a:t>
+              <a:t>NotePositionCalc.java :</a:t>
+            </a:r>
+            <a:r>
+              <a:rPr lang="ko-KR" altLang="ko-KR" dirty="0"/>
+              <a:t> </a:t>
+            </a:r>
+            <a:r>
+              <a:rPr lang="ko-KR" altLang="ko-KR" sz="1600" dirty="0"/>
+              <a:t>노트의 크기와 위치 변화를 계산</a:t>
             </a:r>
             <a:r>
               <a:rPr lang="ko-KR" altLang="en-US" sz="1600" dirty="0"/>
-              <a:t>게임 내 화면 우측에 콤보 이펙트를 그리는 클래스</a:t>
-            </a:r>
+              <a:t>하</a:t>
+            </a:r>
+            <a:r>
+              <a:rPr lang="ko-KR" altLang="ko-KR" sz="1600" dirty="0"/>
+              <a:t>는 클래스</a:t>
+            </a:r>
+            <a:endParaRPr lang="en-US" altLang="ko-KR" sz="1600" dirty="0"/>
+          </a:p>
+          <a:p>
+            <a:pPr lvl="1"/>
+            <a:r>
+              <a:rPr lang="en-US" altLang="ko-KR" sz="1200" dirty="0" err="1"/>
+              <a:t>droptime</a:t>
+            </a:r>
+            <a:r>
+              <a:rPr lang="en-US" altLang="ko-KR" sz="1200" dirty="0"/>
+              <a:t> : </a:t>
+            </a:r>
+            <a:r>
+              <a:rPr lang="ko-KR" altLang="ko-KR" sz="1200" dirty="0"/>
+              <a:t>노트가 떨어지는 시간</a:t>
+            </a:r>
+          </a:p>
+          <a:p>
+            <a:pPr lvl="1"/>
+            <a:r>
+              <a:rPr lang="en-US" altLang="ko-KR" sz="1200" dirty="0"/>
+              <a:t>multiple : </a:t>
+            </a:r>
+            <a:r>
+              <a:rPr lang="ko-KR" altLang="ko-KR" sz="1200" dirty="0"/>
+              <a:t>노트의 크기 변화를 줄 변수</a:t>
+            </a:r>
+          </a:p>
+          <a:p>
+            <a:pPr lvl="1"/>
+            <a:r>
+              <a:rPr lang="en-US" altLang="ko-KR" sz="1200" dirty="0" err="1"/>
+              <a:t>intiSizeX</a:t>
+            </a:r>
+            <a:r>
+              <a:rPr lang="en-US" altLang="ko-KR" sz="1200" dirty="0"/>
+              <a:t> : </a:t>
+            </a:r>
+            <a:r>
+              <a:rPr lang="ko-KR" altLang="ko-KR" sz="1200" dirty="0"/>
+              <a:t>노트의 최종 가로 길이</a:t>
+            </a:r>
+          </a:p>
+          <a:p>
+            <a:pPr lvl="1"/>
+            <a:r>
+              <a:rPr lang="en-US" altLang="ko-KR" sz="1200" dirty="0" err="1"/>
+              <a:t>initSizeY</a:t>
+            </a:r>
+            <a:r>
+              <a:rPr lang="en-US" altLang="ko-KR" sz="1200" dirty="0"/>
+              <a:t> : </a:t>
+            </a:r>
+            <a:r>
+              <a:rPr lang="ko-KR" altLang="ko-KR" sz="1200" dirty="0"/>
+              <a:t>노트의 최종 세로 길이</a:t>
+            </a:r>
+          </a:p>
+          <a:p>
+            <a:pPr lvl="1"/>
+            <a:r>
+              <a:rPr lang="en-US" altLang="ko-KR" sz="1200" dirty="0" err="1"/>
+              <a:t>currentSizeX</a:t>
+            </a:r>
+            <a:r>
+              <a:rPr lang="en-US" altLang="ko-KR" sz="1200" dirty="0"/>
+              <a:t> : </a:t>
+            </a:r>
+            <a:r>
+              <a:rPr lang="ko-KR" altLang="ko-KR" sz="1200" dirty="0"/>
+              <a:t>현재 노트의 가로 길이</a:t>
+            </a:r>
+          </a:p>
+          <a:p>
+            <a:pPr lvl="1"/>
+            <a:r>
+              <a:rPr lang="en-US" altLang="ko-KR" sz="1200" dirty="0" err="1"/>
+              <a:t>currentSizeY</a:t>
+            </a:r>
+            <a:r>
+              <a:rPr lang="en-US" altLang="ko-KR" sz="1200" dirty="0"/>
+              <a:t> : </a:t>
+            </a:r>
+            <a:r>
+              <a:rPr lang="ko-KR" altLang="ko-KR" sz="1200" dirty="0"/>
+              <a:t>현재 노트의 세로 길이</a:t>
+            </a:r>
+          </a:p>
+          <a:p>
+            <a:pPr lvl="1"/>
+            <a:r>
+              <a:rPr lang="en-US" altLang="ko-KR" sz="1200" dirty="0" err="1"/>
+              <a:t>startLocationY</a:t>
+            </a:r>
+            <a:r>
+              <a:rPr lang="en-US" altLang="ko-KR" sz="1200" dirty="0"/>
+              <a:t> : </a:t>
+            </a:r>
+            <a:r>
+              <a:rPr lang="ko-KR" altLang="ko-KR" sz="1200" dirty="0"/>
+              <a:t>노트의 시작 지점</a:t>
+            </a:r>
+          </a:p>
+          <a:p>
+            <a:pPr lvl="1"/>
+            <a:r>
+              <a:rPr lang="en-US" altLang="ko-KR" sz="1200" dirty="0" err="1"/>
+              <a:t>indicesForY</a:t>
+            </a:r>
+            <a:r>
+              <a:rPr lang="en-US" altLang="ko-KR" sz="1200" dirty="0"/>
+              <a:t> : </a:t>
+            </a:r>
+            <a:r>
+              <a:rPr lang="ko-KR" altLang="ko-KR" sz="1200" dirty="0"/>
+              <a:t>노트의 현재 </a:t>
+            </a:r>
+            <a:r>
+              <a:rPr lang="en-US" altLang="ko-KR" sz="1200" dirty="0"/>
+              <a:t>y</a:t>
+            </a:r>
+            <a:r>
+              <a:rPr lang="ko-KR" altLang="ko-KR" sz="1200" dirty="0"/>
+              <a:t>값 계산에 사용될 계수</a:t>
+            </a:r>
+          </a:p>
+          <a:p>
+            <a:pPr lvl="1"/>
+            <a:r>
+              <a:rPr lang="en-US" altLang="ko-KR" sz="1200" dirty="0" err="1"/>
+              <a:t>indicesForSizeX</a:t>
+            </a:r>
+            <a:r>
+              <a:rPr lang="en-US" altLang="ko-KR" sz="1200" dirty="0"/>
+              <a:t> : </a:t>
+            </a:r>
+            <a:r>
+              <a:rPr lang="ko-KR" altLang="ko-KR" sz="1200" dirty="0"/>
+              <a:t>노트의 가로 길이 계산에 사용될 계수</a:t>
+            </a:r>
+          </a:p>
+          <a:p>
+            <a:pPr lvl="1"/>
+            <a:r>
+              <a:rPr lang="en-US" altLang="ko-KR" sz="1200" dirty="0" err="1"/>
+              <a:t>indicesForSizeY</a:t>
+            </a:r>
+            <a:r>
+              <a:rPr lang="en-US" altLang="ko-KR" sz="1200" dirty="0"/>
+              <a:t> : </a:t>
+            </a:r>
+            <a:r>
+              <a:rPr lang="ko-KR" altLang="ko-KR" sz="1200" dirty="0"/>
+              <a:t>노트의 세로 길이 계산에 사용될 계수</a:t>
+            </a:r>
+          </a:p>
+          <a:p>
+            <a:pPr lvl="1"/>
+            <a:r>
+              <a:rPr lang="en-US" altLang="ko-KR" sz="1200" dirty="0" err="1"/>
+              <a:t>isOnScreen</a:t>
+            </a:r>
+            <a:r>
+              <a:rPr lang="en-US" altLang="ko-KR" sz="1200" dirty="0"/>
+              <a:t>( ) : </a:t>
+            </a:r>
+            <a:r>
+              <a:rPr lang="ko-KR" altLang="ko-KR" sz="1200" dirty="0"/>
+              <a:t>노트가 화면에 나와 있는지 확인하는 메소드</a:t>
+            </a:r>
+            <a:endParaRPr lang="en-US" altLang="ko-KR" sz="1600" dirty="0"/>
+          </a:p>
+          <a:p>
             <a:r>
               <a:rPr lang="en-US" altLang="ko-KR" sz="1600" dirty="0"/>
-              <a:t>,</a:t>
-            </a:r>
-          </a:p>
-          <a:p>
-            <a:pPr marL="0" indent="0">
-              <a:buNone/>
-            </a:pPr>
-            <a:r>
-              <a:rPr lang="en-US" altLang="ko-KR" sz="1600" dirty="0"/>
-              <a:t>		</a:t>
-            </a:r>
-            <a:r>
-              <a:rPr lang="en-US" altLang="ko-KR" sz="1600" dirty="0" err="1"/>
-              <a:t>AnimationTimer</a:t>
-            </a:r>
-            <a:r>
-              <a:rPr lang="en-US" altLang="ko-KR" sz="1600" dirty="0"/>
-              <a:t> </a:t>
+              <a:t>ScoreCalc.java : </a:t>
+            </a:r>
+            <a:r>
+              <a:rPr lang="ko-KR" altLang="ko-KR" sz="1600" dirty="0"/>
+              <a:t>노트를 칠 때의 판정에 따라 점수를 계산</a:t>
             </a:r>
             <a:r>
               <a:rPr lang="ko-KR" altLang="en-US" sz="1600" dirty="0"/>
-              <a:t>추상 클래스를 상속 받음</a:t>
+              <a:t>하</a:t>
+            </a:r>
+            <a:r>
+              <a:rPr lang="ko-KR" altLang="ko-KR" sz="1600" dirty="0"/>
+              <a:t>는 클래스</a:t>
             </a:r>
             <a:endParaRPr lang="en-US" altLang="ko-KR" sz="1600" dirty="0"/>
           </a:p>
@@ -4830,7 +4985,7 @@
             <a:pPr lvl="1"/>
             <a:r>
               <a:rPr lang="en-US" altLang="ko-KR" sz="1200" dirty="0" err="1"/>
-              <a:t>effectDuration</a:t>
+              <a:t>noteAmount</a:t>
             </a:r>
             <a:r>
               <a:rPr lang="en-US" altLang="ko-KR" sz="1200" dirty="0"/>
@@ -4838,14 +4993,14 @@
             </a:r>
             <a:r>
               <a:rPr lang="ko-KR" altLang="ko-KR" sz="1200" dirty="0"/>
-              <a:t>이펙트가 나타나는 시간</a:t>
+              <a:t>노트의 총 개수</a:t>
             </a:r>
           </a:p>
           <a:p>
             <a:pPr lvl="1"/>
             <a:r>
               <a:rPr lang="en-US" altLang="ko-KR" sz="1200" dirty="0" err="1"/>
-              <a:t>isStop</a:t>
+              <a:t>maxScore</a:t>
             </a:r>
             <a:r>
               <a:rPr lang="en-US" altLang="ko-KR" sz="1200" dirty="0"/>
@@ -4853,14 +5008,14 @@
             </a:r>
             <a:r>
               <a:rPr lang="ko-KR" altLang="ko-KR" sz="1200" dirty="0"/>
-              <a:t>이펙트가 지속되는 상태인지 확인하는 변수</a:t>
+              <a:t>최대 점수</a:t>
             </a:r>
           </a:p>
           <a:p>
             <a:pPr lvl="1"/>
             <a:r>
               <a:rPr lang="en-US" altLang="ko-KR" sz="1200" dirty="0" err="1"/>
-              <a:t>startTime</a:t>
+              <a:t>sWeight</a:t>
             </a:r>
             <a:r>
               <a:rPr lang="en-US" altLang="ko-KR" sz="1200" dirty="0"/>
@@ -4868,14 +5023,14 @@
             </a:r>
             <a:r>
               <a:rPr lang="ko-KR" altLang="ko-KR" sz="1200" dirty="0"/>
-              <a:t>이펙트가 시작된 시간</a:t>
+              <a:t>점수 추가에 사용될 가중치</a:t>
             </a:r>
           </a:p>
           <a:p>
             <a:pPr lvl="1"/>
             <a:r>
               <a:rPr lang="en-US" altLang="ko-KR" sz="1200" dirty="0" err="1"/>
-              <a:t>currentTime</a:t>
+              <a:t>cWeight</a:t>
             </a:r>
             <a:r>
               <a:rPr lang="en-US" altLang="ko-KR" sz="1200" dirty="0"/>
@@ -4883,58 +5038,15 @@
             </a:r>
             <a:r>
               <a:rPr lang="ko-KR" altLang="ko-KR" sz="1200" dirty="0"/>
-              <a:t>이펙트가 시작된 시간부터 측정하기 시작하는 시간</a:t>
-            </a:r>
-          </a:p>
-          <a:p>
-            <a:pPr lvl="1"/>
-            <a:r>
-              <a:rPr lang="en-US" altLang="ko-KR" sz="1200" dirty="0"/>
-              <a:t>combo : </a:t>
-            </a:r>
-            <a:r>
-              <a:rPr lang="ko-KR" altLang="ko-KR" sz="1200" dirty="0"/>
-              <a:t>현재 콤보</a:t>
-            </a:r>
-          </a:p>
-          <a:p>
-            <a:pPr lvl="1"/>
-            <a:r>
-              <a:rPr lang="en-US" altLang="ko-KR" sz="1200" dirty="0" err="1"/>
-              <a:t>collisionType</a:t>
-            </a:r>
-            <a:r>
-              <a:rPr lang="en-US" altLang="ko-KR" sz="1200" dirty="0"/>
-              <a:t> : </a:t>
-            </a:r>
-            <a:r>
-              <a:rPr lang="ko-KR" altLang="ko-KR" sz="1200" dirty="0"/>
-              <a:t>판정 타입</a:t>
-            </a:r>
-            <a:endParaRPr lang="en-US" altLang="ko-KR" sz="1200" dirty="0"/>
-          </a:p>
-          <a:p>
-            <a:pPr lvl="1"/>
-            <a:r>
-              <a:rPr lang="en-US" altLang="ko-KR" sz="1200" dirty="0" err="1"/>
-              <a:t>getVisibility</a:t>
-            </a:r>
-            <a:r>
-              <a:rPr lang="en-US" altLang="ko-KR" sz="1200" dirty="0"/>
-              <a:t>( ) : </a:t>
-            </a:r>
-            <a:r>
-              <a:rPr lang="ko-KR" altLang="ko-KR" sz="1200" dirty="0"/>
-              <a:t>시간에 따른 투명도를 반환하는 메소드</a:t>
-            </a:r>
-            <a:endParaRPr lang="en-US" altLang="ko-KR" sz="1200" dirty="0"/>
+              <a:t>콤보 추가에 사용될 가중치</a:t>
+            </a:r>
           </a:p>
         </p:txBody>
       </p:sp>
     </p:spTree>
     <p:extLst>
       <p:ext uri="{BB962C8B-B14F-4D97-AF65-F5344CB8AC3E}">
-        <p14:creationId xmlns:p14="http://schemas.microsoft.com/office/powerpoint/2010/main" val="989504594"/>
+        <p14:creationId xmlns:p14="http://schemas.microsoft.com/office/powerpoint/2010/main" val="2803180594"/>
       </p:ext>
     </p:extLst>
   </p:cSld>
@@ -5001,11 +5113,46 @@
             </a:r>
             <a:r>
               <a:rPr lang="ko-KR" altLang="en-US" dirty="0"/>
-              <a:t>클래스 명세표</a:t>
-            </a:r>
-          </a:p>
-        </p:txBody>
-      </p:sp>
+              <a:t>클래스 구조도</a:t>
+            </a:r>
+          </a:p>
+        </p:txBody>
+      </p:sp>
+      <p:pic>
+        <p:nvPicPr>
+          <p:cNvPr id="8" name="내용 개체 틀 7">
+            <a:extLst>
+              <a:ext uri="{FF2B5EF4-FFF2-40B4-BE49-F238E27FC236}">
+                <a16:creationId xmlns:a16="http://schemas.microsoft.com/office/drawing/2014/main" id="{4911737D-D08A-47E8-969E-50982B18375B}"/>
+              </a:ext>
+            </a:extLst>
+          </p:cNvPr>
+          <p:cNvPicPr>
+            <a:picLocks noGrp="1" noChangeAspect="1"/>
+          </p:cNvPicPr>
+          <p:nvPr>
+            <p:ph idx="1"/>
+          </p:nvPr>
+        </p:nvPicPr>
+        <p:blipFill>
+          <a:blip r:embed="rId2">
+            <a:extLst>
+              <a:ext uri="{28A0092B-C50C-407E-A947-70E740481C1C}">
+                <a14:useLocalDpi xmlns:a14="http://schemas.microsoft.com/office/drawing/2010/main" val="0"/>
+              </a:ext>
+            </a:extLst>
+          </a:blip>
+          <a:stretch>
+            <a:fillRect/>
+          </a:stretch>
+        </p:blipFill>
+        <p:spPr>
+          <a:xfrm>
+            <a:off x="1527372" y="1856495"/>
+            <a:ext cx="9137254" cy="4491431"/>
+          </a:xfrm>
+        </p:spPr>
+      </p:pic>
       <p:sp>
         <p:nvSpPr>
           <p:cNvPr id="9" name="제목 1">
@@ -5056,270 +5203,20 @@
             <a:pPr lvl="1"/>
             <a:r>
               <a:rPr lang="en-US" altLang="ko-KR" dirty="0"/>
-              <a:t>4) </a:t>
+              <a:t>6) </a:t>
             </a:r>
             <a:r>
               <a:rPr lang="en-US" altLang="ko-KR" dirty="0" err="1"/>
-              <a:t>View_effectDrawerPackage</a:t>
+              <a:t>Controller_eventProcessorPackage</a:t>
             </a:r>
             <a:endParaRPr lang="ko-KR" altLang="en-US" dirty="0"/>
-          </a:p>
-        </p:txBody>
-      </p:sp>
-      <p:sp>
-        <p:nvSpPr>
-          <p:cNvPr id="4" name="내용 개체 틀 3">
-            <a:extLst>
-              <a:ext uri="{FF2B5EF4-FFF2-40B4-BE49-F238E27FC236}">
-                <a16:creationId xmlns:a16="http://schemas.microsoft.com/office/drawing/2014/main" id="{69F5C882-E919-4AB7-B2E4-E7215EADAD99}"/>
-              </a:ext>
-            </a:extLst>
-          </p:cNvPr>
-          <p:cNvSpPr>
-            <a:spLocks noGrp="1"/>
-          </p:cNvSpPr>
-          <p:nvPr>
-            <p:ph idx="1"/>
-          </p:nvPr>
-        </p:nvSpPr>
-        <p:spPr/>
-        <p:txBody>
-          <a:bodyPr>
-            <a:normAutofit/>
-          </a:bodyPr>
-          <a:lstStyle/>
-          <a:p>
-            <a:r>
-              <a:rPr lang="en-US" altLang="ko-KR" sz="1600" dirty="0"/>
-              <a:t>NoteEffect.java :</a:t>
-            </a:r>
-            <a:r>
-              <a:rPr lang="ko-KR" altLang="ko-KR" sz="1600" dirty="0"/>
-              <a:t> 노트를 쳤을 때 판정에 따라 이펙트를 그</a:t>
-            </a:r>
-            <a:r>
-              <a:rPr lang="ko-KR" altLang="en-US" sz="1600" dirty="0"/>
-              <a:t>리</a:t>
-            </a:r>
-            <a:r>
-              <a:rPr lang="ko-KR" altLang="ko-KR" sz="1600" dirty="0"/>
-              <a:t>는 클래스</a:t>
-            </a:r>
-            <a:r>
-              <a:rPr lang="en-US" altLang="ko-KR" sz="1600" dirty="0"/>
-              <a:t>,</a:t>
-            </a:r>
-          </a:p>
-          <a:p>
-            <a:pPr marL="0" indent="0">
-              <a:buNone/>
-            </a:pPr>
-            <a:r>
-              <a:rPr lang="en-US" altLang="ko-KR" sz="1600" dirty="0"/>
-              <a:t>		</a:t>
-            </a:r>
-            <a:r>
-              <a:rPr lang="en-US" altLang="ko-KR" sz="1600" dirty="0" err="1"/>
-              <a:t>AnimationTimer</a:t>
-            </a:r>
-            <a:r>
-              <a:rPr lang="en-US" altLang="ko-KR" sz="1600" dirty="0"/>
-              <a:t> </a:t>
-            </a:r>
-            <a:r>
-              <a:rPr lang="ko-KR" altLang="en-US" sz="1600" dirty="0"/>
-              <a:t>추상 클래스를 상속 받음</a:t>
-            </a:r>
-            <a:endParaRPr lang="en-US" altLang="ko-KR" sz="1600" dirty="0"/>
-          </a:p>
-          <a:p>
-            <a:pPr lvl="1"/>
-            <a:r>
-              <a:rPr lang="en-US" altLang="ko-KR" sz="1200" dirty="0" err="1"/>
-              <a:t>effectDuration</a:t>
-            </a:r>
-            <a:r>
-              <a:rPr lang="en-US" altLang="ko-KR" sz="1200" dirty="0"/>
-              <a:t> : </a:t>
-            </a:r>
-            <a:r>
-              <a:rPr lang="ko-KR" altLang="ko-KR" sz="1200" dirty="0"/>
-              <a:t>이펙트를 보여주는 시간</a:t>
-            </a:r>
-          </a:p>
-          <a:p>
-            <a:pPr lvl="1"/>
-            <a:r>
-              <a:rPr lang="en-US" altLang="ko-KR" sz="1200" dirty="0" err="1"/>
-              <a:t>isStop</a:t>
-            </a:r>
-            <a:r>
-              <a:rPr lang="en-US" altLang="ko-KR" sz="1200" dirty="0"/>
-              <a:t> : </a:t>
-            </a:r>
-            <a:r>
-              <a:rPr lang="ko-KR" altLang="ko-KR" sz="1200" dirty="0"/>
-              <a:t>이펙트가 지속되는지 확인하는 변수</a:t>
-            </a:r>
-          </a:p>
-          <a:p>
-            <a:pPr lvl="1"/>
-            <a:r>
-              <a:rPr lang="en-US" altLang="ko-KR" sz="1200" dirty="0" err="1"/>
-              <a:t>startTime</a:t>
-            </a:r>
-            <a:r>
-              <a:rPr lang="en-US" altLang="ko-KR" sz="1200" dirty="0"/>
-              <a:t> : </a:t>
-            </a:r>
-            <a:r>
-              <a:rPr lang="ko-KR" altLang="ko-KR" sz="1200" dirty="0"/>
-              <a:t>이펙트가 시작된 시간</a:t>
-            </a:r>
-          </a:p>
-          <a:p>
-            <a:pPr lvl="1"/>
-            <a:r>
-              <a:rPr lang="en-US" altLang="ko-KR" sz="1200" dirty="0" err="1"/>
-              <a:t>currentTime</a:t>
-            </a:r>
-            <a:r>
-              <a:rPr lang="en-US" altLang="ko-KR" sz="1200" dirty="0"/>
-              <a:t> : </a:t>
-            </a:r>
-            <a:r>
-              <a:rPr lang="ko-KR" altLang="ko-KR" sz="1200" dirty="0"/>
-              <a:t>이펙트가 시작된 시간부터 측정하기 시작하는 시간</a:t>
-            </a:r>
-          </a:p>
-          <a:p>
-            <a:pPr lvl="1"/>
-            <a:r>
-              <a:rPr lang="en-US" altLang="ko-KR" sz="1200" dirty="0" err="1"/>
-              <a:t>collisionType</a:t>
-            </a:r>
-            <a:r>
-              <a:rPr lang="en-US" altLang="ko-KR" sz="1200" dirty="0"/>
-              <a:t> : </a:t>
-            </a:r>
-            <a:r>
-              <a:rPr lang="ko-KR" altLang="ko-KR" sz="1200" dirty="0"/>
-              <a:t>판정 타입</a:t>
-            </a:r>
-          </a:p>
-          <a:p>
-            <a:pPr lvl="1"/>
-            <a:r>
-              <a:rPr lang="en-US" altLang="ko-KR" sz="1200" dirty="0"/>
-              <a:t>line : </a:t>
-            </a:r>
-            <a:r>
-              <a:rPr lang="ko-KR" altLang="ko-KR" sz="1200" dirty="0"/>
-              <a:t>노트가 내려오는 구간</a:t>
-            </a:r>
-          </a:p>
-          <a:p>
-            <a:pPr lvl="1"/>
-            <a:r>
-              <a:rPr lang="en-US" altLang="ko-KR" sz="1200" dirty="0"/>
-              <a:t>color : </a:t>
-            </a:r>
-            <a:r>
-              <a:rPr lang="ko-KR" altLang="ko-KR" sz="1200" dirty="0"/>
-              <a:t>이펙트의 색</a:t>
-            </a:r>
-          </a:p>
-          <a:p>
-            <a:pPr lvl="1"/>
-            <a:r>
-              <a:rPr lang="en-US" altLang="ko-KR" sz="1200" dirty="0" err="1"/>
-              <a:t>xPoints</a:t>
-            </a:r>
-            <a:r>
-              <a:rPr lang="en-US" altLang="ko-KR" sz="1200" dirty="0"/>
-              <a:t> : </a:t>
-            </a:r>
-            <a:r>
-              <a:rPr lang="ko-KR" altLang="ko-KR" sz="1200" dirty="0"/>
-              <a:t>이펙트의 표시하기 위한</a:t>
-            </a:r>
-            <a:r>
-              <a:rPr lang="en-US" altLang="ko-KR" sz="1200" dirty="0"/>
-              <a:t> 3</a:t>
-            </a:r>
-            <a:r>
-              <a:rPr lang="ko-KR" altLang="ko-KR" sz="1200" dirty="0"/>
-              <a:t>점의 </a:t>
-            </a:r>
-            <a:r>
-              <a:rPr lang="en-US" altLang="ko-KR" sz="1200" dirty="0"/>
-              <a:t>x</a:t>
-            </a:r>
-            <a:r>
-              <a:rPr lang="ko-KR" altLang="ko-KR" sz="1200" dirty="0"/>
-              <a:t>좌표</a:t>
-            </a:r>
-          </a:p>
-          <a:p>
-            <a:pPr lvl="1"/>
-            <a:r>
-              <a:rPr lang="en-US" altLang="ko-KR" sz="1200" dirty="0" err="1"/>
-              <a:t>yPoints</a:t>
-            </a:r>
-            <a:r>
-              <a:rPr lang="en-US" altLang="ko-KR" sz="1200" dirty="0"/>
-              <a:t> : </a:t>
-            </a:r>
-            <a:r>
-              <a:rPr lang="ko-KR" altLang="ko-KR" sz="1200" dirty="0"/>
-              <a:t>이펙트를 표시하기 위한</a:t>
-            </a:r>
-            <a:r>
-              <a:rPr lang="en-US" altLang="ko-KR" sz="1200" dirty="0"/>
-              <a:t> 3</a:t>
-            </a:r>
-            <a:r>
-              <a:rPr lang="ko-KR" altLang="ko-KR" sz="1200" dirty="0"/>
-              <a:t>점의 </a:t>
-            </a:r>
-            <a:r>
-              <a:rPr lang="en-US" altLang="ko-KR" sz="1200" dirty="0"/>
-              <a:t>y</a:t>
-            </a:r>
-            <a:r>
-              <a:rPr lang="ko-KR" altLang="ko-KR" sz="1200" dirty="0"/>
-              <a:t>좌표</a:t>
-            </a:r>
-            <a:endParaRPr lang="en-US" altLang="ko-KR" sz="1200" dirty="0"/>
-          </a:p>
-          <a:p>
-            <a:pPr lvl="1"/>
-            <a:r>
-              <a:rPr lang="en-US" altLang="ko-KR" sz="1200" dirty="0" err="1"/>
-              <a:t>getImgLength</a:t>
-            </a:r>
-            <a:r>
-              <a:rPr lang="en-US" altLang="ko-KR" sz="1200" dirty="0"/>
-              <a:t>( ) : </a:t>
-            </a:r>
-            <a:r>
-              <a:rPr lang="ko-KR" altLang="ko-KR" sz="1200" dirty="0"/>
-              <a:t>이펙트가 그려지는 위치 계산</a:t>
-            </a:r>
-          </a:p>
-          <a:p>
-            <a:pPr lvl="1"/>
-            <a:endParaRPr lang="ko-KR" altLang="ko-KR" sz="1200" dirty="0"/>
-          </a:p>
-          <a:p>
-            <a:endParaRPr lang="en-US" altLang="ko-KR" sz="1200" dirty="0"/>
           </a:p>
         </p:txBody>
       </p:sp>
     </p:spTree>
     <p:extLst>
       <p:ext uri="{BB962C8B-B14F-4D97-AF65-F5344CB8AC3E}">
-        <p14:creationId xmlns:p14="http://schemas.microsoft.com/office/powerpoint/2010/main" val="2393422914"/>
+        <p14:creationId xmlns:p14="http://schemas.microsoft.com/office/powerpoint/2010/main" val="2403003123"/>
       </p:ext>
     </p:extLst>
   </p:cSld>
@@ -5441,11 +5338,11 @@
             <a:pPr lvl="1"/>
             <a:r>
               <a:rPr lang="en-US" altLang="ko-KR" dirty="0"/>
-              <a:t>4) </a:t>
+              <a:t>6) </a:t>
             </a:r>
             <a:r>
               <a:rPr lang="en-US" altLang="ko-KR" dirty="0" err="1"/>
-              <a:t>View_gameDrawerPackage</a:t>
+              <a:t>Controller_eventProcessorPackage</a:t>
             </a:r>
             <a:endParaRPr lang="ko-KR" altLang="en-US" dirty="0"/>
           </a:p>
@@ -5467,7 +5364,12 @@
             <p:ph idx="1"/>
           </p:nvPr>
         </p:nvSpPr>
-        <p:spPr/>
+        <p:spPr>
+          <a:xfrm>
+            <a:off x="838200" y="1825625"/>
+            <a:ext cx="10515600" cy="4351338"/>
+          </a:xfrm>
+        </p:spPr>
         <p:txBody>
           <a:bodyPr>
             <a:normAutofit/>
@@ -5476,116 +5378,188 @@
           <a:p>
             <a:r>
               <a:rPr lang="en-US" altLang="ko-KR" sz="1600" dirty="0"/>
-              <a:t>GameDrawer.java : </a:t>
-            </a:r>
-            <a:r>
-              <a:rPr lang="ko-KR" altLang="ko-KR" sz="1600" dirty="0"/>
-              <a:t>다른</a:t>
-            </a:r>
+              <a:t>CollisionChecker.java : </a:t>
+            </a:r>
+            <a:r>
+              <a:rPr lang="ko-KR" altLang="en-US" sz="1600" dirty="0"/>
+              <a:t>노트를 칠 때 판정을 계산하는 클래스</a:t>
+            </a:r>
+            <a:endParaRPr lang="en-US" altLang="ko-KR" sz="1600" dirty="0"/>
+          </a:p>
+          <a:p>
+            <a:pPr lvl="1"/>
+            <a:r>
+              <a:rPr lang="en-US" altLang="ko-KR" sz="1200" dirty="0" err="1"/>
+              <a:t>collisionCheckCriterion</a:t>
+            </a:r>
+            <a:r>
+              <a:rPr lang="en-US" altLang="ko-KR" sz="1200" dirty="0"/>
+              <a:t> : </a:t>
+            </a:r>
+            <a:r>
+              <a:rPr lang="ko-KR" altLang="ko-KR" sz="1200" dirty="0"/>
+              <a:t>판정 범위</a:t>
+            </a:r>
+          </a:p>
+          <a:p>
+            <a:pPr lvl="1"/>
+            <a:r>
+              <a:rPr lang="en-US" altLang="ko-KR" sz="1200" dirty="0" err="1"/>
+              <a:t>checkLine</a:t>
+            </a:r>
+            <a:r>
+              <a:rPr lang="en-US" altLang="ko-KR" sz="1200" dirty="0"/>
+              <a:t>( ) : </a:t>
+            </a:r>
+            <a:r>
+              <a:rPr lang="ko-KR" altLang="ko-KR" sz="1200" dirty="0"/>
+              <a:t>알맞은 노트의 라인을 눌렀는지 확인하는 메소드</a:t>
+            </a:r>
+          </a:p>
+          <a:p>
+            <a:pPr lvl="1"/>
+            <a:r>
+              <a:rPr lang="en-US" altLang="ko-KR" sz="1200" dirty="0" err="1"/>
+              <a:t>checkCollision</a:t>
+            </a:r>
+            <a:r>
+              <a:rPr lang="en-US" altLang="ko-KR" sz="1200" dirty="0"/>
+              <a:t>( ) : </a:t>
+            </a:r>
+            <a:r>
+              <a:rPr lang="ko-KR" altLang="ko-KR" sz="1200" dirty="0"/>
+              <a:t>노트를 눌렀을 때 판정 타입을 결정해주는 메소드</a:t>
+            </a:r>
+          </a:p>
+          <a:p>
+            <a:pPr lvl="1"/>
+            <a:r>
+              <a:rPr lang="en-US" altLang="ko-KR" sz="1200" dirty="0" err="1"/>
+              <a:t>checkIsOut</a:t>
+            </a:r>
+            <a:r>
+              <a:rPr lang="en-US" altLang="ko-KR" sz="1200" dirty="0"/>
+              <a:t>( ) : </a:t>
+            </a:r>
+            <a:r>
+              <a:rPr lang="ko-KR" altLang="ko-KR" sz="1200" dirty="0"/>
+              <a:t>판정 범위에서 키를 했을 때의 판정을 해주는 메소드</a:t>
+            </a:r>
+            <a:endParaRPr lang="en-US" altLang="ko-KR" sz="1600" dirty="0"/>
+          </a:p>
+          <a:p>
             <a:r>
               <a:rPr lang="en-US" altLang="ko-KR" sz="1600" dirty="0"/>
-              <a:t> Drawer</a:t>
-            </a:r>
-            <a:r>
-              <a:rPr lang="ko-KR" altLang="ko-KR" sz="1600" dirty="0"/>
-              <a:t>클래스들을 불러와 전체적인 게임 화면을 그</a:t>
+              <a:t>KeyListener.java : </a:t>
             </a:r>
             <a:r>
               <a:rPr lang="ko-KR" altLang="en-US" sz="1600" dirty="0"/>
-              <a:t>리</a:t>
-            </a:r>
-            <a:r>
-              <a:rPr lang="ko-KR" altLang="ko-KR" sz="1600" dirty="0"/>
-              <a:t>는 클래스</a:t>
+              <a:t>노트를 치기 위한 키 입력을 받는 클래스</a:t>
             </a:r>
             <a:endParaRPr lang="en-US" altLang="ko-KR" sz="1600" dirty="0"/>
           </a:p>
           <a:p>
             <a:pPr lvl="1"/>
             <a:r>
-              <a:rPr lang="en-US" altLang="ko-KR" sz="1200" dirty="0"/>
-              <a:t>draw( ) : </a:t>
+              <a:rPr lang="en-US" altLang="ko-KR" sz="1200" dirty="0" err="1"/>
+              <a:t>gameInputList</a:t>
+            </a:r>
+            <a:r>
+              <a:rPr lang="en-US" altLang="ko-KR" sz="1200" dirty="0"/>
+              <a:t> : </a:t>
+            </a:r>
+            <a:r>
+              <a:rPr lang="ko-KR" altLang="en-US" sz="1200" dirty="0"/>
+              <a:t>게임에 관련된 입력이 저장되는 리스트</a:t>
+            </a:r>
+            <a:endParaRPr lang="ko-KR" altLang="ko-KR" sz="1200" dirty="0"/>
+          </a:p>
+          <a:p>
+            <a:pPr lvl="1"/>
+            <a:r>
+              <a:rPr lang="en-US" altLang="ko-KR" sz="1200" dirty="0" err="1"/>
+              <a:t>gameInputChecktable</a:t>
+            </a:r>
+            <a:r>
+              <a:rPr lang="en-US" altLang="ko-KR" sz="1200" dirty="0"/>
+              <a:t> : </a:t>
+            </a:r>
+            <a:r>
+              <a:rPr lang="ko-KR" altLang="en-US" sz="1200" dirty="0"/>
+              <a:t>입력이 저장된 리스트에 중복 저장 하지 않기 위한 리스트</a:t>
+            </a:r>
+            <a:endParaRPr lang="ko-KR" altLang="ko-KR" sz="1200" dirty="0"/>
+          </a:p>
+          <a:p>
+            <a:pPr lvl="1"/>
+            <a:r>
+              <a:rPr lang="en-US" altLang="ko-KR" sz="1200" dirty="0" err="1"/>
+              <a:t>inputList</a:t>
+            </a:r>
+            <a:r>
+              <a:rPr lang="en-US" altLang="ko-KR" sz="1200" dirty="0"/>
+              <a:t> : </a:t>
             </a:r>
             <a:r>
               <a:rPr lang="ko-KR" altLang="ko-KR" sz="1200" dirty="0"/>
-              <a:t>게임 플레이 화면을 구성하는 요소들을 그려주는 메소</a:t>
-            </a:r>
-            <a:r>
-              <a:rPr lang="ko-KR" altLang="en-US" sz="1200" dirty="0"/>
-              <a:t>드</a:t>
-            </a:r>
-            <a:endParaRPr lang="en-US" altLang="ko-KR" sz="1200" dirty="0"/>
+              <a:t>입력된 키 값을 저장하는 리스트</a:t>
+            </a:r>
+            <a:endParaRPr lang="en-US" altLang="ko-KR" sz="1600" dirty="0"/>
           </a:p>
           <a:p>
             <a:r>
               <a:rPr lang="en-US" altLang="ko-KR" sz="1600" dirty="0"/>
-              <a:t>NoteDrawer.java : </a:t>
-            </a:r>
-            <a:r>
-              <a:rPr lang="ko-KR" altLang="ko-KR" sz="1600" dirty="0"/>
-              <a:t>화면에 나타나 있을 노트를 받아 뒤에서부터 그</a:t>
+              <a:t>SceneChanger.java : </a:t>
             </a:r>
             <a:r>
               <a:rPr lang="ko-KR" altLang="en-US" sz="1600" dirty="0"/>
-              <a:t>리</a:t>
-            </a:r>
-            <a:r>
-              <a:rPr lang="ko-KR" altLang="ko-KR" sz="1600" dirty="0"/>
-              <a:t>는 클래스</a:t>
+              <a:t>화면을 전환하는 클래스</a:t>
             </a:r>
             <a:endParaRPr lang="en-US" altLang="ko-KR" sz="1600" dirty="0"/>
           </a:p>
           <a:p>
             <a:pPr lvl="1"/>
             <a:r>
-              <a:rPr lang="en-US" altLang="ko-KR" sz="1200" dirty="0"/>
-              <a:t>draw( ) : </a:t>
+              <a:rPr lang="en-US" altLang="ko-KR" sz="1200" dirty="0" err="1"/>
+              <a:t>fadeIn</a:t>
+            </a:r>
+            <a:r>
+              <a:rPr lang="en-US" altLang="ko-KR" sz="1200" dirty="0"/>
+              <a:t>( ) : </a:t>
+            </a:r>
+            <a:r>
+              <a:rPr lang="ko-KR" altLang="ko-KR" sz="1200" dirty="0" err="1"/>
+              <a:t>페이드</a:t>
             </a:r>
             <a:r>
               <a:rPr lang="ko-KR" altLang="ko-KR" sz="1200" dirty="0"/>
-              <a:t>노트를 뒤에 있는 순으로 그려주는 메소드</a:t>
-            </a:r>
-            <a:endParaRPr lang="en-US" altLang="ko-KR" sz="1200" dirty="0"/>
-          </a:p>
-          <a:p>
-            <a:r>
-              <a:rPr lang="en-US" altLang="ko-KR" sz="1600" dirty="0"/>
-              <a:t>ScoreDrawer.java : </a:t>
-            </a:r>
-            <a:r>
-              <a:rPr lang="ko-KR" altLang="ko-KR" sz="1600" dirty="0"/>
-              <a:t>화면 우측에 점수와 판정을 표시</a:t>
-            </a:r>
-            <a:r>
-              <a:rPr lang="ko-KR" altLang="en-US" sz="1600" dirty="0"/>
-              <a:t>하</a:t>
-            </a:r>
-            <a:r>
-              <a:rPr lang="ko-KR" altLang="ko-KR" sz="1600" dirty="0"/>
-              <a:t>는 클래스</a:t>
-            </a:r>
-            <a:endParaRPr lang="en-US" altLang="ko-KR" sz="1600" dirty="0"/>
+              <a:t> 인 실행 메소드</a:t>
+            </a:r>
           </a:p>
           <a:p>
             <a:pPr lvl="1"/>
             <a:r>
               <a:rPr lang="en-US" altLang="ko-KR" sz="1200" dirty="0" err="1"/>
-              <a:t>comboEffect</a:t>
-            </a:r>
-            <a:r>
-              <a:rPr lang="en-US" altLang="ko-KR" sz="1200" dirty="0"/>
-              <a:t> : </a:t>
+              <a:t>fadeOut</a:t>
+            </a:r>
+            <a:r>
+              <a:rPr lang="en-US" altLang="ko-KR" sz="1200" dirty="0"/>
+              <a:t>( ) : </a:t>
+            </a:r>
+            <a:r>
+              <a:rPr lang="ko-KR" altLang="ko-KR" sz="1200" dirty="0" err="1"/>
+              <a:t>페이드</a:t>
             </a:r>
             <a:r>
               <a:rPr lang="ko-KR" altLang="ko-KR" sz="1200" dirty="0"/>
-              <a:t>콤보의 변화를 보여줄 때 사용할 이펙트</a:t>
+              <a:t> 아웃 및 하면 전환 메소드를 실행하는 메소드</a:t>
             </a:r>
           </a:p>
           <a:p>
             <a:pPr lvl="1"/>
             <a:r>
               <a:rPr lang="en-US" altLang="ko-KR" sz="1200" dirty="0" err="1"/>
-              <a:t>drawScore</a:t>
+              <a:t>loadGame</a:t>
             </a:r>
             <a:r>
               <a:rPr lang="en-US" altLang="ko-KR" sz="1200" dirty="0"/>
@@ -5593,26 +5567,19 @@
             </a:r>
             <a:r>
               <a:rPr lang="ko-KR" altLang="ko-KR" sz="1200" dirty="0"/>
-              <a:t>점수를 보여주는 메소드</a:t>
-            </a:r>
-          </a:p>
-          <a:p>
-            <a:pPr lvl="1"/>
-            <a:r>
-              <a:rPr lang="en-US" altLang="ko-KR" sz="1200" dirty="0" err="1"/>
-              <a:t>drawCombo</a:t>
-            </a:r>
-            <a:r>
-              <a:rPr lang="en-US" altLang="ko-KR" sz="1200" dirty="0"/>
-              <a:t>( ) : </a:t>
+              <a:t>게임 플레이 화면으로 전환하는 메소드</a:t>
+            </a:r>
+          </a:p>
+          <a:p>
+            <a:pPr lvl="1"/>
+            <a:r>
+              <a:rPr lang="en-US" altLang="ko-KR" sz="1200" dirty="0"/>
+              <a:t>load( ) : </a:t>
             </a:r>
             <a:r>
               <a:rPr lang="ko-KR" altLang="ko-KR" sz="1200" dirty="0"/>
-              <a:t>콤보를 보여주는 메소드</a:t>
-            </a:r>
-          </a:p>
-          <a:p>
-            <a:pPr lvl="1"/>
+              <a:t>화면을 전환하는 메소든</a:t>
+            </a:r>
             <a:endParaRPr lang="en-US" altLang="ko-KR" sz="1200" dirty="0"/>
           </a:p>
         </p:txBody>
@@ -5620,7 +5587,7 @@
     </p:spTree>
     <p:extLst>
       <p:ext uri="{BB962C8B-B14F-4D97-AF65-F5344CB8AC3E}">
-        <p14:creationId xmlns:p14="http://schemas.microsoft.com/office/powerpoint/2010/main" val="1703538266"/>
+        <p14:creationId xmlns:p14="http://schemas.microsoft.com/office/powerpoint/2010/main" val="356272036"/>
       </p:ext>
     </p:extLst>
   </p:cSld>
@@ -5722,8 +5689,8 @@
         </p:blipFill>
         <p:spPr>
           <a:xfrm>
-            <a:off x="1125373" y="1856495"/>
-            <a:ext cx="9941252" cy="4491431"/>
+            <a:off x="1527372" y="2230404"/>
+            <a:ext cx="9137254" cy="3743612"/>
           </a:xfrm>
         </p:spPr>
       </p:pic>
@@ -5777,11 +5744,11 @@
             <a:pPr lvl="1"/>
             <a:r>
               <a:rPr lang="en-US" altLang="ko-KR" dirty="0"/>
-              <a:t>5) </a:t>
+              <a:t>7) </a:t>
             </a:r>
             <a:r>
               <a:rPr lang="en-US" altLang="ko-KR" dirty="0" err="1"/>
-              <a:t>Controller_calculatorPackage</a:t>
+              <a:t>Controller_gameControllerPackage</a:t>
             </a:r>
             <a:endParaRPr lang="ko-KR" altLang="en-US" dirty="0"/>
           </a:p>
@@ -5790,7 +5757,7 @@
     </p:spTree>
     <p:extLst>
       <p:ext uri="{BB962C8B-B14F-4D97-AF65-F5344CB8AC3E}">
-        <p14:creationId xmlns:p14="http://schemas.microsoft.com/office/powerpoint/2010/main" val="3751324303"/>
+        <p14:creationId xmlns:p14="http://schemas.microsoft.com/office/powerpoint/2010/main" val="3576069605"/>
       </p:ext>
     </p:extLst>
   </p:cSld>
@@ -5912,11 +5879,11 @@
             <a:pPr lvl="1"/>
             <a:r>
               <a:rPr lang="en-US" altLang="ko-KR" dirty="0"/>
-              <a:t>5) </a:t>
+              <a:t>7) </a:t>
             </a:r>
             <a:r>
               <a:rPr lang="en-US" altLang="ko-KR" dirty="0" err="1"/>
-              <a:t>Controller_calculatorPackage</a:t>
+              <a:t>Controller_gameControllerPackage</a:t>
             </a:r>
             <a:endParaRPr lang="ko-KR" altLang="en-US" dirty="0"/>
           </a:p>
@@ -5952,281 +5919,225 @@
           <a:p>
             <a:r>
               <a:rPr lang="en-US" altLang="ko-KR" sz="1600" dirty="0"/>
-              <a:t>NotePositionCalc.java :</a:t>
-            </a:r>
-            <a:r>
-              <a:rPr lang="ko-KR" altLang="ko-KR" dirty="0"/>
+              <a:t>GameLoopController.java : </a:t>
+            </a:r>
+            <a:r>
+              <a:rPr lang="ko-KR" altLang="ko-KR" sz="1600" dirty="0"/>
+              <a:t>전체적인 컨트롤러를 불러와서 게임 화면을 총괄하는 클래스</a:t>
+            </a:r>
+            <a:endParaRPr lang="en-US" altLang="ko-KR" sz="1600" dirty="0"/>
+          </a:p>
+          <a:p>
+            <a:pPr lvl="1"/>
+            <a:r>
+              <a:rPr lang="en-US" altLang="ko-KR" sz="1200" dirty="0" err="1"/>
+              <a:t>gameloop</a:t>
+            </a:r>
+            <a:r>
+              <a:rPr lang="en-US" altLang="ko-KR" sz="1200" dirty="0"/>
+              <a:t> : </a:t>
+            </a:r>
+            <a:r>
+              <a:rPr lang="ko-KR" altLang="ko-KR" sz="1200" dirty="0"/>
+              <a:t>게임의 상태를 업데이트 해주고 그려주는 루프를 가진 변수</a:t>
+            </a:r>
+          </a:p>
+          <a:p>
+            <a:pPr lvl="1"/>
+            <a:r>
+              <a:rPr lang="en-US" altLang="ko-KR" sz="1200" dirty="0" err="1"/>
+              <a:t>startNanoTime</a:t>
+            </a:r>
+            <a:r>
+              <a:rPr lang="en-US" altLang="ko-KR" sz="1200" dirty="0"/>
+              <a:t> : </a:t>
+            </a:r>
+            <a:r>
+              <a:rPr lang="ko-KR" altLang="ko-KR" sz="1200" dirty="0"/>
+              <a:t>게임이 시작된 시간</a:t>
+            </a:r>
+          </a:p>
+          <a:p>
+            <a:pPr lvl="1"/>
+            <a:r>
+              <a:rPr lang="en-US" altLang="ko-KR" sz="1200" dirty="0" err="1"/>
+              <a:t>delayedTime</a:t>
+            </a:r>
+            <a:r>
+              <a:rPr lang="en-US" altLang="ko-KR" sz="1200" dirty="0"/>
+              <a:t> : </a:t>
+            </a:r>
+            <a:r>
+              <a:rPr lang="ko-KR" altLang="ko-KR" sz="1200" dirty="0"/>
+              <a:t>게임이 지연 될 시</a:t>
+            </a:r>
+            <a:r>
+              <a:rPr lang="ko-KR" altLang="en-US" sz="1200" dirty="0"/>
+              <a:t>간</a:t>
+            </a:r>
+            <a:endParaRPr lang="en-US" altLang="ko-KR" sz="1200" dirty="0"/>
+          </a:p>
+          <a:p>
+            <a:r>
+              <a:rPr lang="en-US" altLang="ko-KR" sz="1600" dirty="0"/>
+              <a:t>NoteController.java : </a:t>
+            </a:r>
+            <a:r>
+              <a:rPr lang="ko-KR" altLang="ko-KR" sz="1600" dirty="0"/>
+              <a:t>노트가 나타날 시간을 불러와 알맞은 시간에 출</a:t>
+            </a:r>
+            <a:r>
+              <a:rPr lang="ko-KR" altLang="en-US" sz="1600" dirty="0"/>
+              <a:t>력하</a:t>
+            </a:r>
+            <a:r>
+              <a:rPr lang="ko-KR" altLang="ko-KR" sz="1600" dirty="0"/>
+              <a:t>는 명령을 내리는 클래스</a:t>
+            </a:r>
+            <a:endParaRPr lang="en-US" altLang="ko-KR" sz="1600" dirty="0"/>
+          </a:p>
+          <a:p>
+            <a:pPr lvl="1"/>
+            <a:r>
+              <a:rPr lang="en-US" altLang="ko-KR" sz="1300" dirty="0"/>
+              <a:t>notes : </a:t>
+            </a:r>
+            <a:r>
+              <a:rPr lang="ko-KR" altLang="ko-KR" sz="1300" dirty="0"/>
+              <a:t>노트들의 정보가 들어있는 큐</a:t>
+            </a:r>
+          </a:p>
+          <a:p>
+            <a:pPr lvl="1"/>
+            <a:r>
+              <a:rPr lang="en-US" altLang="ko-KR" sz="1300" dirty="0" err="1"/>
+              <a:t>noteAmount</a:t>
+            </a:r>
+            <a:r>
+              <a:rPr lang="en-US" altLang="ko-KR" sz="1300" dirty="0"/>
+              <a:t> : </a:t>
+            </a:r>
+            <a:r>
+              <a:rPr lang="ko-KR" altLang="ko-KR" sz="1300" dirty="0"/>
+              <a:t>노트의 총 개수</a:t>
+            </a:r>
+          </a:p>
+          <a:p>
+            <a:pPr lvl="1"/>
+            <a:r>
+              <a:rPr lang="en-US" altLang="ko-KR" sz="1300" dirty="0" err="1"/>
+              <a:t>notesOnScreen</a:t>
+            </a:r>
+            <a:r>
+              <a:rPr lang="en-US" altLang="ko-KR" sz="1300" dirty="0"/>
+              <a:t> : </a:t>
+            </a:r>
+            <a:r>
+              <a:rPr lang="ko-KR" altLang="ko-KR" sz="1300" dirty="0"/>
+              <a:t>화면에 나와 있는 노트 리스트</a:t>
+            </a:r>
+          </a:p>
+          <a:p>
+            <a:pPr lvl="1"/>
+            <a:r>
+              <a:rPr lang="en-US" altLang="ko-KR" sz="1300" dirty="0" err="1"/>
+              <a:t>startTime</a:t>
+            </a:r>
+            <a:r>
+              <a:rPr lang="en-US" altLang="ko-KR" sz="1300" dirty="0"/>
+              <a:t> : </a:t>
+            </a:r>
+            <a:r>
+              <a:rPr lang="ko-KR" altLang="ko-KR" sz="1300" dirty="0"/>
+              <a:t>게임이 시작된 시간</a:t>
+            </a:r>
+          </a:p>
+          <a:p>
+            <a:pPr lvl="1"/>
+            <a:r>
+              <a:rPr lang="en-US" altLang="ko-KR" sz="1300" dirty="0" err="1"/>
+              <a:t>addDrawableNote</a:t>
+            </a:r>
+            <a:r>
+              <a:rPr lang="en-US" altLang="ko-KR" sz="1300" dirty="0"/>
+              <a:t>( ) : </a:t>
+            </a:r>
+            <a:r>
+              <a:rPr lang="ko-KR" altLang="ko-KR" sz="1300" dirty="0"/>
+              <a:t>화면에 나와있을 노트를 추가하는 메소드</a:t>
+            </a:r>
+          </a:p>
+          <a:p>
+            <a:pPr lvl="1"/>
+            <a:r>
+              <a:rPr lang="en-US" altLang="ko-KR" sz="1300" dirty="0" err="1"/>
+              <a:t>checkCollision</a:t>
+            </a:r>
+            <a:r>
+              <a:rPr lang="en-US" altLang="ko-KR" sz="1300" dirty="0"/>
+              <a:t>( ) : </a:t>
+            </a:r>
+            <a:r>
+              <a:rPr lang="ko-KR" altLang="ko-KR" sz="1300" dirty="0"/>
+              <a:t>노트 판정을 받아서 점수 및 콤보 에 변화를 주고 노트를 지우는</a:t>
+            </a:r>
+            <a:r>
+              <a:rPr lang="en-US" altLang="ko-KR" sz="1300" dirty="0"/>
               <a:t> </a:t>
             </a:r>
             <a:r>
-              <a:rPr lang="ko-KR" altLang="ko-KR" sz="1600" dirty="0"/>
-              <a:t>노트의 크기와 위치 변화를 계산</a:t>
-            </a:r>
-            <a:r>
-              <a:rPr lang="ko-KR" altLang="en-US" sz="1600" dirty="0"/>
-              <a:t>하</a:t>
-            </a:r>
-            <a:r>
-              <a:rPr lang="ko-KR" altLang="ko-KR" sz="1600" dirty="0"/>
-              <a:t>는 클래스</a:t>
+              <a:rPr lang="ko-KR" altLang="ko-KR" sz="1300" dirty="0"/>
+              <a:t>메소드</a:t>
+            </a:r>
+          </a:p>
+          <a:p>
+            <a:pPr lvl="1"/>
+            <a:r>
+              <a:rPr lang="en-US" altLang="ko-KR" sz="1300" dirty="0" err="1"/>
+              <a:t>deleteOutNotes</a:t>
+            </a:r>
+            <a:r>
+              <a:rPr lang="en-US" altLang="ko-KR" sz="1300" dirty="0"/>
+              <a:t>( ) : </a:t>
+            </a:r>
+            <a:r>
+              <a:rPr lang="ko-KR" altLang="ko-KR" sz="1300" dirty="0"/>
+              <a:t>놓친 노트를 화면에서 지우는 메소드</a:t>
+            </a:r>
+          </a:p>
+          <a:p>
+            <a:pPr lvl="1"/>
+            <a:r>
+              <a:rPr lang="en-US" altLang="ko-KR" sz="1300" dirty="0" err="1"/>
+              <a:t>clearInput</a:t>
+            </a:r>
+            <a:r>
+              <a:rPr lang="en-US" altLang="ko-KR" sz="1300" dirty="0"/>
+              <a:t>( ) : </a:t>
+            </a:r>
+            <a:r>
+              <a:rPr lang="ko-KR" altLang="ko-KR" sz="1300" dirty="0"/>
+              <a:t>입력 받은 키 값을 지우는 메소드</a:t>
+            </a:r>
+          </a:p>
+          <a:p>
+            <a:pPr lvl="1"/>
+            <a:r>
+              <a:rPr lang="en-US" altLang="ko-KR" sz="1300" dirty="0"/>
+              <a:t>update( ) : </a:t>
+            </a:r>
+            <a:r>
+              <a:rPr lang="ko-KR" altLang="ko-KR" sz="1300" dirty="0"/>
+              <a:t>노트에 대한 정보를 업데이트 하는 메소드</a:t>
             </a:r>
             <a:endParaRPr lang="en-US" altLang="ko-KR" sz="1600" dirty="0"/>
-          </a:p>
-          <a:p>
-            <a:pPr lvl="1"/>
-            <a:r>
-              <a:rPr lang="en-US" altLang="ko-KR" sz="1200" dirty="0" err="1"/>
-              <a:t>droptime</a:t>
-            </a:r>
-            <a:r>
-              <a:rPr lang="en-US" altLang="ko-KR" sz="1200" dirty="0"/>
-              <a:t> : </a:t>
-            </a:r>
-            <a:r>
-              <a:rPr lang="ko-KR" altLang="ko-KR" sz="1200" dirty="0"/>
-              <a:t>노트가 떨어지는 시간</a:t>
-            </a:r>
-          </a:p>
-          <a:p>
-            <a:pPr lvl="1"/>
-            <a:r>
-              <a:rPr lang="en-US" altLang="ko-KR" sz="1200" dirty="0"/>
-              <a:t>multiple : </a:t>
-            </a:r>
-            <a:r>
-              <a:rPr lang="ko-KR" altLang="ko-KR" sz="1200" dirty="0"/>
-              <a:t>노트의 크기 변화를 줄 변수</a:t>
-            </a:r>
-          </a:p>
-          <a:p>
-            <a:pPr lvl="1"/>
-            <a:r>
-              <a:rPr lang="en-US" altLang="ko-KR" sz="1200" dirty="0" err="1"/>
-              <a:t>intiSizeX</a:t>
-            </a:r>
-            <a:r>
-              <a:rPr lang="en-US" altLang="ko-KR" sz="1200" dirty="0"/>
-              <a:t> : </a:t>
-            </a:r>
-            <a:r>
-              <a:rPr lang="ko-KR" altLang="ko-KR" sz="1200" dirty="0"/>
-              <a:t>노트의 최종 가로 길이</a:t>
-            </a:r>
-          </a:p>
-          <a:p>
-            <a:pPr lvl="1"/>
-            <a:r>
-              <a:rPr lang="en-US" altLang="ko-KR" sz="1200" dirty="0" err="1"/>
-              <a:t>initSizeY</a:t>
-            </a:r>
-            <a:r>
-              <a:rPr lang="en-US" altLang="ko-KR" sz="1200" dirty="0"/>
-              <a:t> : </a:t>
-            </a:r>
-            <a:r>
-              <a:rPr lang="ko-KR" altLang="ko-KR" sz="1200" dirty="0"/>
-              <a:t>노트의 최종 세로 길이</a:t>
-            </a:r>
-          </a:p>
-          <a:p>
-            <a:pPr lvl="1"/>
-            <a:r>
-              <a:rPr lang="en-US" altLang="ko-KR" sz="1200" dirty="0" err="1"/>
-              <a:t>currentSizeX</a:t>
-            </a:r>
-            <a:r>
-              <a:rPr lang="en-US" altLang="ko-KR" sz="1200" dirty="0"/>
-              <a:t> : </a:t>
-            </a:r>
-            <a:r>
-              <a:rPr lang="ko-KR" altLang="ko-KR" sz="1200" dirty="0"/>
-              <a:t>현재 노트의 가로 길이</a:t>
-            </a:r>
-          </a:p>
-          <a:p>
-            <a:pPr lvl="1"/>
-            <a:r>
-              <a:rPr lang="en-US" altLang="ko-KR" sz="1200" dirty="0" err="1"/>
-              <a:t>currentSizeY</a:t>
-            </a:r>
-            <a:r>
-              <a:rPr lang="en-US" altLang="ko-KR" sz="1200" dirty="0"/>
-              <a:t> : </a:t>
-            </a:r>
-            <a:r>
-              <a:rPr lang="ko-KR" altLang="ko-KR" sz="1200" dirty="0"/>
-              <a:t>현재 노트의 세로 길이</a:t>
-            </a:r>
-          </a:p>
-          <a:p>
-            <a:pPr lvl="1"/>
-            <a:r>
-              <a:rPr lang="en-US" altLang="ko-KR" sz="1200" dirty="0" err="1"/>
-              <a:t>startLocationY</a:t>
-            </a:r>
-            <a:r>
-              <a:rPr lang="en-US" altLang="ko-KR" sz="1200" dirty="0"/>
-              <a:t> : </a:t>
-            </a:r>
-            <a:r>
-              <a:rPr lang="ko-KR" altLang="ko-KR" sz="1200" dirty="0"/>
-              <a:t>노트의 시작 지점</a:t>
-            </a:r>
-          </a:p>
-          <a:p>
-            <a:pPr lvl="1"/>
-            <a:r>
-              <a:rPr lang="en-US" altLang="ko-KR" sz="1200" dirty="0" err="1"/>
-              <a:t>indicesForY</a:t>
-            </a:r>
-            <a:r>
-              <a:rPr lang="en-US" altLang="ko-KR" sz="1200" dirty="0"/>
-              <a:t> : </a:t>
-            </a:r>
-            <a:r>
-              <a:rPr lang="ko-KR" altLang="ko-KR" sz="1200" dirty="0"/>
-              <a:t>노트의 현재 </a:t>
-            </a:r>
-            <a:r>
-              <a:rPr lang="en-US" altLang="ko-KR" sz="1200" dirty="0"/>
-              <a:t>y</a:t>
-            </a:r>
-            <a:r>
-              <a:rPr lang="ko-KR" altLang="ko-KR" sz="1200" dirty="0"/>
-              <a:t>값 계산에 사용될 계수</a:t>
-            </a:r>
-          </a:p>
-          <a:p>
-            <a:pPr lvl="1"/>
-            <a:r>
-              <a:rPr lang="en-US" altLang="ko-KR" sz="1200" dirty="0" err="1"/>
-              <a:t>indicesForSizeX</a:t>
-            </a:r>
-            <a:r>
-              <a:rPr lang="en-US" altLang="ko-KR" sz="1200" dirty="0"/>
-              <a:t> : </a:t>
-            </a:r>
-            <a:r>
-              <a:rPr lang="ko-KR" altLang="ko-KR" sz="1200" dirty="0"/>
-              <a:t>노트의 가로 길이 계산에 사용될 계수</a:t>
-            </a:r>
-          </a:p>
-          <a:p>
-            <a:pPr lvl="1"/>
-            <a:r>
-              <a:rPr lang="en-US" altLang="ko-KR" sz="1200" dirty="0" err="1"/>
-              <a:t>indicesForSizeY</a:t>
-            </a:r>
-            <a:r>
-              <a:rPr lang="en-US" altLang="ko-KR" sz="1200" dirty="0"/>
-              <a:t> : </a:t>
-            </a:r>
-            <a:r>
-              <a:rPr lang="ko-KR" altLang="ko-KR" sz="1200" dirty="0"/>
-              <a:t>노트의 세로 길이 계산에 사용될 계수</a:t>
-            </a:r>
-          </a:p>
-          <a:p>
-            <a:pPr lvl="1"/>
-            <a:r>
-              <a:rPr lang="en-US" altLang="ko-KR" sz="1200" dirty="0" err="1"/>
-              <a:t>isOnScreen</a:t>
-            </a:r>
-            <a:r>
-              <a:rPr lang="en-US" altLang="ko-KR" sz="1200" dirty="0"/>
-              <a:t>( ) : </a:t>
-            </a:r>
-            <a:r>
-              <a:rPr lang="ko-KR" altLang="ko-KR" sz="1200" dirty="0"/>
-              <a:t>노트가 화면에 나와 있는지 확인하는 메소드</a:t>
-            </a:r>
-            <a:endParaRPr lang="en-US" altLang="ko-KR" sz="1600" dirty="0"/>
-          </a:p>
-          <a:p>
-            <a:r>
-              <a:rPr lang="en-US" altLang="ko-KR" sz="1600" dirty="0"/>
-              <a:t>ScoreCalc.java : </a:t>
-            </a:r>
-            <a:r>
-              <a:rPr lang="ko-KR" altLang="ko-KR" sz="1600" dirty="0"/>
-              <a:t>노트를 칠 때의 판정에 따라 점수를 계산</a:t>
-            </a:r>
-            <a:r>
-              <a:rPr lang="ko-KR" altLang="en-US" sz="1600" dirty="0"/>
-              <a:t>하</a:t>
-            </a:r>
-            <a:r>
-              <a:rPr lang="ko-KR" altLang="ko-KR" sz="1600" dirty="0"/>
-              <a:t>는 클래스</a:t>
-            </a:r>
-            <a:endParaRPr lang="en-US" altLang="ko-KR" sz="1600" dirty="0"/>
-          </a:p>
-          <a:p>
-            <a:pPr lvl="1"/>
-            <a:r>
-              <a:rPr lang="en-US" altLang="ko-KR" sz="1200" dirty="0" err="1"/>
-              <a:t>noteAmount</a:t>
-            </a:r>
-            <a:r>
-              <a:rPr lang="en-US" altLang="ko-KR" sz="1200" dirty="0"/>
-              <a:t> : </a:t>
-            </a:r>
-            <a:r>
-              <a:rPr lang="ko-KR" altLang="ko-KR" sz="1200" dirty="0"/>
-              <a:t>노트의 총 개수</a:t>
-            </a:r>
-          </a:p>
-          <a:p>
-            <a:pPr lvl="1"/>
-            <a:r>
-              <a:rPr lang="en-US" altLang="ko-KR" sz="1200" dirty="0" err="1"/>
-              <a:t>maxScore</a:t>
-            </a:r>
-            <a:r>
-              <a:rPr lang="en-US" altLang="ko-KR" sz="1200" dirty="0"/>
-              <a:t> : </a:t>
-            </a:r>
-            <a:r>
-              <a:rPr lang="ko-KR" altLang="ko-KR" sz="1200" dirty="0"/>
-              <a:t>최대 점수</a:t>
-            </a:r>
-          </a:p>
-          <a:p>
-            <a:pPr lvl="1"/>
-            <a:r>
-              <a:rPr lang="en-US" altLang="ko-KR" sz="1200" dirty="0" err="1"/>
-              <a:t>sWeight</a:t>
-            </a:r>
-            <a:r>
-              <a:rPr lang="en-US" altLang="ko-KR" sz="1200" dirty="0"/>
-              <a:t> : </a:t>
-            </a:r>
-            <a:r>
-              <a:rPr lang="ko-KR" altLang="ko-KR" sz="1200" dirty="0"/>
-              <a:t>점수 추가에 사용될 가중치</a:t>
-            </a:r>
-          </a:p>
-          <a:p>
-            <a:pPr lvl="1"/>
-            <a:r>
-              <a:rPr lang="en-US" altLang="ko-KR" sz="1200" dirty="0" err="1"/>
-              <a:t>cWeight</a:t>
-            </a:r>
-            <a:r>
-              <a:rPr lang="en-US" altLang="ko-KR" sz="1200" dirty="0"/>
-              <a:t> : </a:t>
-            </a:r>
-            <a:r>
-              <a:rPr lang="ko-KR" altLang="ko-KR" sz="1200" dirty="0"/>
-              <a:t>콤보 추가에 사용될 가중치</a:t>
-            </a:r>
           </a:p>
         </p:txBody>
       </p:sp>
     </p:spTree>
     <p:extLst>
       <p:ext uri="{BB962C8B-B14F-4D97-AF65-F5344CB8AC3E}">
-        <p14:creationId xmlns:p14="http://schemas.microsoft.com/office/powerpoint/2010/main" val="2803180594"/>
+        <p14:creationId xmlns:p14="http://schemas.microsoft.com/office/powerpoint/2010/main" val="1848252933"/>
       </p:ext>
     </p:extLst>
   </p:cSld>
@@ -6293,46 +6204,11 @@
             </a:r>
             <a:r>
               <a:rPr lang="ko-KR" altLang="en-US" dirty="0"/>
-              <a:t>클래스 구조도</a:t>
-            </a:r>
-          </a:p>
-        </p:txBody>
-      </p:sp>
-      <p:pic>
-        <p:nvPicPr>
-          <p:cNvPr id="8" name="내용 개체 틀 7">
-            <a:extLst>
-              <a:ext uri="{FF2B5EF4-FFF2-40B4-BE49-F238E27FC236}">
-                <a16:creationId xmlns:a16="http://schemas.microsoft.com/office/drawing/2014/main" id="{4911737D-D08A-47E8-969E-50982B18375B}"/>
-              </a:ext>
-            </a:extLst>
-          </p:cNvPr>
-          <p:cNvPicPr>
-            <a:picLocks noGrp="1" noChangeAspect="1"/>
-          </p:cNvPicPr>
-          <p:nvPr>
-            <p:ph idx="1"/>
-          </p:nvPr>
-        </p:nvPicPr>
-        <p:blipFill>
-          <a:blip r:embed="rId2">
-            <a:extLst>
-              <a:ext uri="{28A0092B-C50C-407E-A947-70E740481C1C}">
-                <a14:useLocalDpi xmlns:a14="http://schemas.microsoft.com/office/drawing/2010/main" val="0"/>
-              </a:ext>
-            </a:extLst>
-          </a:blip>
-          <a:stretch>
-            <a:fillRect/>
-          </a:stretch>
-        </p:blipFill>
-        <p:spPr>
-          <a:xfrm>
-            <a:off x="1527372" y="1856495"/>
-            <a:ext cx="9137254" cy="4491431"/>
-          </a:xfrm>
-        </p:spPr>
-      </p:pic>
+              <a:t>클래스 명세표</a:t>
+            </a:r>
+          </a:p>
+        </p:txBody>
+      </p:sp>
       <p:sp>
         <p:nvSpPr>
           <p:cNvPr id="9" name="제목 1">
@@ -6383,20 +6259,151 @@
             <a:pPr lvl="1"/>
             <a:r>
               <a:rPr lang="en-US" altLang="ko-KR" dirty="0"/>
-              <a:t>6) </a:t>
+              <a:t>7) </a:t>
             </a:r>
             <a:r>
               <a:rPr lang="en-US" altLang="ko-KR" dirty="0" err="1"/>
-              <a:t>Controller_eventProcessorPackage</a:t>
+              <a:t>Controller_gameControllerPackage</a:t>
             </a:r>
             <a:endParaRPr lang="ko-KR" altLang="en-US" dirty="0"/>
+          </a:p>
+        </p:txBody>
+      </p:sp>
+      <p:sp>
+        <p:nvSpPr>
+          <p:cNvPr id="4" name="내용 개체 틀 3">
+            <a:extLst>
+              <a:ext uri="{FF2B5EF4-FFF2-40B4-BE49-F238E27FC236}">
+                <a16:creationId xmlns:a16="http://schemas.microsoft.com/office/drawing/2014/main" id="{69F5C882-E919-4AB7-B2E4-E7215EADAD99}"/>
+              </a:ext>
+            </a:extLst>
+          </p:cNvPr>
+          <p:cNvSpPr>
+            <a:spLocks noGrp="1"/>
+          </p:cNvSpPr>
+          <p:nvPr>
+            <p:ph idx="1"/>
+          </p:nvPr>
+        </p:nvSpPr>
+        <p:spPr>
+          <a:xfrm>
+            <a:off x="838200" y="1825625"/>
+            <a:ext cx="10515600" cy="4351338"/>
+          </a:xfrm>
+        </p:spPr>
+        <p:txBody>
+          <a:bodyPr>
+            <a:normAutofit/>
+          </a:bodyPr>
+          <a:lstStyle/>
+          <a:p>
+            <a:r>
+              <a:rPr lang="en-US" altLang="ko-KR" sz="1600" dirty="0"/>
+              <a:t>ScoreController.java : </a:t>
+            </a:r>
+            <a:r>
+              <a:rPr lang="ko-KR" altLang="ko-KR" sz="1600" dirty="0"/>
+              <a:t>점수와 콤보 계산을 받아 업데이트</a:t>
+            </a:r>
+            <a:r>
+              <a:rPr lang="en-US" altLang="ko-KR" sz="1600" dirty="0"/>
+              <a:t> </a:t>
+            </a:r>
+            <a:r>
+              <a:rPr lang="ko-KR" altLang="en-US" sz="1600" dirty="0"/>
+              <a:t>하는</a:t>
+            </a:r>
+            <a:r>
+              <a:rPr lang="ko-KR" altLang="ko-KR" sz="1600" dirty="0"/>
+              <a:t> 클래스</a:t>
+            </a:r>
+            <a:endParaRPr lang="en-US" altLang="ko-KR" sz="1600" dirty="0"/>
+          </a:p>
+          <a:p>
+            <a:pPr lvl="1"/>
+            <a:r>
+              <a:rPr lang="en-US" altLang="ko-KR" sz="1200" dirty="0" err="1"/>
+              <a:t>availableTypeForCombo</a:t>
+            </a:r>
+            <a:r>
+              <a:rPr lang="en-US" altLang="ko-KR" sz="1200" dirty="0"/>
+              <a:t> : </a:t>
+            </a:r>
+            <a:r>
+              <a:rPr lang="ko-KR" altLang="ko-KR" sz="1200" dirty="0"/>
+              <a:t>노트 판정 중 콤보가 계속되는 판정 목록</a:t>
+            </a:r>
+          </a:p>
+          <a:p>
+            <a:pPr lvl="1"/>
+            <a:r>
+              <a:rPr lang="en-US" altLang="ko-KR" sz="1200" dirty="0" err="1"/>
+              <a:t>availableTypeForScore</a:t>
+            </a:r>
+            <a:r>
+              <a:rPr lang="en-US" altLang="ko-KR" sz="1200" dirty="0"/>
+              <a:t> : </a:t>
+            </a:r>
+            <a:r>
+              <a:rPr lang="ko-KR" altLang="ko-KR" sz="1200" dirty="0"/>
+              <a:t>노트 판정 중 점수가 추가되는 판정 목록</a:t>
+            </a:r>
+          </a:p>
+          <a:p>
+            <a:pPr lvl="1"/>
+            <a:r>
+              <a:rPr lang="en-US" altLang="ko-KR" sz="1200" dirty="0" err="1"/>
+              <a:t>updateCombo</a:t>
+            </a:r>
+            <a:r>
+              <a:rPr lang="en-US" altLang="ko-KR" sz="1200" dirty="0"/>
+              <a:t>( ) : </a:t>
+            </a:r>
+            <a:r>
+              <a:rPr lang="ko-KR" altLang="ko-KR" sz="1200" dirty="0"/>
+              <a:t>콤보를 추가하거나 </a:t>
+            </a:r>
+            <a:r>
+              <a:rPr lang="ko-KR" altLang="ko-KR" sz="1200" dirty="0" err="1"/>
+              <a:t>리셋하는</a:t>
+            </a:r>
+            <a:r>
+              <a:rPr lang="ko-KR" altLang="ko-KR" sz="1200" dirty="0"/>
+              <a:t> 메소드</a:t>
+            </a:r>
+          </a:p>
+          <a:p>
+            <a:pPr lvl="1"/>
+            <a:r>
+              <a:rPr lang="en-US" altLang="ko-KR" sz="1200" dirty="0" err="1"/>
+              <a:t>updateScore</a:t>
+            </a:r>
+            <a:r>
+              <a:rPr lang="en-US" altLang="ko-KR" sz="1200" dirty="0"/>
+              <a:t>( ) : </a:t>
+            </a:r>
+            <a:r>
+              <a:rPr lang="ko-KR" altLang="ko-KR" sz="1200" dirty="0"/>
+              <a:t>점수를 추가하는 메소드</a:t>
+            </a:r>
+          </a:p>
+          <a:p>
+            <a:pPr lvl="1"/>
+            <a:r>
+              <a:rPr lang="en-US" altLang="ko-KR" sz="1200" dirty="0"/>
+              <a:t>update( ) : </a:t>
+            </a:r>
+            <a:r>
+              <a:rPr lang="ko-KR" altLang="ko-KR" sz="1200" dirty="0"/>
+              <a:t>콤보와 점수를 업데이트 하는 메소드</a:t>
+            </a:r>
           </a:p>
         </p:txBody>
       </p:sp>
     </p:spTree>
     <p:extLst>
       <p:ext uri="{BB962C8B-B14F-4D97-AF65-F5344CB8AC3E}">
-        <p14:creationId xmlns:p14="http://schemas.microsoft.com/office/powerpoint/2010/main" val="2403003123"/>
+        <p14:creationId xmlns:p14="http://schemas.microsoft.com/office/powerpoint/2010/main" val="993507543"/>
       </p:ext>
     </p:extLst>
   </p:cSld>
@@ -6609,11 +6616,46 @@
             </a:r>
             <a:r>
               <a:rPr lang="ko-KR" altLang="en-US" dirty="0"/>
-              <a:t>클래스 명세표</a:t>
-            </a:r>
-          </a:p>
-        </p:txBody>
-      </p:sp>
+              <a:t>클래스 구조도</a:t>
+            </a:r>
+          </a:p>
+        </p:txBody>
+      </p:sp>
+      <p:pic>
+        <p:nvPicPr>
+          <p:cNvPr id="8" name="내용 개체 틀 7">
+            <a:extLst>
+              <a:ext uri="{FF2B5EF4-FFF2-40B4-BE49-F238E27FC236}">
+                <a16:creationId xmlns:a16="http://schemas.microsoft.com/office/drawing/2014/main" id="{4911737D-D08A-47E8-969E-50982B18375B}"/>
+              </a:ext>
+            </a:extLst>
+          </p:cNvPr>
+          <p:cNvPicPr>
+            <a:picLocks noGrp="1" noChangeAspect="1"/>
+          </p:cNvPicPr>
+          <p:nvPr>
+            <p:ph idx="1"/>
+          </p:nvPr>
+        </p:nvPicPr>
+        <p:blipFill>
+          <a:blip r:embed="rId2">
+            <a:extLst>
+              <a:ext uri="{28A0092B-C50C-407E-A947-70E740481C1C}">
+                <a14:useLocalDpi xmlns:a14="http://schemas.microsoft.com/office/drawing/2010/main" val="0"/>
+              </a:ext>
+            </a:extLst>
+          </a:blip>
+          <a:stretch>
+            <a:fillRect/>
+          </a:stretch>
+        </p:blipFill>
+        <p:spPr>
+          <a:xfrm>
+            <a:off x="2500012" y="1856495"/>
+            <a:ext cx="7191974" cy="4491431"/>
+          </a:xfrm>
+        </p:spPr>
+      </p:pic>
       <p:sp>
         <p:nvSpPr>
           <p:cNvPr id="9" name="제목 1">
@@ -6664,256 +6706,20 @@
             <a:pPr lvl="1"/>
             <a:r>
               <a:rPr lang="en-US" altLang="ko-KR" dirty="0"/>
-              <a:t>6) </a:t>
+              <a:t>8) </a:t>
             </a:r>
             <a:r>
               <a:rPr lang="en-US" altLang="ko-KR" dirty="0" err="1"/>
-              <a:t>Controller_eventProcessorPackage</a:t>
+              <a:t>Controller_sceneControllerPackage</a:t>
             </a:r>
             <a:endParaRPr lang="ko-KR" altLang="en-US" dirty="0"/>
-          </a:p>
-        </p:txBody>
-      </p:sp>
-      <p:sp>
-        <p:nvSpPr>
-          <p:cNvPr id="4" name="내용 개체 틀 3">
-            <a:extLst>
-              <a:ext uri="{FF2B5EF4-FFF2-40B4-BE49-F238E27FC236}">
-                <a16:creationId xmlns:a16="http://schemas.microsoft.com/office/drawing/2014/main" id="{69F5C882-E919-4AB7-B2E4-E7215EADAD99}"/>
-              </a:ext>
-            </a:extLst>
-          </p:cNvPr>
-          <p:cNvSpPr>
-            <a:spLocks noGrp="1"/>
-          </p:cNvSpPr>
-          <p:nvPr>
-            <p:ph idx="1"/>
-          </p:nvPr>
-        </p:nvSpPr>
-        <p:spPr>
-          <a:xfrm>
-            <a:off x="838200" y="1825625"/>
-            <a:ext cx="10515600" cy="4351338"/>
-          </a:xfrm>
-        </p:spPr>
-        <p:txBody>
-          <a:bodyPr>
-            <a:normAutofit/>
-          </a:bodyPr>
-          <a:lstStyle/>
-          <a:p>
-            <a:r>
-              <a:rPr lang="en-US" altLang="ko-KR" sz="1600" dirty="0"/>
-              <a:t>CollisionChecker.java : </a:t>
-            </a:r>
-            <a:r>
-              <a:rPr lang="ko-KR" altLang="en-US" sz="1600" dirty="0"/>
-              <a:t>노트를 칠 때 판정을 계산하는 클래스</a:t>
-            </a:r>
-            <a:endParaRPr lang="en-US" altLang="ko-KR" sz="1600" dirty="0"/>
-          </a:p>
-          <a:p>
-            <a:pPr lvl="1"/>
-            <a:r>
-              <a:rPr lang="en-US" altLang="ko-KR" sz="1200" dirty="0" err="1"/>
-              <a:t>collisionCheckCriterion</a:t>
-            </a:r>
-            <a:r>
-              <a:rPr lang="en-US" altLang="ko-KR" sz="1200" dirty="0"/>
-              <a:t> : </a:t>
-            </a:r>
-            <a:r>
-              <a:rPr lang="ko-KR" altLang="ko-KR" sz="1200" dirty="0"/>
-              <a:t>판정 범위</a:t>
-            </a:r>
-          </a:p>
-          <a:p>
-            <a:pPr lvl="1"/>
-            <a:r>
-              <a:rPr lang="en-US" altLang="ko-KR" sz="1200" dirty="0" err="1"/>
-              <a:t>checkLine</a:t>
-            </a:r>
-            <a:r>
-              <a:rPr lang="en-US" altLang="ko-KR" sz="1200" dirty="0"/>
-              <a:t>( ) : </a:t>
-            </a:r>
-            <a:r>
-              <a:rPr lang="ko-KR" altLang="ko-KR" sz="1200" dirty="0"/>
-              <a:t>알맞은 노트의 라인을 눌렀는지 확인하는 메소드</a:t>
-            </a:r>
-          </a:p>
-          <a:p>
-            <a:pPr lvl="1"/>
-            <a:r>
-              <a:rPr lang="en-US" altLang="ko-KR" sz="1200" dirty="0" err="1"/>
-              <a:t>checkCollision</a:t>
-            </a:r>
-            <a:r>
-              <a:rPr lang="en-US" altLang="ko-KR" sz="1200" dirty="0"/>
-              <a:t>( ) : </a:t>
-            </a:r>
-            <a:r>
-              <a:rPr lang="ko-KR" altLang="ko-KR" sz="1200" dirty="0"/>
-              <a:t>노트를 눌렀을 때 판정 타입을 결정해주는 메소드</a:t>
-            </a:r>
-          </a:p>
-          <a:p>
-            <a:pPr lvl="1"/>
-            <a:r>
-              <a:rPr lang="en-US" altLang="ko-KR" sz="1200" dirty="0" err="1"/>
-              <a:t>checkIsOut</a:t>
-            </a:r>
-            <a:r>
-              <a:rPr lang="en-US" altLang="ko-KR" sz="1200" dirty="0"/>
-              <a:t>( ) : </a:t>
-            </a:r>
-            <a:r>
-              <a:rPr lang="ko-KR" altLang="ko-KR" sz="1200" dirty="0"/>
-              <a:t>판정 범위에서 키를 했을 때의 판정을 해주는 메소드</a:t>
-            </a:r>
-            <a:endParaRPr lang="en-US" altLang="ko-KR" sz="1600" dirty="0"/>
-          </a:p>
-          <a:p>
-            <a:r>
-              <a:rPr lang="en-US" altLang="ko-KR" sz="1600" dirty="0"/>
-              <a:t>KeyListener.java : </a:t>
-            </a:r>
-            <a:r>
-              <a:rPr lang="ko-KR" altLang="en-US" sz="1600" dirty="0"/>
-              <a:t>노트를 치기 위한 키 입력을 받는 클래스</a:t>
-            </a:r>
-            <a:endParaRPr lang="en-US" altLang="ko-KR" sz="1600" dirty="0"/>
-          </a:p>
-          <a:p>
-            <a:pPr lvl="1"/>
-            <a:r>
-              <a:rPr lang="en-US" altLang="ko-KR" sz="1200" dirty="0" err="1"/>
-              <a:t>gameInputList</a:t>
-            </a:r>
-            <a:r>
-              <a:rPr lang="en-US" altLang="ko-KR" sz="1200" dirty="0"/>
-              <a:t> : </a:t>
-            </a:r>
-            <a:r>
-              <a:rPr lang="ko-KR" altLang="en-US" sz="1200" dirty="0"/>
-              <a:t>게임에 관련된 입력이 저장되는 리스트</a:t>
-            </a:r>
-            <a:endParaRPr lang="ko-KR" altLang="ko-KR" sz="1200" dirty="0"/>
-          </a:p>
-          <a:p>
-            <a:pPr lvl="1"/>
-            <a:r>
-              <a:rPr lang="en-US" altLang="ko-KR" sz="1200" dirty="0" err="1"/>
-              <a:t>gameInputChecktable</a:t>
-            </a:r>
-            <a:r>
-              <a:rPr lang="en-US" altLang="ko-KR" sz="1200" dirty="0"/>
-              <a:t> : </a:t>
-            </a:r>
-            <a:r>
-              <a:rPr lang="ko-KR" altLang="en-US" sz="1200" dirty="0"/>
-              <a:t>입력이 저장된 리스트에 중복 저장 하지 않기 위한 리스트</a:t>
-            </a:r>
-            <a:endParaRPr lang="ko-KR" altLang="ko-KR" sz="1200" dirty="0"/>
-          </a:p>
-          <a:p>
-            <a:pPr lvl="1"/>
-            <a:r>
-              <a:rPr lang="en-US" altLang="ko-KR" sz="1200" dirty="0" err="1"/>
-              <a:t>inputList</a:t>
-            </a:r>
-            <a:r>
-              <a:rPr lang="en-US" altLang="ko-KR" sz="1200" dirty="0"/>
-              <a:t> : </a:t>
-            </a:r>
-            <a:r>
-              <a:rPr lang="ko-KR" altLang="ko-KR" sz="1200" dirty="0"/>
-              <a:t>입력된 키 값을 저장하는 리스트</a:t>
-            </a:r>
-            <a:endParaRPr lang="en-US" altLang="ko-KR" sz="1600" dirty="0"/>
-          </a:p>
-          <a:p>
-            <a:r>
-              <a:rPr lang="en-US" altLang="ko-KR" sz="1600" dirty="0"/>
-              <a:t>SceneChanger.java : </a:t>
-            </a:r>
-            <a:r>
-              <a:rPr lang="ko-KR" altLang="en-US" sz="1600" dirty="0"/>
-              <a:t>화면을 전환하는 클래스</a:t>
-            </a:r>
-            <a:endParaRPr lang="en-US" altLang="ko-KR" sz="1600" dirty="0"/>
-          </a:p>
-          <a:p>
-            <a:pPr lvl="1"/>
-            <a:r>
-              <a:rPr lang="en-US" altLang="ko-KR" sz="1200" dirty="0" err="1"/>
-              <a:t>fadeIn</a:t>
-            </a:r>
-            <a:r>
-              <a:rPr lang="en-US" altLang="ko-KR" sz="1200" dirty="0"/>
-              <a:t>( ) : </a:t>
-            </a:r>
-            <a:r>
-              <a:rPr lang="ko-KR" altLang="ko-KR" sz="1200" dirty="0" err="1"/>
-              <a:t>페이드</a:t>
-            </a:r>
-            <a:r>
-              <a:rPr lang="ko-KR" altLang="ko-KR" sz="1200" dirty="0"/>
-              <a:t> 인 실행 메소드</a:t>
-            </a:r>
-          </a:p>
-          <a:p>
-            <a:pPr lvl="1"/>
-            <a:r>
-              <a:rPr lang="en-US" altLang="ko-KR" sz="1200" dirty="0" err="1"/>
-              <a:t>fadeOut</a:t>
-            </a:r>
-            <a:r>
-              <a:rPr lang="en-US" altLang="ko-KR" sz="1200" dirty="0"/>
-              <a:t>( ) : </a:t>
-            </a:r>
-            <a:r>
-              <a:rPr lang="ko-KR" altLang="ko-KR" sz="1200" dirty="0" err="1"/>
-              <a:t>페이드</a:t>
-            </a:r>
-            <a:r>
-              <a:rPr lang="ko-KR" altLang="ko-KR" sz="1200" dirty="0"/>
-              <a:t> 아웃 및 하면 전환 메소드를 실행하는 메소드</a:t>
-            </a:r>
-          </a:p>
-          <a:p>
-            <a:pPr lvl="1"/>
-            <a:r>
-              <a:rPr lang="en-US" altLang="ko-KR" sz="1200" dirty="0" err="1"/>
-              <a:t>loadGame</a:t>
-            </a:r>
-            <a:r>
-              <a:rPr lang="en-US" altLang="ko-KR" sz="1200" dirty="0"/>
-              <a:t>( ) : </a:t>
-            </a:r>
-            <a:r>
-              <a:rPr lang="ko-KR" altLang="ko-KR" sz="1200" dirty="0"/>
-              <a:t>게임 플레이 화면으로 전환하는 메소드</a:t>
-            </a:r>
-          </a:p>
-          <a:p>
-            <a:pPr lvl="1"/>
-            <a:r>
-              <a:rPr lang="en-US" altLang="ko-KR" sz="1200" dirty="0"/>
-              <a:t>load( ) : </a:t>
-            </a:r>
-            <a:r>
-              <a:rPr lang="ko-KR" altLang="ko-KR" sz="1200" dirty="0"/>
-              <a:t>화면을 전환하는 메소든</a:t>
-            </a:r>
-            <a:endParaRPr lang="en-US" altLang="ko-KR" sz="1200" dirty="0"/>
           </a:p>
         </p:txBody>
       </p:sp>
     </p:spTree>
     <p:extLst>
       <p:ext uri="{BB962C8B-B14F-4D97-AF65-F5344CB8AC3E}">
-        <p14:creationId xmlns:p14="http://schemas.microsoft.com/office/powerpoint/2010/main" val="356272036"/>
+        <p14:creationId xmlns:p14="http://schemas.microsoft.com/office/powerpoint/2010/main" val="920822308"/>
       </p:ext>
     </p:extLst>
   </p:cSld>
@@ -6980,46 +6786,11 @@
             </a:r>
             <a:r>
               <a:rPr lang="ko-KR" altLang="en-US" dirty="0"/>
-              <a:t>클래스 구조도</a:t>
-            </a:r>
-          </a:p>
-        </p:txBody>
-      </p:sp>
-      <p:pic>
-        <p:nvPicPr>
-          <p:cNvPr id="8" name="내용 개체 틀 7">
-            <a:extLst>
-              <a:ext uri="{FF2B5EF4-FFF2-40B4-BE49-F238E27FC236}">
-                <a16:creationId xmlns:a16="http://schemas.microsoft.com/office/drawing/2014/main" id="{4911737D-D08A-47E8-969E-50982B18375B}"/>
-              </a:ext>
-            </a:extLst>
-          </p:cNvPr>
-          <p:cNvPicPr>
-            <a:picLocks noGrp="1" noChangeAspect="1"/>
-          </p:cNvPicPr>
-          <p:nvPr>
-            <p:ph idx="1"/>
-          </p:nvPr>
-        </p:nvPicPr>
-        <p:blipFill>
-          <a:blip r:embed="rId2">
-            <a:extLst>
-              <a:ext uri="{28A0092B-C50C-407E-A947-70E740481C1C}">
-                <a14:useLocalDpi xmlns:a14="http://schemas.microsoft.com/office/drawing/2010/main" val="0"/>
-              </a:ext>
-            </a:extLst>
-          </a:blip>
-          <a:stretch>
-            <a:fillRect/>
-          </a:stretch>
-        </p:blipFill>
-        <p:spPr>
-          <a:xfrm>
-            <a:off x="1527372" y="2230404"/>
-            <a:ext cx="9137254" cy="3743612"/>
-          </a:xfrm>
-        </p:spPr>
-      </p:pic>
+              <a:t>클래스 명세표</a:t>
+            </a:r>
+          </a:p>
+        </p:txBody>
+      </p:sp>
       <p:sp>
         <p:nvSpPr>
           <p:cNvPr id="9" name="제목 1">
@@ -7070,20 +6841,309 @@
             <a:pPr lvl="1"/>
             <a:r>
               <a:rPr lang="en-US" altLang="ko-KR" dirty="0"/>
-              <a:t>7) </a:t>
+              <a:t>8) </a:t>
             </a:r>
             <a:r>
               <a:rPr lang="en-US" altLang="ko-KR" dirty="0" err="1"/>
-              <a:t>Controller_gameControllerPackage</a:t>
+              <a:t>Controller_sceneControllerPackage</a:t>
             </a:r>
             <a:endParaRPr lang="ko-KR" altLang="en-US" dirty="0"/>
+          </a:p>
+        </p:txBody>
+      </p:sp>
+      <p:sp>
+        <p:nvSpPr>
+          <p:cNvPr id="4" name="내용 개체 틀 3">
+            <a:extLst>
+              <a:ext uri="{FF2B5EF4-FFF2-40B4-BE49-F238E27FC236}">
+                <a16:creationId xmlns:a16="http://schemas.microsoft.com/office/drawing/2014/main" id="{69F5C882-E919-4AB7-B2E4-E7215EADAD99}"/>
+              </a:ext>
+            </a:extLst>
+          </p:cNvPr>
+          <p:cNvSpPr>
+            <a:spLocks noGrp="1"/>
+          </p:cNvSpPr>
+          <p:nvPr>
+            <p:ph idx="1"/>
+          </p:nvPr>
+        </p:nvSpPr>
+        <p:spPr>
+          <a:xfrm>
+            <a:off x="838200" y="1825625"/>
+            <a:ext cx="10515600" cy="4351338"/>
+          </a:xfrm>
+        </p:spPr>
+        <p:txBody>
+          <a:bodyPr>
+            <a:normAutofit/>
+          </a:bodyPr>
+          <a:lstStyle/>
+          <a:p>
+            <a:r>
+              <a:rPr lang="en-US" altLang="ko-KR" sz="1600" dirty="0"/>
+              <a:t>MainController.java : </a:t>
+            </a:r>
+            <a:r>
+              <a:rPr lang="ko-KR" altLang="ko-KR" sz="1600" dirty="0"/>
+              <a:t>메인 화면에서 입력을 받아 동작</a:t>
+            </a:r>
+            <a:r>
+              <a:rPr lang="ko-KR" altLang="en-US" sz="1600" dirty="0"/>
+              <a:t>하는</a:t>
+            </a:r>
+            <a:r>
+              <a:rPr lang="ko-KR" altLang="ko-KR" sz="1600" dirty="0"/>
+              <a:t> 클래스</a:t>
+            </a:r>
+            <a:r>
+              <a:rPr lang="en-US" altLang="ko-KR" sz="1600" dirty="0"/>
+              <a:t>, </a:t>
+            </a:r>
+            <a:r>
+              <a:rPr lang="en-US" altLang="ko-KR" sz="1600" dirty="0" err="1"/>
+              <a:t>Initializable</a:t>
+            </a:r>
+            <a:r>
+              <a:rPr lang="ko-KR" altLang="en-US" sz="1600" dirty="0"/>
+              <a:t> 인터페이스를 상속받음</a:t>
+            </a:r>
+            <a:endParaRPr lang="en-US" altLang="ko-KR" sz="1600" dirty="0"/>
+          </a:p>
+          <a:p>
+            <a:pPr lvl="1"/>
+            <a:r>
+              <a:rPr lang="en-US" altLang="ko-KR" sz="1200" dirty="0"/>
+              <a:t>Songs : </a:t>
+            </a:r>
+            <a:r>
+              <a:rPr lang="ko-KR" altLang="ko-KR" sz="1200" dirty="0"/>
+              <a:t>곡 목록 버튼</a:t>
+            </a:r>
+          </a:p>
+          <a:p>
+            <a:pPr lvl="1"/>
+            <a:r>
+              <a:rPr lang="en-US" altLang="ko-KR" sz="1200" dirty="0"/>
+              <a:t>Option : </a:t>
+            </a:r>
+            <a:r>
+              <a:rPr lang="ko-KR" altLang="ko-KR" sz="1200" dirty="0"/>
+              <a:t>설정 버튼</a:t>
+            </a:r>
+            <a:endParaRPr lang="en-US" altLang="ko-KR" sz="1200" dirty="0"/>
+          </a:p>
+          <a:p>
+            <a:pPr lvl="1"/>
+            <a:r>
+              <a:rPr lang="en-US" altLang="ko-KR" sz="1200" dirty="0" err="1"/>
+              <a:t>SongPressed</a:t>
+            </a:r>
+            <a:r>
+              <a:rPr lang="en-US" altLang="ko-KR" sz="1200" dirty="0"/>
+              <a:t>( ) : </a:t>
+            </a:r>
+            <a:r>
+              <a:rPr lang="ko-KR" altLang="ko-KR" sz="1200" dirty="0"/>
+              <a:t>곡 목록 버튼을 눌렀을 때 곡 목록 화면으로 넘어가는 메소드</a:t>
+            </a:r>
+          </a:p>
+          <a:p>
+            <a:pPr lvl="1"/>
+            <a:r>
+              <a:rPr lang="en-US" altLang="ko-KR" sz="1200" dirty="0" err="1"/>
+              <a:t>OptionPressed</a:t>
+            </a:r>
+            <a:r>
+              <a:rPr lang="en-US" altLang="ko-KR" sz="1200" dirty="0"/>
+              <a:t>( ) : </a:t>
+            </a:r>
+            <a:r>
+              <a:rPr lang="ko-KR" altLang="ko-KR" sz="1200" dirty="0"/>
+              <a:t>설정 버튼을 눌렀을 때 설정 화면으로 넘어가는 메소</a:t>
+            </a:r>
+            <a:r>
+              <a:rPr lang="ko-KR" altLang="en-US" sz="1200" dirty="0"/>
+              <a:t>드</a:t>
+            </a:r>
+            <a:endParaRPr lang="en-US" altLang="ko-KR" sz="1200" dirty="0"/>
+          </a:p>
+          <a:p>
+            <a:r>
+              <a:rPr lang="en-US" altLang="ko-KR" sz="1600" dirty="0"/>
+              <a:t>OptionController.java : </a:t>
+            </a:r>
+            <a:r>
+              <a:rPr lang="ko-KR" altLang="en-US" sz="1600" dirty="0"/>
+              <a:t>설정</a:t>
+            </a:r>
+            <a:r>
+              <a:rPr lang="ko-KR" altLang="ko-KR" sz="1600" dirty="0"/>
+              <a:t> 화면에서 입력을 받아 동작</a:t>
+            </a:r>
+            <a:r>
+              <a:rPr lang="ko-KR" altLang="en-US" sz="1600" dirty="0"/>
+              <a:t>하는</a:t>
+            </a:r>
+            <a:r>
+              <a:rPr lang="ko-KR" altLang="ko-KR" sz="1600" dirty="0"/>
+              <a:t> 클래스</a:t>
+            </a:r>
+            <a:r>
+              <a:rPr lang="en-US" altLang="ko-KR" sz="1600" dirty="0"/>
+              <a:t>, </a:t>
+            </a:r>
+            <a:r>
+              <a:rPr lang="en-US" altLang="ko-KR" sz="1600" dirty="0" err="1"/>
+              <a:t>Initializable</a:t>
+            </a:r>
+            <a:r>
+              <a:rPr lang="ko-KR" altLang="en-US" sz="1600" dirty="0"/>
+              <a:t> 인터페이스를 상속받음</a:t>
+            </a:r>
+            <a:endParaRPr lang="en-US" altLang="ko-KR" sz="1600" dirty="0"/>
+          </a:p>
+          <a:p>
+            <a:pPr lvl="1"/>
+            <a:r>
+              <a:rPr lang="en-US" altLang="ko-KR" sz="1300" dirty="0" err="1"/>
+              <a:t>VolumeSlide</a:t>
+            </a:r>
+            <a:r>
+              <a:rPr lang="en-US" altLang="ko-KR" sz="1300" dirty="0"/>
+              <a:t> : </a:t>
+            </a:r>
+            <a:r>
+              <a:rPr lang="ko-KR" altLang="ko-KR" sz="1300" dirty="0"/>
+              <a:t>음량을 조절하는 슬라이더</a:t>
+            </a:r>
+          </a:p>
+          <a:p>
+            <a:pPr lvl="1"/>
+            <a:r>
+              <a:rPr lang="en-US" altLang="ko-KR" sz="1300" dirty="0" err="1"/>
+              <a:t>SyncSlide</a:t>
+            </a:r>
+            <a:r>
+              <a:rPr lang="en-US" altLang="ko-KR" sz="1300" dirty="0"/>
+              <a:t> : </a:t>
+            </a:r>
+            <a:r>
+              <a:rPr lang="ko-KR" altLang="ko-KR" sz="1300" dirty="0"/>
+              <a:t>노트가 내려올 타이밍을 조절하는 슬라이더</a:t>
+            </a:r>
+          </a:p>
+          <a:p>
+            <a:pPr lvl="1"/>
+            <a:r>
+              <a:rPr lang="en-US" altLang="ko-KR" sz="1300" dirty="0" err="1"/>
+              <a:t>SpeedSlide</a:t>
+            </a:r>
+            <a:r>
+              <a:rPr lang="en-US" altLang="ko-KR" sz="1300" dirty="0"/>
+              <a:t> : </a:t>
+            </a:r>
+            <a:r>
+              <a:rPr lang="ko-KR" altLang="ko-KR" sz="1300" dirty="0"/>
+              <a:t>노트의 속도를 조절하는 슬라이더</a:t>
+            </a:r>
+          </a:p>
+          <a:p>
+            <a:pPr lvl="1"/>
+            <a:r>
+              <a:rPr lang="en-US" altLang="ko-KR" sz="1300" dirty="0" err="1"/>
+              <a:t>VolumeValue</a:t>
+            </a:r>
+            <a:r>
+              <a:rPr lang="en-US" altLang="ko-KR" sz="1300" dirty="0"/>
+              <a:t> : </a:t>
+            </a:r>
+            <a:r>
+              <a:rPr lang="ko-KR" altLang="ko-KR" sz="1300" dirty="0"/>
+              <a:t>설정된 음량을 보여주는 변수</a:t>
+            </a:r>
+          </a:p>
+          <a:p>
+            <a:pPr lvl="1"/>
+            <a:r>
+              <a:rPr lang="en-US" altLang="ko-KR" sz="1300" dirty="0" err="1"/>
+              <a:t>SyncValue</a:t>
+            </a:r>
+            <a:r>
+              <a:rPr lang="en-US" altLang="ko-KR" sz="1300" dirty="0"/>
+              <a:t> : </a:t>
+            </a:r>
+            <a:r>
+              <a:rPr lang="ko-KR" altLang="ko-KR" sz="1300" dirty="0"/>
+              <a:t>설정된 노트의 타이밍을 보여주는 변수</a:t>
+            </a:r>
+          </a:p>
+          <a:p>
+            <a:pPr lvl="1"/>
+            <a:r>
+              <a:rPr lang="en-US" altLang="ko-KR" sz="1300" dirty="0" err="1"/>
+              <a:t>SpeedValue</a:t>
+            </a:r>
+            <a:r>
+              <a:rPr lang="en-US" altLang="ko-KR" sz="1300" dirty="0"/>
+              <a:t> : </a:t>
+            </a:r>
+            <a:r>
+              <a:rPr lang="ko-KR" altLang="ko-KR" sz="1300" dirty="0"/>
+              <a:t>설정된 노트의 속도를 보여주는 변수</a:t>
+            </a:r>
+          </a:p>
+          <a:p>
+            <a:pPr lvl="1"/>
+            <a:r>
+              <a:rPr lang="en-US" altLang="ko-KR" sz="1300" dirty="0" err="1"/>
+              <a:t>BacktoMain</a:t>
+            </a:r>
+            <a:r>
+              <a:rPr lang="en-US" altLang="ko-KR" sz="1300" dirty="0"/>
+              <a:t> : </a:t>
+            </a:r>
+            <a:r>
+              <a:rPr lang="ko-KR" altLang="ko-KR" sz="1300" dirty="0"/>
+              <a:t>초기 화면으로 돌아가는 버튼</a:t>
+            </a:r>
+            <a:endParaRPr lang="en-US" altLang="ko-KR" sz="1300" dirty="0"/>
+          </a:p>
+          <a:p>
+            <a:pPr lvl="1"/>
+            <a:r>
+              <a:rPr lang="en-US" altLang="ko-KR" sz="1300" dirty="0" err="1"/>
+              <a:t>BackToMain</a:t>
+            </a:r>
+            <a:r>
+              <a:rPr lang="en-US" altLang="ko-KR" sz="1300" dirty="0"/>
+              <a:t>( ) : </a:t>
+            </a:r>
+            <a:r>
+              <a:rPr lang="ko-KR" altLang="ko-KR" sz="1300" dirty="0"/>
+              <a:t>초기 화면으로 돌아가는 메소드</a:t>
+            </a:r>
+          </a:p>
+          <a:p>
+            <a:pPr lvl="1"/>
+            <a:r>
+              <a:rPr lang="en-US" altLang="ko-KR" sz="1300" dirty="0"/>
+              <a:t>changed( ) : </a:t>
+            </a:r>
+            <a:r>
+              <a:rPr lang="ko-KR" altLang="ko-KR" sz="1300" dirty="0"/>
+              <a:t>슬라이더를 이용해 변경된 설정 값을 변수에 저장하는 메소드</a:t>
+            </a:r>
+            <a:endParaRPr lang="en-US" altLang="ko-KR" sz="1600" dirty="0"/>
+          </a:p>
+          <a:p>
+            <a:endParaRPr lang="en-US" altLang="ko-KR" sz="1600" dirty="0"/>
           </a:p>
         </p:txBody>
       </p:sp>
     </p:spTree>
     <p:extLst>
       <p:ext uri="{BB962C8B-B14F-4D97-AF65-F5344CB8AC3E}">
-        <p14:creationId xmlns:p14="http://schemas.microsoft.com/office/powerpoint/2010/main" val="3576069605"/>
+        <p14:creationId xmlns:p14="http://schemas.microsoft.com/office/powerpoint/2010/main" val="1854029949"/>
       </p:ext>
     </p:extLst>
   </p:cSld>
@@ -7205,11 +7265,11 @@
             <a:pPr lvl="1"/>
             <a:r>
               <a:rPr lang="en-US" altLang="ko-KR" dirty="0"/>
-              <a:t>7) </a:t>
+              <a:t>8) </a:t>
             </a:r>
             <a:r>
               <a:rPr lang="en-US" altLang="ko-KR" dirty="0" err="1"/>
-              <a:t>Controller_gameControllerPackage</a:t>
+              <a:t>Controller_sceneControllerPackage</a:t>
             </a:r>
             <a:endParaRPr lang="ko-KR" altLang="en-US" dirty="0"/>
           </a:p>
@@ -7245,11 +7305,39 @@
           <a:p>
             <a:r>
               <a:rPr lang="en-US" altLang="ko-KR" sz="1600" dirty="0"/>
-              <a:t>GameLoopController.java : </a:t>
+              <a:t>ResultController.java :</a:t>
             </a:r>
             <a:r>
               <a:rPr lang="ko-KR" altLang="ko-KR" sz="1600" dirty="0"/>
-              <a:t>전체적인 컨트롤러를 불러와서 게임 화면을 총괄하는 클래스</a:t>
+              <a:t> </a:t>
+            </a:r>
+            <a:r>
+              <a:rPr lang="ko-KR" altLang="en-US" sz="1600" dirty="0"/>
+              <a:t>결과</a:t>
+            </a:r>
+            <a:r>
+              <a:rPr lang="ko-KR" altLang="ko-KR" sz="1600" dirty="0"/>
+              <a:t> 화면에서 입력을 받아 동작</a:t>
+            </a:r>
+            <a:r>
+              <a:rPr lang="ko-KR" altLang="en-US" sz="1600" dirty="0"/>
+              <a:t>하는</a:t>
+            </a:r>
+            <a:r>
+              <a:rPr lang="ko-KR" altLang="ko-KR" sz="1600" dirty="0"/>
+              <a:t> 클래스</a:t>
+            </a:r>
+            <a:r>
+              <a:rPr lang="en-US" altLang="ko-KR" sz="1600" dirty="0"/>
+              <a:t>, </a:t>
+            </a:r>
+            <a:r>
+              <a:rPr lang="en-US" altLang="ko-KR" sz="1600" dirty="0" err="1"/>
+              <a:t>Initializable</a:t>
+            </a:r>
+            <a:r>
+              <a:rPr lang="ko-KR" altLang="en-US" sz="1600" dirty="0"/>
+              <a:t> 인터페이스를 상속받음</a:t>
             </a:r>
             <a:endParaRPr lang="en-US" altLang="ko-KR" sz="1600" dirty="0"/>
           </a:p>
@@ -7257,213 +7345,160 @@
             <a:pPr lvl="1"/>
             <a:r>
               <a:rPr lang="en-US" altLang="ko-KR" sz="1200" dirty="0" err="1"/>
-              <a:t>gameloop</a:t>
+              <a:t>BackToMain</a:t>
+            </a:r>
+            <a:r>
+              <a:rPr lang="en-US" altLang="ko-KR" sz="1200" dirty="0"/>
+              <a:t>( ) : </a:t>
+            </a:r>
+            <a:r>
+              <a:rPr lang="ko-KR" altLang="ko-KR" sz="1200" dirty="0"/>
+              <a:t>초기 화면으로 돌아가는 메소</a:t>
+            </a:r>
+            <a:r>
+              <a:rPr lang="ko-KR" altLang="en-US" sz="1200" dirty="0"/>
+              <a:t>드</a:t>
+            </a:r>
+            <a:endParaRPr lang="en-US" altLang="ko-KR" sz="1200" dirty="0"/>
+          </a:p>
+          <a:p>
+            <a:pPr lvl="1"/>
+            <a:r>
+              <a:rPr lang="en-US" altLang="ko-KR" sz="1200" dirty="0" err="1"/>
+              <a:t>scoreValue</a:t>
             </a:r>
             <a:r>
               <a:rPr lang="en-US" altLang="ko-KR" sz="1200" dirty="0"/>
               <a:t> : </a:t>
             </a:r>
             <a:r>
+              <a:rPr lang="ko-KR" altLang="en-US" sz="1200" dirty="0"/>
+              <a:t>점수</a:t>
+            </a:r>
+            <a:endParaRPr lang="en-US" altLang="ko-KR" sz="1200" dirty="0"/>
+          </a:p>
+          <a:p>
+            <a:pPr lvl="1"/>
+            <a:r>
+              <a:rPr lang="en-US" altLang="ko-KR" sz="1200" dirty="0" err="1"/>
+              <a:t>maxComboValue</a:t>
+            </a:r>
+            <a:r>
+              <a:rPr lang="en-US" altLang="ko-KR" sz="1200" dirty="0"/>
+              <a:t> : </a:t>
+            </a:r>
+            <a:r>
+              <a:rPr lang="ko-KR" altLang="en-US" sz="1200" dirty="0"/>
+              <a:t>최대 콤보</a:t>
+            </a:r>
+            <a:endParaRPr lang="en-US" altLang="ko-KR" sz="1200" dirty="0"/>
+          </a:p>
+          <a:p>
+            <a:pPr lvl="1"/>
+            <a:r>
+              <a:rPr lang="en-US" altLang="ko-KR" sz="1200" dirty="0" err="1"/>
+              <a:t>perfectHitValue</a:t>
+            </a:r>
+            <a:r>
+              <a:rPr lang="en-US" altLang="ko-KR" sz="1200" dirty="0"/>
+              <a:t> : </a:t>
+            </a:r>
+            <a:r>
+              <a:rPr lang="ko-KR" altLang="en-US" sz="1200" dirty="0"/>
+              <a:t>퍼펙트 판정을 받은 횟수</a:t>
+            </a:r>
+            <a:r>
+              <a:rPr lang="en-US" altLang="ko-KR" sz="1200" dirty="0"/>
+              <a:t>;</a:t>
+            </a:r>
+          </a:p>
+          <a:p>
+            <a:r>
+              <a:rPr lang="en-US" altLang="ko-KR" sz="1600" dirty="0"/>
+              <a:t>SongListController.java :</a:t>
+            </a:r>
+            <a:r>
+              <a:rPr lang="ko-KR" altLang="ko-KR" sz="1600" dirty="0"/>
+              <a:t> </a:t>
+            </a:r>
+            <a:r>
+              <a:rPr lang="ko-KR" altLang="en-US" sz="1600" dirty="0"/>
+              <a:t>곡 선택</a:t>
+            </a:r>
+            <a:r>
+              <a:rPr lang="ko-KR" altLang="ko-KR" sz="1600" dirty="0"/>
+              <a:t> 화면에서 입력을 받아 동작</a:t>
+            </a:r>
+            <a:r>
+              <a:rPr lang="ko-KR" altLang="en-US" sz="1600" dirty="0"/>
+              <a:t>하는</a:t>
+            </a:r>
+            <a:r>
+              <a:rPr lang="ko-KR" altLang="ko-KR" sz="1600" dirty="0"/>
+              <a:t> 클래스</a:t>
+            </a:r>
+            <a:r>
+              <a:rPr lang="en-US" altLang="ko-KR" sz="1600" dirty="0"/>
+              <a:t>, </a:t>
+            </a:r>
+            <a:r>
+              <a:rPr lang="en-US" altLang="ko-KR" sz="1600" dirty="0" err="1"/>
+              <a:t>Initializable</a:t>
+            </a:r>
+            <a:r>
+              <a:rPr lang="ko-KR" altLang="en-US" sz="1600" dirty="0"/>
+              <a:t> 인터페이스를 상속받음</a:t>
+            </a:r>
+            <a:endParaRPr lang="en-US" altLang="ko-KR" sz="1600" dirty="0"/>
+          </a:p>
+          <a:p>
+            <a:pPr lvl="1"/>
+            <a:r>
+              <a:rPr lang="en-US" altLang="ko-KR" sz="1200" dirty="0"/>
+              <a:t>Song : </a:t>
+            </a:r>
+            <a:r>
               <a:rPr lang="ko-KR" altLang="ko-KR" sz="1200" dirty="0"/>
-              <a:t>게임의 상태를 업데이트 해주고 그려주는 루프를 가진 변수</a:t>
-            </a:r>
+              <a:t>노래 실행 버튼</a:t>
+            </a:r>
+            <a:endParaRPr lang="en-US" altLang="ko-KR" sz="1200" dirty="0"/>
           </a:p>
           <a:p>
             <a:pPr lvl="1"/>
             <a:r>
               <a:rPr lang="en-US" altLang="ko-KR" sz="1200" dirty="0" err="1"/>
-              <a:t>startNanoTime</a:t>
-            </a:r>
-            <a:r>
-              <a:rPr lang="en-US" altLang="ko-KR" sz="1200" dirty="0"/>
-              <a:t> : </a:t>
+              <a:t>SelectSong</a:t>
+            </a:r>
+            <a:r>
+              <a:rPr lang="en-US" altLang="ko-KR" sz="1200" dirty="0"/>
+              <a:t>( ) : </a:t>
             </a:r>
             <a:r>
               <a:rPr lang="ko-KR" altLang="ko-KR" sz="1200" dirty="0"/>
-              <a:t>게임이 시작된 시간</a:t>
+              <a:t>게임을 플레이 하는 메소드</a:t>
             </a:r>
           </a:p>
           <a:p>
             <a:pPr lvl="1"/>
             <a:r>
               <a:rPr lang="en-US" altLang="ko-KR" sz="1200" dirty="0" err="1"/>
-              <a:t>delayedTime</a:t>
-            </a:r>
-            <a:r>
-              <a:rPr lang="en-US" altLang="ko-KR" sz="1200" dirty="0"/>
-              <a:t> : </a:t>
+              <a:t>BackToMain</a:t>
+            </a:r>
+            <a:r>
+              <a:rPr lang="en-US" altLang="ko-KR" sz="1200" dirty="0"/>
+              <a:t>( ) : </a:t>
             </a:r>
             <a:r>
               <a:rPr lang="ko-KR" altLang="ko-KR" sz="1200" dirty="0"/>
-              <a:t>게임이 지연 될 시</a:t>
-            </a:r>
-            <a:r>
-              <a:rPr lang="ko-KR" altLang="en-US" sz="1200" dirty="0"/>
-              <a:t>간</a:t>
-            </a:r>
-            <a:endParaRPr lang="en-US" altLang="ko-KR" sz="1200" dirty="0"/>
-          </a:p>
-          <a:p>
-            <a:r>
-              <a:rPr lang="en-US" altLang="ko-KR" sz="1600" dirty="0"/>
-              <a:t>NoteController.java : </a:t>
-            </a:r>
-            <a:r>
-              <a:rPr lang="ko-KR" altLang="ko-KR" sz="1600" dirty="0"/>
-              <a:t>노트가 나타날 시간을 불러와 알맞은 시간에 출</a:t>
-            </a:r>
-            <a:r>
-              <a:rPr lang="ko-KR" altLang="en-US" sz="1600" dirty="0"/>
-              <a:t>력하</a:t>
-            </a:r>
-            <a:r>
-              <a:rPr lang="ko-KR" altLang="ko-KR" sz="1600" dirty="0"/>
-              <a:t>는 명령을 내리는 클래스</a:t>
-            </a:r>
-            <a:endParaRPr lang="en-US" altLang="ko-KR" sz="1600" dirty="0"/>
-          </a:p>
-          <a:p>
-            <a:pPr lvl="1"/>
-            <a:r>
-              <a:rPr lang="en-US" altLang="ko-KR" sz="1300" dirty="0"/>
-              <a:t>notes : </a:t>
-            </a:r>
-            <a:r>
-              <a:rPr lang="ko-KR" altLang="ko-KR" sz="1300" dirty="0"/>
-              <a:t>노트들의 정보가 들어있는 큐</a:t>
-            </a:r>
-          </a:p>
-          <a:p>
-            <a:pPr lvl="1"/>
-            <a:r>
-              <a:rPr lang="en-US" altLang="ko-KR" sz="1300" dirty="0" err="1"/>
-              <a:t>noteAmount</a:t>
-            </a:r>
-            <a:r>
-              <a:rPr lang="en-US" altLang="ko-KR" sz="1300" dirty="0"/>
-              <a:t> : </a:t>
-            </a:r>
-            <a:r>
-              <a:rPr lang="ko-KR" altLang="ko-KR" sz="1300" dirty="0"/>
-              <a:t>노트의 총 개수</a:t>
-            </a:r>
-          </a:p>
-          <a:p>
-            <a:pPr lvl="1"/>
-            <a:r>
-              <a:rPr lang="en-US" altLang="ko-KR" sz="1300" dirty="0" err="1"/>
-              <a:t>notesOnScreen</a:t>
-            </a:r>
-            <a:r>
-              <a:rPr lang="en-US" altLang="ko-KR" sz="1300" dirty="0"/>
-              <a:t> : </a:t>
-            </a:r>
-            <a:r>
-              <a:rPr lang="ko-KR" altLang="ko-KR" sz="1300" dirty="0"/>
-              <a:t>화면에 나와 있는 노트 리스트</a:t>
-            </a:r>
-          </a:p>
-          <a:p>
-            <a:pPr lvl="1"/>
-            <a:r>
-              <a:rPr lang="en-US" altLang="ko-KR" sz="1300" dirty="0" err="1"/>
-              <a:t>startTime</a:t>
-            </a:r>
-            <a:r>
-              <a:rPr lang="en-US" altLang="ko-KR" sz="1300" dirty="0"/>
-              <a:t> : </a:t>
-            </a:r>
-            <a:r>
-              <a:rPr lang="ko-KR" altLang="ko-KR" sz="1300" dirty="0"/>
-              <a:t>게임이 시작된 시간</a:t>
-            </a:r>
-          </a:p>
-          <a:p>
-            <a:pPr lvl="1"/>
-            <a:r>
-              <a:rPr lang="en-US" altLang="ko-KR" sz="1300" dirty="0" err="1"/>
-              <a:t>addDrawableNote</a:t>
-            </a:r>
-            <a:r>
-              <a:rPr lang="en-US" altLang="ko-KR" sz="1300" dirty="0"/>
-              <a:t>( ) : </a:t>
-            </a:r>
-            <a:r>
-              <a:rPr lang="ko-KR" altLang="ko-KR" sz="1300" dirty="0"/>
-              <a:t>화면에 나와있을 노트를 추가하는 메소드</a:t>
-            </a:r>
-          </a:p>
-          <a:p>
-            <a:pPr lvl="1"/>
-            <a:r>
-              <a:rPr lang="en-US" altLang="ko-KR" sz="1300" dirty="0" err="1"/>
-              <a:t>checkCollision</a:t>
-            </a:r>
-            <a:r>
-              <a:rPr lang="en-US" altLang="ko-KR" sz="1300" dirty="0"/>
-              <a:t>( ) : </a:t>
-            </a:r>
-            <a:r>
-              <a:rPr lang="ko-KR" altLang="ko-KR" sz="1300" dirty="0"/>
-              <a:t>노트 판정을 받아서 점수 및 콤보 에 변화를 주고 노트를 지우는</a:t>
-            </a:r>
-            <a:r>
-              <a:rPr lang="en-US" altLang="ko-KR" sz="1300" dirty="0"/>
-              <a:t> </a:t>
-            </a:r>
-            <a:r>
-              <a:rPr lang="ko-KR" altLang="ko-KR" sz="1300" dirty="0"/>
-              <a:t>메소드</a:t>
-            </a:r>
-          </a:p>
-          <a:p>
-            <a:pPr lvl="1"/>
-            <a:r>
-              <a:rPr lang="en-US" altLang="ko-KR" sz="1300" dirty="0" err="1"/>
-              <a:t>deleteOutNotes</a:t>
-            </a:r>
-            <a:r>
-              <a:rPr lang="en-US" altLang="ko-KR" sz="1300" dirty="0"/>
-              <a:t>( ) : </a:t>
-            </a:r>
-            <a:r>
-              <a:rPr lang="ko-KR" altLang="ko-KR" sz="1300" dirty="0"/>
-              <a:t>놓친 노트를 화면에서 지우는 메소드</a:t>
-            </a:r>
-          </a:p>
-          <a:p>
-            <a:pPr lvl="1"/>
-            <a:r>
-              <a:rPr lang="en-US" altLang="ko-KR" sz="1300" dirty="0" err="1"/>
-              <a:t>clearInput</a:t>
-            </a:r>
-            <a:r>
-              <a:rPr lang="en-US" altLang="ko-KR" sz="1300" dirty="0"/>
-              <a:t>( ) : </a:t>
-            </a:r>
-            <a:r>
-              <a:rPr lang="ko-KR" altLang="ko-KR" sz="1300" dirty="0"/>
-              <a:t>입력 받은 키 값을 지우는 메소드</a:t>
-            </a:r>
-          </a:p>
-          <a:p>
-            <a:pPr lvl="1"/>
-            <a:r>
-              <a:rPr lang="en-US" altLang="ko-KR" sz="1300" dirty="0"/>
-              <a:t>update( ) : </a:t>
-            </a:r>
-            <a:r>
-              <a:rPr lang="ko-KR" altLang="ko-KR" sz="1300" dirty="0"/>
-              <a:t>노트에 대한 정보를 업데이트 하는 메소드</a:t>
-            </a:r>
-            <a:endParaRPr lang="en-US" altLang="ko-KR" sz="1600" dirty="0"/>
+              <a:t>초기 화면으로 돌아가는 메소드</a:t>
+            </a:r>
           </a:p>
         </p:txBody>
       </p:sp>
     </p:spTree>
     <p:extLst>
       <p:ext uri="{BB962C8B-B14F-4D97-AF65-F5344CB8AC3E}">
-        <p14:creationId xmlns:p14="http://schemas.microsoft.com/office/powerpoint/2010/main" val="1848252933"/>
+        <p14:creationId xmlns:p14="http://schemas.microsoft.com/office/powerpoint/2010/main" val="4200970028"/>
       </p:ext>
     </p:extLst>
   </p:cSld>
@@ -7518,1221 +7553,6 @@
           <a:p>
             <a:r>
               <a:rPr lang="en-US" altLang="ko-KR" dirty="0"/>
-              <a:t>2. </a:t>
-            </a:r>
-            <a:r>
-              <a:rPr lang="ko-KR" altLang="en-US" dirty="0"/>
-              <a:t>코드설명</a:t>
-            </a:r>
-            <a:r>
-              <a:rPr lang="en-US" altLang="ko-KR" dirty="0"/>
-              <a:t>-</a:t>
-            </a:r>
-            <a:r>
-              <a:rPr lang="ko-KR" altLang="en-US" dirty="0"/>
-              <a:t>클래스 명세표</a:t>
-            </a:r>
-          </a:p>
-        </p:txBody>
-      </p:sp>
-      <p:sp>
-        <p:nvSpPr>
-          <p:cNvPr id="9" name="제목 1">
-            <a:extLst>
-              <a:ext uri="{FF2B5EF4-FFF2-40B4-BE49-F238E27FC236}">
-                <a16:creationId xmlns:a16="http://schemas.microsoft.com/office/drawing/2014/main" id="{55852AFC-3500-4D6B-8698-568CF9B4B071}"/>
-              </a:ext>
-            </a:extLst>
-          </p:cNvPr>
-          <p:cNvSpPr txBox="1">
-            <a:spLocks/>
-          </p:cNvSpPr>
-          <p:nvPr/>
-        </p:nvSpPr>
-        <p:spPr>
-          <a:xfrm>
-            <a:off x="838200" y="1039246"/>
-            <a:ext cx="10515600" cy="728889"/>
-          </a:xfrm>
-          <a:prstGeom prst="rect">
-            <a:avLst/>
-          </a:prstGeom>
-        </p:spPr>
-        <p:txBody>
-          <a:bodyPr vert="horz" lIns="91440" tIns="45720" rIns="91440" bIns="45720" rtlCol="0" anchor="ctr">
-            <a:normAutofit/>
-          </a:bodyPr>
-          <a:lstStyle>
-            <a:lvl1pPr algn="l" defTabSz="914400" rtl="0" eaLnBrk="1" latinLnBrk="1" hangingPunct="1">
-              <a:lnSpc>
-                <a:spcPct val="90000"/>
-              </a:lnSpc>
-              <a:spcBef>
-                <a:spcPct val="0"/>
-              </a:spcBef>
-              <a:buNone/>
-              <a:defRPr sz="4400" kern="1200">
-                <a:solidFill>
-                  <a:schemeClr val="tx1"/>
-                </a:solidFill>
-                <a:latin typeface="+mj-lt"/>
-                <a:ea typeface="+mj-ea"/>
-                <a:cs typeface="+mj-cs"/>
-              </a:defRPr>
-            </a:lvl1pPr>
-          </a:lstStyle>
-          <a:p>
-            <a:pPr lvl="1"/>
-            <a:r>
-              <a:rPr lang="en-US" altLang="ko-KR" dirty="0"/>
-              <a:t>7) </a:t>
-            </a:r>
-            <a:r>
-              <a:rPr lang="en-US" altLang="ko-KR" dirty="0" err="1"/>
-              <a:t>Controller_gameControllerPackage</a:t>
-            </a:r>
-            <a:endParaRPr lang="ko-KR" altLang="en-US" dirty="0"/>
-          </a:p>
-        </p:txBody>
-      </p:sp>
-      <p:sp>
-        <p:nvSpPr>
-          <p:cNvPr id="4" name="내용 개체 틀 3">
-            <a:extLst>
-              <a:ext uri="{FF2B5EF4-FFF2-40B4-BE49-F238E27FC236}">
-                <a16:creationId xmlns:a16="http://schemas.microsoft.com/office/drawing/2014/main" id="{69F5C882-E919-4AB7-B2E4-E7215EADAD99}"/>
-              </a:ext>
-            </a:extLst>
-          </p:cNvPr>
-          <p:cNvSpPr>
-            <a:spLocks noGrp="1"/>
-          </p:cNvSpPr>
-          <p:nvPr>
-            <p:ph idx="1"/>
-          </p:nvPr>
-        </p:nvSpPr>
-        <p:spPr>
-          <a:xfrm>
-            <a:off x="838200" y="1825625"/>
-            <a:ext cx="10515600" cy="4351338"/>
-          </a:xfrm>
-        </p:spPr>
-        <p:txBody>
-          <a:bodyPr>
-            <a:normAutofit/>
-          </a:bodyPr>
-          <a:lstStyle/>
-          <a:p>
-            <a:r>
-              <a:rPr lang="en-US" altLang="ko-KR" sz="1600" dirty="0"/>
-              <a:t>ScoreController.java : </a:t>
-            </a:r>
-            <a:r>
-              <a:rPr lang="ko-KR" altLang="ko-KR" sz="1600" dirty="0"/>
-              <a:t>점수와 콤보 계산을 받아 업데이트</a:t>
-            </a:r>
-            <a:r>
-              <a:rPr lang="en-US" altLang="ko-KR" sz="1600" dirty="0"/>
-              <a:t> </a:t>
-            </a:r>
-            <a:r>
-              <a:rPr lang="ko-KR" altLang="en-US" sz="1600" dirty="0"/>
-              <a:t>하는</a:t>
-            </a:r>
-            <a:r>
-              <a:rPr lang="ko-KR" altLang="ko-KR" sz="1600" dirty="0"/>
-              <a:t> 클래스</a:t>
-            </a:r>
-            <a:endParaRPr lang="en-US" altLang="ko-KR" sz="1600" dirty="0"/>
-          </a:p>
-          <a:p>
-            <a:pPr lvl="1"/>
-            <a:r>
-              <a:rPr lang="en-US" altLang="ko-KR" sz="1200" dirty="0" err="1"/>
-              <a:t>availableTypeForCombo</a:t>
-            </a:r>
-            <a:r>
-              <a:rPr lang="en-US" altLang="ko-KR" sz="1200" dirty="0"/>
-              <a:t> : </a:t>
-            </a:r>
-            <a:r>
-              <a:rPr lang="ko-KR" altLang="ko-KR" sz="1200" dirty="0"/>
-              <a:t>노트 판정 중 콤보가 계속되는 판정 목록</a:t>
-            </a:r>
-          </a:p>
-          <a:p>
-            <a:pPr lvl="1"/>
-            <a:r>
-              <a:rPr lang="en-US" altLang="ko-KR" sz="1200" dirty="0" err="1"/>
-              <a:t>availableTypeForScore</a:t>
-            </a:r>
-            <a:r>
-              <a:rPr lang="en-US" altLang="ko-KR" sz="1200" dirty="0"/>
-              <a:t> : </a:t>
-            </a:r>
-            <a:r>
-              <a:rPr lang="ko-KR" altLang="ko-KR" sz="1200" dirty="0"/>
-              <a:t>노트 판정 중 점수가 추가되는 판정 목록</a:t>
-            </a:r>
-          </a:p>
-          <a:p>
-            <a:pPr lvl="1"/>
-            <a:r>
-              <a:rPr lang="en-US" altLang="ko-KR" sz="1200" dirty="0" err="1"/>
-              <a:t>updateCombo</a:t>
-            </a:r>
-            <a:r>
-              <a:rPr lang="en-US" altLang="ko-KR" sz="1200" dirty="0"/>
-              <a:t>( ) : </a:t>
-            </a:r>
-            <a:r>
-              <a:rPr lang="ko-KR" altLang="ko-KR" sz="1200" dirty="0"/>
-              <a:t>콤보를 추가하거나 </a:t>
-            </a:r>
-            <a:r>
-              <a:rPr lang="ko-KR" altLang="ko-KR" sz="1200" dirty="0" err="1"/>
-              <a:t>리셋하는</a:t>
-            </a:r>
-            <a:r>
-              <a:rPr lang="ko-KR" altLang="ko-KR" sz="1200" dirty="0"/>
-              <a:t> 메소드</a:t>
-            </a:r>
-          </a:p>
-          <a:p>
-            <a:pPr lvl="1"/>
-            <a:r>
-              <a:rPr lang="en-US" altLang="ko-KR" sz="1200" dirty="0" err="1"/>
-              <a:t>updateScore</a:t>
-            </a:r>
-            <a:r>
-              <a:rPr lang="en-US" altLang="ko-KR" sz="1200" dirty="0"/>
-              <a:t>( ) : </a:t>
-            </a:r>
-            <a:r>
-              <a:rPr lang="ko-KR" altLang="ko-KR" sz="1200" dirty="0"/>
-              <a:t>점수를 추가하는 메소드</a:t>
-            </a:r>
-          </a:p>
-          <a:p>
-            <a:pPr lvl="1"/>
-            <a:r>
-              <a:rPr lang="en-US" altLang="ko-KR" sz="1200" dirty="0"/>
-              <a:t>update( ) : </a:t>
-            </a:r>
-            <a:r>
-              <a:rPr lang="ko-KR" altLang="ko-KR" sz="1200" dirty="0"/>
-              <a:t>콤보와 점수를 업데이트 하는 메소드</a:t>
-            </a:r>
-          </a:p>
-        </p:txBody>
-      </p:sp>
-    </p:spTree>
-    <p:extLst>
-      <p:ext uri="{BB962C8B-B14F-4D97-AF65-F5344CB8AC3E}">
-        <p14:creationId xmlns:p14="http://schemas.microsoft.com/office/powerpoint/2010/main" val="993507543"/>
-      </p:ext>
-    </p:extLst>
-  </p:cSld>
-  <p:clrMapOvr>
-    <a:masterClrMapping/>
-  </p:clrMapOvr>
-</p:sld>
-</file>
-
-<file path=ppt/slides/slide24.xml><?xml version="1.0" encoding="utf-8"?>
-<p:sld xmlns:a="http://schemas.openxmlformats.org/drawingml/2006/main" xmlns:r="http://schemas.openxmlformats.org/officeDocument/2006/relationships" xmlns:p="http://schemas.openxmlformats.org/presentationml/2006/main">
-  <p:cSld>
-    <p:spTree>
-      <p:nvGrpSpPr>
-        <p:cNvPr id="1" name=""/>
-        <p:cNvGrpSpPr/>
-        <p:nvPr/>
-      </p:nvGrpSpPr>
-      <p:grpSpPr>
-        <a:xfrm>
-          <a:off x="0" y="0"/>
-          <a:ext cx="0" cy="0"/>
-          <a:chOff x="0" y="0"/>
-          <a:chExt cx="0" cy="0"/>
-        </a:xfrm>
-      </p:grpSpPr>
-      <p:sp>
-        <p:nvSpPr>
-          <p:cNvPr id="2" name="제목 1">
-            <a:extLst>
-              <a:ext uri="{FF2B5EF4-FFF2-40B4-BE49-F238E27FC236}">
-                <a16:creationId xmlns:a16="http://schemas.microsoft.com/office/drawing/2014/main" id="{B8D66C48-914E-4671-AFF2-919B110C4ACD}"/>
-              </a:ext>
-            </a:extLst>
-          </p:cNvPr>
-          <p:cNvSpPr>
-            <a:spLocks noGrp="1"/>
-          </p:cNvSpPr>
-          <p:nvPr>
-            <p:ph type="title"/>
-          </p:nvPr>
-        </p:nvSpPr>
-        <p:spPr>
-          <a:xfrm>
-            <a:off x="838200" y="365125"/>
-            <a:ext cx="10515600" cy="728889"/>
-          </a:xfrm>
-        </p:spPr>
-        <p:txBody>
-          <a:bodyPr/>
-          <a:lstStyle/>
-          <a:p>
-            <a:r>
-              <a:rPr lang="en-US" altLang="ko-KR" dirty="0"/>
-              <a:t>2. </a:t>
-            </a:r>
-            <a:r>
-              <a:rPr lang="ko-KR" altLang="en-US" dirty="0"/>
-              <a:t>코드설명</a:t>
-            </a:r>
-            <a:r>
-              <a:rPr lang="en-US" altLang="ko-KR" dirty="0"/>
-              <a:t>-</a:t>
-            </a:r>
-            <a:r>
-              <a:rPr lang="ko-KR" altLang="en-US" dirty="0"/>
-              <a:t>클래스 구조도</a:t>
-            </a:r>
-          </a:p>
-        </p:txBody>
-      </p:sp>
-      <p:pic>
-        <p:nvPicPr>
-          <p:cNvPr id="8" name="내용 개체 틀 7">
-            <a:extLst>
-              <a:ext uri="{FF2B5EF4-FFF2-40B4-BE49-F238E27FC236}">
-                <a16:creationId xmlns:a16="http://schemas.microsoft.com/office/drawing/2014/main" id="{4911737D-D08A-47E8-969E-50982B18375B}"/>
-              </a:ext>
-            </a:extLst>
-          </p:cNvPr>
-          <p:cNvPicPr>
-            <a:picLocks noGrp="1" noChangeAspect="1"/>
-          </p:cNvPicPr>
-          <p:nvPr>
-            <p:ph idx="1"/>
-          </p:nvPr>
-        </p:nvPicPr>
-        <p:blipFill>
-          <a:blip r:embed="rId2">
-            <a:extLst>
-              <a:ext uri="{28A0092B-C50C-407E-A947-70E740481C1C}">
-                <a14:useLocalDpi xmlns:a14="http://schemas.microsoft.com/office/drawing/2010/main" val="0"/>
-              </a:ext>
-            </a:extLst>
-          </a:blip>
-          <a:stretch>
-            <a:fillRect/>
-          </a:stretch>
-        </p:blipFill>
-        <p:spPr>
-          <a:xfrm>
-            <a:off x="2500012" y="1856495"/>
-            <a:ext cx="7191974" cy="4491431"/>
-          </a:xfrm>
-        </p:spPr>
-      </p:pic>
-      <p:sp>
-        <p:nvSpPr>
-          <p:cNvPr id="9" name="제목 1">
-            <a:extLst>
-              <a:ext uri="{FF2B5EF4-FFF2-40B4-BE49-F238E27FC236}">
-                <a16:creationId xmlns:a16="http://schemas.microsoft.com/office/drawing/2014/main" id="{55852AFC-3500-4D6B-8698-568CF9B4B071}"/>
-              </a:ext>
-            </a:extLst>
-          </p:cNvPr>
-          <p:cNvSpPr txBox="1">
-            <a:spLocks/>
-          </p:cNvSpPr>
-          <p:nvPr/>
-        </p:nvSpPr>
-        <p:spPr>
-          <a:xfrm>
-            <a:off x="838200" y="1039246"/>
-            <a:ext cx="10515600" cy="728889"/>
-          </a:xfrm>
-          <a:prstGeom prst="rect">
-            <a:avLst/>
-          </a:prstGeom>
-        </p:spPr>
-        <p:txBody>
-          <a:bodyPr vert="horz" lIns="91440" tIns="45720" rIns="91440" bIns="45720" rtlCol="0" anchor="ctr">
-            <a:normAutofit/>
-          </a:bodyPr>
-          <a:lstStyle>
-            <a:lvl1pPr algn="l" defTabSz="914400" rtl="0" eaLnBrk="1" latinLnBrk="1" hangingPunct="1">
-              <a:lnSpc>
-                <a:spcPct val="90000"/>
-              </a:lnSpc>
-              <a:spcBef>
-                <a:spcPct val="0"/>
-              </a:spcBef>
-              <a:buNone/>
-              <a:defRPr sz="4400" kern="1200">
-                <a:solidFill>
-                  <a:schemeClr val="tx1"/>
-                </a:solidFill>
-                <a:latin typeface="+mj-lt"/>
-                <a:ea typeface="+mj-ea"/>
-                <a:cs typeface="+mj-cs"/>
-              </a:defRPr>
-            </a:lvl1pPr>
-          </a:lstStyle>
-          <a:p>
-            <a:pPr lvl="1"/>
-            <a:r>
-              <a:rPr lang="en-US" altLang="ko-KR" dirty="0"/>
-              <a:t>8) </a:t>
-            </a:r>
-            <a:r>
-              <a:rPr lang="en-US" altLang="ko-KR" dirty="0" err="1"/>
-              <a:t>Controller_sceneControllerPackage</a:t>
-            </a:r>
-            <a:endParaRPr lang="ko-KR" altLang="en-US" dirty="0"/>
-          </a:p>
-        </p:txBody>
-      </p:sp>
-    </p:spTree>
-    <p:extLst>
-      <p:ext uri="{BB962C8B-B14F-4D97-AF65-F5344CB8AC3E}">
-        <p14:creationId xmlns:p14="http://schemas.microsoft.com/office/powerpoint/2010/main" val="920822308"/>
-      </p:ext>
-    </p:extLst>
-  </p:cSld>
-  <p:clrMapOvr>
-    <a:masterClrMapping/>
-  </p:clrMapOvr>
-</p:sld>
-</file>
-
-<file path=ppt/slides/slide25.xml><?xml version="1.0" encoding="utf-8"?>
-<p:sld xmlns:a="http://schemas.openxmlformats.org/drawingml/2006/main" xmlns:r="http://schemas.openxmlformats.org/officeDocument/2006/relationships" xmlns:p="http://schemas.openxmlformats.org/presentationml/2006/main">
-  <p:cSld>
-    <p:spTree>
-      <p:nvGrpSpPr>
-        <p:cNvPr id="1" name=""/>
-        <p:cNvGrpSpPr/>
-        <p:nvPr/>
-      </p:nvGrpSpPr>
-      <p:grpSpPr>
-        <a:xfrm>
-          <a:off x="0" y="0"/>
-          <a:ext cx="0" cy="0"/>
-          <a:chOff x="0" y="0"/>
-          <a:chExt cx="0" cy="0"/>
-        </a:xfrm>
-      </p:grpSpPr>
-      <p:sp>
-        <p:nvSpPr>
-          <p:cNvPr id="2" name="제목 1">
-            <a:extLst>
-              <a:ext uri="{FF2B5EF4-FFF2-40B4-BE49-F238E27FC236}">
-                <a16:creationId xmlns:a16="http://schemas.microsoft.com/office/drawing/2014/main" id="{B8D66C48-914E-4671-AFF2-919B110C4ACD}"/>
-              </a:ext>
-            </a:extLst>
-          </p:cNvPr>
-          <p:cNvSpPr>
-            <a:spLocks noGrp="1"/>
-          </p:cNvSpPr>
-          <p:nvPr>
-            <p:ph type="title"/>
-          </p:nvPr>
-        </p:nvSpPr>
-        <p:spPr>
-          <a:xfrm>
-            <a:off x="838200" y="365125"/>
-            <a:ext cx="10515600" cy="728889"/>
-          </a:xfrm>
-        </p:spPr>
-        <p:txBody>
-          <a:bodyPr/>
-          <a:lstStyle/>
-          <a:p>
-            <a:r>
-              <a:rPr lang="en-US" altLang="ko-KR" dirty="0"/>
-              <a:t>2. </a:t>
-            </a:r>
-            <a:r>
-              <a:rPr lang="ko-KR" altLang="en-US" dirty="0"/>
-              <a:t>코드설명</a:t>
-            </a:r>
-            <a:r>
-              <a:rPr lang="en-US" altLang="ko-KR" dirty="0"/>
-              <a:t>-</a:t>
-            </a:r>
-            <a:r>
-              <a:rPr lang="ko-KR" altLang="en-US" dirty="0"/>
-              <a:t>클래스 명세표</a:t>
-            </a:r>
-          </a:p>
-        </p:txBody>
-      </p:sp>
-      <p:sp>
-        <p:nvSpPr>
-          <p:cNvPr id="9" name="제목 1">
-            <a:extLst>
-              <a:ext uri="{FF2B5EF4-FFF2-40B4-BE49-F238E27FC236}">
-                <a16:creationId xmlns:a16="http://schemas.microsoft.com/office/drawing/2014/main" id="{55852AFC-3500-4D6B-8698-568CF9B4B071}"/>
-              </a:ext>
-            </a:extLst>
-          </p:cNvPr>
-          <p:cNvSpPr txBox="1">
-            <a:spLocks/>
-          </p:cNvSpPr>
-          <p:nvPr/>
-        </p:nvSpPr>
-        <p:spPr>
-          <a:xfrm>
-            <a:off x="838200" y="1039246"/>
-            <a:ext cx="10515600" cy="728889"/>
-          </a:xfrm>
-          <a:prstGeom prst="rect">
-            <a:avLst/>
-          </a:prstGeom>
-        </p:spPr>
-        <p:txBody>
-          <a:bodyPr vert="horz" lIns="91440" tIns="45720" rIns="91440" bIns="45720" rtlCol="0" anchor="ctr">
-            <a:normAutofit/>
-          </a:bodyPr>
-          <a:lstStyle>
-            <a:lvl1pPr algn="l" defTabSz="914400" rtl="0" eaLnBrk="1" latinLnBrk="1" hangingPunct="1">
-              <a:lnSpc>
-                <a:spcPct val="90000"/>
-              </a:lnSpc>
-              <a:spcBef>
-                <a:spcPct val="0"/>
-              </a:spcBef>
-              <a:buNone/>
-              <a:defRPr sz="4400" kern="1200">
-                <a:solidFill>
-                  <a:schemeClr val="tx1"/>
-                </a:solidFill>
-                <a:latin typeface="+mj-lt"/>
-                <a:ea typeface="+mj-ea"/>
-                <a:cs typeface="+mj-cs"/>
-              </a:defRPr>
-            </a:lvl1pPr>
-          </a:lstStyle>
-          <a:p>
-            <a:pPr lvl="1"/>
-            <a:r>
-              <a:rPr lang="en-US" altLang="ko-KR" dirty="0"/>
-              <a:t>8) </a:t>
-            </a:r>
-            <a:r>
-              <a:rPr lang="en-US" altLang="ko-KR" dirty="0" err="1"/>
-              <a:t>Controller_sceneControllerPackage</a:t>
-            </a:r>
-            <a:endParaRPr lang="ko-KR" altLang="en-US" dirty="0"/>
-          </a:p>
-        </p:txBody>
-      </p:sp>
-      <p:sp>
-        <p:nvSpPr>
-          <p:cNvPr id="4" name="내용 개체 틀 3">
-            <a:extLst>
-              <a:ext uri="{FF2B5EF4-FFF2-40B4-BE49-F238E27FC236}">
-                <a16:creationId xmlns:a16="http://schemas.microsoft.com/office/drawing/2014/main" id="{69F5C882-E919-4AB7-B2E4-E7215EADAD99}"/>
-              </a:ext>
-            </a:extLst>
-          </p:cNvPr>
-          <p:cNvSpPr>
-            <a:spLocks noGrp="1"/>
-          </p:cNvSpPr>
-          <p:nvPr>
-            <p:ph idx="1"/>
-          </p:nvPr>
-        </p:nvSpPr>
-        <p:spPr>
-          <a:xfrm>
-            <a:off x="838200" y="1825625"/>
-            <a:ext cx="10515600" cy="4351338"/>
-          </a:xfrm>
-        </p:spPr>
-        <p:txBody>
-          <a:bodyPr>
-            <a:normAutofit/>
-          </a:bodyPr>
-          <a:lstStyle/>
-          <a:p>
-            <a:r>
-              <a:rPr lang="en-US" altLang="ko-KR" sz="1600" dirty="0"/>
-              <a:t>MainController.java : </a:t>
-            </a:r>
-            <a:r>
-              <a:rPr lang="ko-KR" altLang="ko-KR" sz="1600" dirty="0"/>
-              <a:t>메인 화면에서 입력을 받아 동작</a:t>
-            </a:r>
-            <a:r>
-              <a:rPr lang="ko-KR" altLang="en-US" sz="1600" dirty="0"/>
-              <a:t>하는</a:t>
-            </a:r>
-            <a:r>
-              <a:rPr lang="ko-KR" altLang="ko-KR" sz="1600" dirty="0"/>
-              <a:t> 클래스</a:t>
-            </a:r>
-            <a:r>
-              <a:rPr lang="en-US" altLang="ko-KR" sz="1600" dirty="0"/>
-              <a:t>, </a:t>
-            </a:r>
-            <a:r>
-              <a:rPr lang="en-US" altLang="ko-KR" sz="1600" dirty="0" err="1"/>
-              <a:t>Initializable</a:t>
-            </a:r>
-            <a:r>
-              <a:rPr lang="ko-KR" altLang="en-US" sz="1600" dirty="0"/>
-              <a:t> 인터페이스를 상속받음</a:t>
-            </a:r>
-            <a:endParaRPr lang="en-US" altLang="ko-KR" sz="1600" dirty="0"/>
-          </a:p>
-          <a:p>
-            <a:pPr lvl="1"/>
-            <a:r>
-              <a:rPr lang="en-US" altLang="ko-KR" sz="1200" dirty="0"/>
-              <a:t>Songs : </a:t>
-            </a:r>
-            <a:r>
-              <a:rPr lang="ko-KR" altLang="ko-KR" sz="1200" dirty="0"/>
-              <a:t>곡 목록 버튼</a:t>
-            </a:r>
-          </a:p>
-          <a:p>
-            <a:pPr lvl="1"/>
-            <a:r>
-              <a:rPr lang="en-US" altLang="ko-KR" sz="1200" dirty="0"/>
-              <a:t>Option : </a:t>
-            </a:r>
-            <a:r>
-              <a:rPr lang="ko-KR" altLang="ko-KR" sz="1200" dirty="0"/>
-              <a:t>설정 버튼</a:t>
-            </a:r>
-            <a:endParaRPr lang="en-US" altLang="ko-KR" sz="1200" dirty="0"/>
-          </a:p>
-          <a:p>
-            <a:pPr lvl="1"/>
-            <a:r>
-              <a:rPr lang="en-US" altLang="ko-KR" sz="1200" dirty="0" err="1"/>
-              <a:t>SongPressed</a:t>
-            </a:r>
-            <a:r>
-              <a:rPr lang="en-US" altLang="ko-KR" sz="1200" dirty="0"/>
-              <a:t>( ) : </a:t>
-            </a:r>
-            <a:r>
-              <a:rPr lang="ko-KR" altLang="ko-KR" sz="1200" dirty="0"/>
-              <a:t>곡 목록 버튼을 눌렀을 때 곡 목록 화면으로 넘어가는 메소드</a:t>
-            </a:r>
-          </a:p>
-          <a:p>
-            <a:pPr lvl="1"/>
-            <a:r>
-              <a:rPr lang="en-US" altLang="ko-KR" sz="1200" dirty="0" err="1"/>
-              <a:t>OptionPressed</a:t>
-            </a:r>
-            <a:r>
-              <a:rPr lang="en-US" altLang="ko-KR" sz="1200" dirty="0"/>
-              <a:t>( ) : </a:t>
-            </a:r>
-            <a:r>
-              <a:rPr lang="ko-KR" altLang="ko-KR" sz="1200" dirty="0"/>
-              <a:t>설정 버튼을 눌렀을 때 설정 화면으로 넘어가는 메소</a:t>
-            </a:r>
-            <a:r>
-              <a:rPr lang="ko-KR" altLang="en-US" sz="1200" dirty="0"/>
-              <a:t>드</a:t>
-            </a:r>
-            <a:endParaRPr lang="en-US" altLang="ko-KR" sz="1200" dirty="0"/>
-          </a:p>
-          <a:p>
-            <a:r>
-              <a:rPr lang="en-US" altLang="ko-KR" sz="1600" dirty="0"/>
-              <a:t>OptionController.java : </a:t>
-            </a:r>
-            <a:r>
-              <a:rPr lang="ko-KR" altLang="en-US" sz="1600" dirty="0"/>
-              <a:t>설정</a:t>
-            </a:r>
-            <a:r>
-              <a:rPr lang="ko-KR" altLang="ko-KR" sz="1600" dirty="0"/>
-              <a:t> 화면에서 입력을 받아 동작</a:t>
-            </a:r>
-            <a:r>
-              <a:rPr lang="ko-KR" altLang="en-US" sz="1600" dirty="0"/>
-              <a:t>하는</a:t>
-            </a:r>
-            <a:r>
-              <a:rPr lang="ko-KR" altLang="ko-KR" sz="1600" dirty="0"/>
-              <a:t> 클래스</a:t>
-            </a:r>
-            <a:r>
-              <a:rPr lang="en-US" altLang="ko-KR" sz="1600" dirty="0"/>
-              <a:t>, </a:t>
-            </a:r>
-            <a:r>
-              <a:rPr lang="en-US" altLang="ko-KR" sz="1600" dirty="0" err="1"/>
-              <a:t>Initializable</a:t>
-            </a:r>
-            <a:r>
-              <a:rPr lang="ko-KR" altLang="en-US" sz="1600" dirty="0"/>
-              <a:t> 인터페이스를 상속받음</a:t>
-            </a:r>
-            <a:endParaRPr lang="en-US" altLang="ko-KR" sz="1600" dirty="0"/>
-          </a:p>
-          <a:p>
-            <a:pPr lvl="1"/>
-            <a:r>
-              <a:rPr lang="en-US" altLang="ko-KR" sz="1300" dirty="0" err="1"/>
-              <a:t>VolumeSlide</a:t>
-            </a:r>
-            <a:r>
-              <a:rPr lang="en-US" altLang="ko-KR" sz="1300" dirty="0"/>
-              <a:t> : </a:t>
-            </a:r>
-            <a:r>
-              <a:rPr lang="ko-KR" altLang="ko-KR" sz="1300" dirty="0"/>
-              <a:t>음량을 조절하는 슬라이더</a:t>
-            </a:r>
-          </a:p>
-          <a:p>
-            <a:pPr lvl="1"/>
-            <a:r>
-              <a:rPr lang="en-US" altLang="ko-KR" sz="1300" dirty="0" err="1"/>
-              <a:t>SyncSlide</a:t>
-            </a:r>
-            <a:r>
-              <a:rPr lang="en-US" altLang="ko-KR" sz="1300" dirty="0"/>
-              <a:t> : </a:t>
-            </a:r>
-            <a:r>
-              <a:rPr lang="ko-KR" altLang="ko-KR" sz="1300" dirty="0"/>
-              <a:t>노트가 내려올 타이밍을 조절하는 슬라이더</a:t>
-            </a:r>
-          </a:p>
-          <a:p>
-            <a:pPr lvl="1"/>
-            <a:r>
-              <a:rPr lang="en-US" altLang="ko-KR" sz="1300" dirty="0" err="1"/>
-              <a:t>SpeedSlide</a:t>
-            </a:r>
-            <a:r>
-              <a:rPr lang="en-US" altLang="ko-KR" sz="1300" dirty="0"/>
-              <a:t> : </a:t>
-            </a:r>
-            <a:r>
-              <a:rPr lang="ko-KR" altLang="ko-KR" sz="1300" dirty="0"/>
-              <a:t>노트의 속도를 조절하는 슬라이더</a:t>
-            </a:r>
-          </a:p>
-          <a:p>
-            <a:pPr lvl="1"/>
-            <a:r>
-              <a:rPr lang="en-US" altLang="ko-KR" sz="1300" dirty="0" err="1"/>
-              <a:t>VolumeValue</a:t>
-            </a:r>
-            <a:r>
-              <a:rPr lang="en-US" altLang="ko-KR" sz="1300" dirty="0"/>
-              <a:t> : </a:t>
-            </a:r>
-            <a:r>
-              <a:rPr lang="ko-KR" altLang="ko-KR" sz="1300" dirty="0"/>
-              <a:t>설정된 음량을 보여주는 변수</a:t>
-            </a:r>
-          </a:p>
-          <a:p>
-            <a:pPr lvl="1"/>
-            <a:r>
-              <a:rPr lang="en-US" altLang="ko-KR" sz="1300" dirty="0" err="1"/>
-              <a:t>SyncValue</a:t>
-            </a:r>
-            <a:r>
-              <a:rPr lang="en-US" altLang="ko-KR" sz="1300" dirty="0"/>
-              <a:t> : </a:t>
-            </a:r>
-            <a:r>
-              <a:rPr lang="ko-KR" altLang="ko-KR" sz="1300" dirty="0"/>
-              <a:t>설정된 노트의 타이밍을 보여주는 변수</a:t>
-            </a:r>
-          </a:p>
-          <a:p>
-            <a:pPr lvl="1"/>
-            <a:r>
-              <a:rPr lang="en-US" altLang="ko-KR" sz="1300" dirty="0" err="1"/>
-              <a:t>SpeedValue</a:t>
-            </a:r>
-            <a:r>
-              <a:rPr lang="en-US" altLang="ko-KR" sz="1300" dirty="0"/>
-              <a:t> : </a:t>
-            </a:r>
-            <a:r>
-              <a:rPr lang="ko-KR" altLang="ko-KR" sz="1300" dirty="0"/>
-              <a:t>설정된 노트의 속도를 보여주는 변수</a:t>
-            </a:r>
-          </a:p>
-          <a:p>
-            <a:pPr lvl="1"/>
-            <a:r>
-              <a:rPr lang="en-US" altLang="ko-KR" sz="1300" dirty="0" err="1"/>
-              <a:t>BacktoMain</a:t>
-            </a:r>
-            <a:r>
-              <a:rPr lang="en-US" altLang="ko-KR" sz="1300" dirty="0"/>
-              <a:t> : </a:t>
-            </a:r>
-            <a:r>
-              <a:rPr lang="ko-KR" altLang="ko-KR" sz="1300" dirty="0"/>
-              <a:t>초기 화면으로 돌아가는 버튼</a:t>
-            </a:r>
-            <a:endParaRPr lang="en-US" altLang="ko-KR" sz="1300" dirty="0"/>
-          </a:p>
-          <a:p>
-            <a:pPr lvl="1"/>
-            <a:r>
-              <a:rPr lang="en-US" altLang="ko-KR" sz="1300" dirty="0" err="1"/>
-              <a:t>BackToMain</a:t>
-            </a:r>
-            <a:r>
-              <a:rPr lang="en-US" altLang="ko-KR" sz="1300" dirty="0"/>
-              <a:t>( ) : </a:t>
-            </a:r>
-            <a:r>
-              <a:rPr lang="ko-KR" altLang="ko-KR" sz="1300" dirty="0"/>
-              <a:t>초기 화면으로 돌아가는 메소드</a:t>
-            </a:r>
-          </a:p>
-          <a:p>
-            <a:pPr lvl="1"/>
-            <a:r>
-              <a:rPr lang="en-US" altLang="ko-KR" sz="1300" dirty="0"/>
-              <a:t>changed( ) : </a:t>
-            </a:r>
-            <a:r>
-              <a:rPr lang="ko-KR" altLang="ko-KR" sz="1300" dirty="0"/>
-              <a:t>슬라이더를 이용해 변경된 설정 값을 변수에 저장하는 메소드</a:t>
-            </a:r>
-            <a:endParaRPr lang="en-US" altLang="ko-KR" sz="1600" dirty="0"/>
-          </a:p>
-          <a:p>
-            <a:endParaRPr lang="en-US" altLang="ko-KR" sz="1600" dirty="0"/>
-          </a:p>
-        </p:txBody>
-      </p:sp>
-    </p:spTree>
-    <p:extLst>
-      <p:ext uri="{BB962C8B-B14F-4D97-AF65-F5344CB8AC3E}">
-        <p14:creationId xmlns:p14="http://schemas.microsoft.com/office/powerpoint/2010/main" val="1854029949"/>
-      </p:ext>
-    </p:extLst>
-  </p:cSld>
-  <p:clrMapOvr>
-    <a:masterClrMapping/>
-  </p:clrMapOvr>
-</p:sld>
-</file>
-
-<file path=ppt/slides/slide26.xml><?xml version="1.0" encoding="utf-8"?>
-<p:sld xmlns:a="http://schemas.openxmlformats.org/drawingml/2006/main" xmlns:r="http://schemas.openxmlformats.org/officeDocument/2006/relationships" xmlns:p="http://schemas.openxmlformats.org/presentationml/2006/main">
-  <p:cSld>
-    <p:spTree>
-      <p:nvGrpSpPr>
-        <p:cNvPr id="1" name=""/>
-        <p:cNvGrpSpPr/>
-        <p:nvPr/>
-      </p:nvGrpSpPr>
-      <p:grpSpPr>
-        <a:xfrm>
-          <a:off x="0" y="0"/>
-          <a:ext cx="0" cy="0"/>
-          <a:chOff x="0" y="0"/>
-          <a:chExt cx="0" cy="0"/>
-        </a:xfrm>
-      </p:grpSpPr>
-      <p:sp>
-        <p:nvSpPr>
-          <p:cNvPr id="2" name="제목 1">
-            <a:extLst>
-              <a:ext uri="{FF2B5EF4-FFF2-40B4-BE49-F238E27FC236}">
-                <a16:creationId xmlns:a16="http://schemas.microsoft.com/office/drawing/2014/main" id="{B8D66C48-914E-4671-AFF2-919B110C4ACD}"/>
-              </a:ext>
-            </a:extLst>
-          </p:cNvPr>
-          <p:cNvSpPr>
-            <a:spLocks noGrp="1"/>
-          </p:cNvSpPr>
-          <p:nvPr>
-            <p:ph type="title"/>
-          </p:nvPr>
-        </p:nvSpPr>
-        <p:spPr>
-          <a:xfrm>
-            <a:off x="838200" y="365125"/>
-            <a:ext cx="10515600" cy="728889"/>
-          </a:xfrm>
-        </p:spPr>
-        <p:txBody>
-          <a:bodyPr/>
-          <a:lstStyle/>
-          <a:p>
-            <a:r>
-              <a:rPr lang="en-US" altLang="ko-KR" dirty="0"/>
-              <a:t>2. </a:t>
-            </a:r>
-            <a:r>
-              <a:rPr lang="ko-KR" altLang="en-US" dirty="0"/>
-              <a:t>코드설명</a:t>
-            </a:r>
-            <a:r>
-              <a:rPr lang="en-US" altLang="ko-KR" dirty="0"/>
-              <a:t>-</a:t>
-            </a:r>
-            <a:r>
-              <a:rPr lang="ko-KR" altLang="en-US" dirty="0"/>
-              <a:t>클래스 명세표</a:t>
-            </a:r>
-          </a:p>
-        </p:txBody>
-      </p:sp>
-      <p:sp>
-        <p:nvSpPr>
-          <p:cNvPr id="9" name="제목 1">
-            <a:extLst>
-              <a:ext uri="{FF2B5EF4-FFF2-40B4-BE49-F238E27FC236}">
-                <a16:creationId xmlns:a16="http://schemas.microsoft.com/office/drawing/2014/main" id="{55852AFC-3500-4D6B-8698-568CF9B4B071}"/>
-              </a:ext>
-            </a:extLst>
-          </p:cNvPr>
-          <p:cNvSpPr txBox="1">
-            <a:spLocks/>
-          </p:cNvSpPr>
-          <p:nvPr/>
-        </p:nvSpPr>
-        <p:spPr>
-          <a:xfrm>
-            <a:off x="838200" y="1039246"/>
-            <a:ext cx="10515600" cy="728889"/>
-          </a:xfrm>
-          <a:prstGeom prst="rect">
-            <a:avLst/>
-          </a:prstGeom>
-        </p:spPr>
-        <p:txBody>
-          <a:bodyPr vert="horz" lIns="91440" tIns="45720" rIns="91440" bIns="45720" rtlCol="0" anchor="ctr">
-            <a:normAutofit/>
-          </a:bodyPr>
-          <a:lstStyle>
-            <a:lvl1pPr algn="l" defTabSz="914400" rtl="0" eaLnBrk="1" latinLnBrk="1" hangingPunct="1">
-              <a:lnSpc>
-                <a:spcPct val="90000"/>
-              </a:lnSpc>
-              <a:spcBef>
-                <a:spcPct val="0"/>
-              </a:spcBef>
-              <a:buNone/>
-              <a:defRPr sz="4400" kern="1200">
-                <a:solidFill>
-                  <a:schemeClr val="tx1"/>
-                </a:solidFill>
-                <a:latin typeface="+mj-lt"/>
-                <a:ea typeface="+mj-ea"/>
-                <a:cs typeface="+mj-cs"/>
-              </a:defRPr>
-            </a:lvl1pPr>
-          </a:lstStyle>
-          <a:p>
-            <a:pPr lvl="1"/>
-            <a:r>
-              <a:rPr lang="en-US" altLang="ko-KR" dirty="0"/>
-              <a:t>8) </a:t>
-            </a:r>
-            <a:r>
-              <a:rPr lang="en-US" altLang="ko-KR" dirty="0" err="1"/>
-              <a:t>Controller_sceneControllerPackage</a:t>
-            </a:r>
-            <a:endParaRPr lang="ko-KR" altLang="en-US" dirty="0"/>
-          </a:p>
-        </p:txBody>
-      </p:sp>
-      <p:sp>
-        <p:nvSpPr>
-          <p:cNvPr id="4" name="내용 개체 틀 3">
-            <a:extLst>
-              <a:ext uri="{FF2B5EF4-FFF2-40B4-BE49-F238E27FC236}">
-                <a16:creationId xmlns:a16="http://schemas.microsoft.com/office/drawing/2014/main" id="{69F5C882-E919-4AB7-B2E4-E7215EADAD99}"/>
-              </a:ext>
-            </a:extLst>
-          </p:cNvPr>
-          <p:cNvSpPr>
-            <a:spLocks noGrp="1"/>
-          </p:cNvSpPr>
-          <p:nvPr>
-            <p:ph idx="1"/>
-          </p:nvPr>
-        </p:nvSpPr>
-        <p:spPr>
-          <a:xfrm>
-            <a:off x="838200" y="1825625"/>
-            <a:ext cx="10515600" cy="4351338"/>
-          </a:xfrm>
-        </p:spPr>
-        <p:txBody>
-          <a:bodyPr>
-            <a:normAutofit/>
-          </a:bodyPr>
-          <a:lstStyle/>
-          <a:p>
-            <a:r>
-              <a:rPr lang="en-US" altLang="ko-KR" sz="1600" dirty="0"/>
-              <a:t>ResultController.java :</a:t>
-            </a:r>
-            <a:r>
-              <a:rPr lang="ko-KR" altLang="ko-KR" sz="1600" dirty="0"/>
-              <a:t> </a:t>
-            </a:r>
-            <a:r>
-              <a:rPr lang="ko-KR" altLang="en-US" sz="1600" dirty="0"/>
-              <a:t>결과</a:t>
-            </a:r>
-            <a:r>
-              <a:rPr lang="ko-KR" altLang="ko-KR" sz="1600" dirty="0"/>
-              <a:t> 화면에서 입력을 받아 동작</a:t>
-            </a:r>
-            <a:r>
-              <a:rPr lang="ko-KR" altLang="en-US" sz="1600" dirty="0"/>
-              <a:t>하는</a:t>
-            </a:r>
-            <a:r>
-              <a:rPr lang="ko-KR" altLang="ko-KR" sz="1600" dirty="0"/>
-              <a:t> 클래스</a:t>
-            </a:r>
-            <a:r>
-              <a:rPr lang="en-US" altLang="ko-KR" sz="1600" dirty="0"/>
-              <a:t>, </a:t>
-            </a:r>
-            <a:r>
-              <a:rPr lang="en-US" altLang="ko-KR" sz="1600" dirty="0" err="1"/>
-              <a:t>Initializable</a:t>
-            </a:r>
-            <a:r>
-              <a:rPr lang="ko-KR" altLang="en-US" sz="1600" dirty="0"/>
-              <a:t> 인터페이스를 상속받음</a:t>
-            </a:r>
-            <a:endParaRPr lang="en-US" altLang="ko-KR" sz="1600" dirty="0"/>
-          </a:p>
-          <a:p>
-            <a:pPr lvl="1"/>
-            <a:r>
-              <a:rPr lang="en-US" altLang="ko-KR" sz="1200" dirty="0" err="1"/>
-              <a:t>BackToMain</a:t>
-            </a:r>
-            <a:r>
-              <a:rPr lang="en-US" altLang="ko-KR" sz="1200" dirty="0"/>
-              <a:t>( ) : </a:t>
-            </a:r>
-            <a:r>
-              <a:rPr lang="ko-KR" altLang="ko-KR" sz="1200" dirty="0"/>
-              <a:t>초기 화면으로 돌아가는 메소</a:t>
-            </a:r>
-            <a:r>
-              <a:rPr lang="ko-KR" altLang="en-US" sz="1200" dirty="0"/>
-              <a:t>드</a:t>
-            </a:r>
-            <a:endParaRPr lang="en-US" altLang="ko-KR" sz="1200" dirty="0"/>
-          </a:p>
-          <a:p>
-            <a:pPr lvl="1"/>
-            <a:r>
-              <a:rPr lang="en-US" altLang="ko-KR" sz="1200" dirty="0" err="1"/>
-              <a:t>scoreValue</a:t>
-            </a:r>
-            <a:r>
-              <a:rPr lang="en-US" altLang="ko-KR" sz="1200" dirty="0"/>
-              <a:t> : </a:t>
-            </a:r>
-            <a:r>
-              <a:rPr lang="ko-KR" altLang="en-US" sz="1200" dirty="0"/>
-              <a:t>점수</a:t>
-            </a:r>
-            <a:endParaRPr lang="en-US" altLang="ko-KR" sz="1200" dirty="0"/>
-          </a:p>
-          <a:p>
-            <a:pPr lvl="1"/>
-            <a:r>
-              <a:rPr lang="en-US" altLang="ko-KR" sz="1200" dirty="0" err="1"/>
-              <a:t>maxComboValue</a:t>
-            </a:r>
-            <a:r>
-              <a:rPr lang="en-US" altLang="ko-KR" sz="1200" dirty="0"/>
-              <a:t> : </a:t>
-            </a:r>
-            <a:r>
-              <a:rPr lang="ko-KR" altLang="en-US" sz="1200" dirty="0"/>
-              <a:t>최대 콤보</a:t>
-            </a:r>
-            <a:endParaRPr lang="en-US" altLang="ko-KR" sz="1200" dirty="0"/>
-          </a:p>
-          <a:p>
-            <a:pPr lvl="1"/>
-            <a:r>
-              <a:rPr lang="en-US" altLang="ko-KR" sz="1200" dirty="0" err="1"/>
-              <a:t>perfectHitValue</a:t>
-            </a:r>
-            <a:r>
-              <a:rPr lang="en-US" altLang="ko-KR" sz="1200" dirty="0"/>
-              <a:t> : </a:t>
-            </a:r>
-            <a:r>
-              <a:rPr lang="ko-KR" altLang="en-US" sz="1200" dirty="0"/>
-              <a:t>퍼펙트 판정을 받은 횟수</a:t>
-            </a:r>
-            <a:r>
-              <a:rPr lang="en-US" altLang="ko-KR" sz="1200" dirty="0"/>
-              <a:t>;</a:t>
-            </a:r>
-          </a:p>
-          <a:p>
-            <a:r>
-              <a:rPr lang="en-US" altLang="ko-KR" sz="1600" dirty="0"/>
-              <a:t>SongListController.java :</a:t>
-            </a:r>
-            <a:r>
-              <a:rPr lang="ko-KR" altLang="ko-KR" sz="1600" dirty="0"/>
-              <a:t> </a:t>
-            </a:r>
-            <a:r>
-              <a:rPr lang="ko-KR" altLang="en-US" sz="1600" dirty="0"/>
-              <a:t>곡 선택</a:t>
-            </a:r>
-            <a:r>
-              <a:rPr lang="ko-KR" altLang="ko-KR" sz="1600" dirty="0"/>
-              <a:t> 화면에서 입력을 받아 동작</a:t>
-            </a:r>
-            <a:r>
-              <a:rPr lang="ko-KR" altLang="en-US" sz="1600" dirty="0"/>
-              <a:t>하는</a:t>
-            </a:r>
-            <a:r>
-              <a:rPr lang="ko-KR" altLang="ko-KR" sz="1600" dirty="0"/>
-              <a:t> 클래스</a:t>
-            </a:r>
-            <a:r>
-              <a:rPr lang="en-US" altLang="ko-KR" sz="1600" dirty="0"/>
-              <a:t>, </a:t>
-            </a:r>
-            <a:r>
-              <a:rPr lang="en-US" altLang="ko-KR" sz="1600" dirty="0" err="1"/>
-              <a:t>Initializable</a:t>
-            </a:r>
-            <a:r>
-              <a:rPr lang="ko-KR" altLang="en-US" sz="1600" dirty="0"/>
-              <a:t> 인터페이스를 상속받음</a:t>
-            </a:r>
-            <a:endParaRPr lang="en-US" altLang="ko-KR" sz="1600" dirty="0"/>
-          </a:p>
-          <a:p>
-            <a:pPr lvl="1"/>
-            <a:r>
-              <a:rPr lang="en-US" altLang="ko-KR" sz="1200" dirty="0"/>
-              <a:t>Song : </a:t>
-            </a:r>
-            <a:r>
-              <a:rPr lang="ko-KR" altLang="ko-KR" sz="1200" dirty="0"/>
-              <a:t>노래 실행 버튼</a:t>
-            </a:r>
-            <a:endParaRPr lang="en-US" altLang="ko-KR" sz="1200" dirty="0"/>
-          </a:p>
-          <a:p>
-            <a:pPr lvl="1"/>
-            <a:r>
-              <a:rPr lang="en-US" altLang="ko-KR" sz="1200" dirty="0" err="1"/>
-              <a:t>SelectSong</a:t>
-            </a:r>
-            <a:r>
-              <a:rPr lang="en-US" altLang="ko-KR" sz="1200" dirty="0"/>
-              <a:t>( ) : </a:t>
-            </a:r>
-            <a:r>
-              <a:rPr lang="ko-KR" altLang="ko-KR" sz="1200" dirty="0"/>
-              <a:t>게임을 플레이 하는 메소드</a:t>
-            </a:r>
-          </a:p>
-          <a:p>
-            <a:pPr lvl="1"/>
-            <a:r>
-              <a:rPr lang="en-US" altLang="ko-KR" sz="1200" dirty="0" err="1"/>
-              <a:t>BackToMain</a:t>
-            </a:r>
-            <a:r>
-              <a:rPr lang="en-US" altLang="ko-KR" sz="1200" dirty="0"/>
-              <a:t>( ) : </a:t>
-            </a:r>
-            <a:r>
-              <a:rPr lang="ko-KR" altLang="ko-KR" sz="1200" dirty="0"/>
-              <a:t>초기 화면으로 돌아가는 메소드</a:t>
-            </a:r>
-          </a:p>
-        </p:txBody>
-      </p:sp>
-    </p:spTree>
-    <p:extLst>
-      <p:ext uri="{BB962C8B-B14F-4D97-AF65-F5344CB8AC3E}">
-        <p14:creationId xmlns:p14="http://schemas.microsoft.com/office/powerpoint/2010/main" val="4200970028"/>
-      </p:ext>
-    </p:extLst>
-  </p:cSld>
-  <p:clrMapOvr>
-    <a:masterClrMapping/>
-  </p:clrMapOvr>
-</p:sld>
-</file>
-
-<file path=ppt/slides/slide27.xml><?xml version="1.0" encoding="utf-8"?>
-<p:sld xmlns:a="http://schemas.openxmlformats.org/drawingml/2006/main" xmlns:r="http://schemas.openxmlformats.org/officeDocument/2006/relationships" xmlns:p="http://schemas.openxmlformats.org/presentationml/2006/main">
-  <p:cSld>
-    <p:spTree>
-      <p:nvGrpSpPr>
-        <p:cNvPr id="1" name=""/>
-        <p:cNvGrpSpPr/>
-        <p:nvPr/>
-      </p:nvGrpSpPr>
-      <p:grpSpPr>
-        <a:xfrm>
-          <a:off x="0" y="0"/>
-          <a:ext cx="0" cy="0"/>
-          <a:chOff x="0" y="0"/>
-          <a:chExt cx="0" cy="0"/>
-        </a:xfrm>
-      </p:grpSpPr>
-      <p:sp>
-        <p:nvSpPr>
-          <p:cNvPr id="2" name="제목 1">
-            <a:extLst>
-              <a:ext uri="{FF2B5EF4-FFF2-40B4-BE49-F238E27FC236}">
-                <a16:creationId xmlns:a16="http://schemas.microsoft.com/office/drawing/2014/main" id="{B8D66C48-914E-4671-AFF2-919B110C4ACD}"/>
-              </a:ext>
-            </a:extLst>
-          </p:cNvPr>
-          <p:cNvSpPr>
-            <a:spLocks noGrp="1"/>
-          </p:cNvSpPr>
-          <p:nvPr>
-            <p:ph type="title"/>
-          </p:nvPr>
-        </p:nvSpPr>
-        <p:spPr>
-          <a:xfrm>
-            <a:off x="838200" y="365125"/>
-            <a:ext cx="10515600" cy="728889"/>
-          </a:xfrm>
-        </p:spPr>
-        <p:txBody>
-          <a:bodyPr/>
-          <a:lstStyle/>
-          <a:p>
-            <a:r>
-              <a:rPr lang="en-US" altLang="ko-KR" dirty="0"/>
               <a:t>3. </a:t>
             </a:r>
             <a:r>
@@ -8910,7 +7730,7 @@
 </p:sld>
 </file>
 
-<file path=ppt/slides/slide28.xml><?xml version="1.0" encoding="utf-8"?>
+<file path=ppt/slides/slide24.xml><?xml version="1.0" encoding="utf-8"?>
 <p:sld xmlns:a="http://schemas.openxmlformats.org/drawingml/2006/main" xmlns:r="http://schemas.openxmlformats.org/officeDocument/2006/relationships" xmlns:p="http://schemas.openxmlformats.org/presentationml/2006/main">
   <p:cSld>
     <p:spTree>
@@ -9138,41 +7958,6 @@
           </a:p>
         </p:txBody>
       </p:sp>
-      <p:pic>
-        <p:nvPicPr>
-          <p:cNvPr id="8" name="내용 개체 틀 7">
-            <a:extLst>
-              <a:ext uri="{FF2B5EF4-FFF2-40B4-BE49-F238E27FC236}">
-                <a16:creationId xmlns:a16="http://schemas.microsoft.com/office/drawing/2014/main" id="{4911737D-D08A-47E8-969E-50982B18375B}"/>
-              </a:ext>
-            </a:extLst>
-          </p:cNvPr>
-          <p:cNvPicPr>
-            <a:picLocks noGrp="1" noChangeAspect="1"/>
-          </p:cNvPicPr>
-          <p:nvPr>
-            <p:ph idx="1"/>
-          </p:nvPr>
-        </p:nvPicPr>
-        <p:blipFill>
-          <a:blip r:embed="rId2">
-            <a:extLst>
-              <a:ext uri="{28A0092B-C50C-407E-A947-70E740481C1C}">
-                <a14:useLocalDpi xmlns:a14="http://schemas.microsoft.com/office/drawing/2010/main" val="0"/>
-              </a:ext>
-            </a:extLst>
-          </a:blip>
-          <a:stretch>
-            <a:fillRect/>
-          </a:stretch>
-        </p:blipFill>
-        <p:spPr>
-          <a:xfrm>
-            <a:off x="2076794" y="1690688"/>
-            <a:ext cx="8038410" cy="4823046"/>
-          </a:xfrm>
-        </p:spPr>
-      </p:pic>
       <p:sp>
         <p:nvSpPr>
           <p:cNvPr id="9" name="제목 1">
@@ -9221,6 +8006,31 @@
           </a:lstStyle>
           <a:p>
             <a:pPr lvl="1"/>
+            <a:endParaRPr lang="ko-KR" altLang="en-US" dirty="0"/>
+          </a:p>
+        </p:txBody>
+      </p:sp>
+      <p:sp>
+        <p:nvSpPr>
+          <p:cNvPr id="11" name="내용 개체 틀 10">
+            <a:extLst>
+              <a:ext uri="{FF2B5EF4-FFF2-40B4-BE49-F238E27FC236}">
+                <a16:creationId xmlns:a16="http://schemas.microsoft.com/office/drawing/2014/main" id="{6F0DDB0B-4F1A-45E5-885D-0636D4F574E2}"/>
+              </a:ext>
+            </a:extLst>
+          </p:cNvPr>
+          <p:cNvSpPr>
+            <a:spLocks noGrp="1"/>
+          </p:cNvSpPr>
+          <p:nvPr>
+            <p:ph idx="1"/>
+          </p:nvPr>
+        </p:nvSpPr>
+        <p:spPr/>
+        <p:txBody>
+          <a:bodyPr/>
+          <a:lstStyle/>
+          <a:p>
             <a:r>
               <a:rPr lang="en-US" altLang="ko-KR" dirty="0"/>
               <a:t>1)</a:t>
@@ -9269,6 +8079,71 @@
               <a:rPr lang="ko-KR" altLang="en-US" dirty="0"/>
               <a:t>저장하는 기능</a:t>
             </a:r>
+            <a:endParaRPr lang="en-US" altLang="ko-KR" dirty="0"/>
+          </a:p>
+          <a:p>
+            <a:r>
+              <a:rPr lang="en-US" altLang="ko-KR" dirty="0"/>
+              <a:t>2) </a:t>
+            </a:r>
+            <a:r>
+              <a:rPr lang="ko-KR" altLang="en-US" dirty="0"/>
+              <a:t>노트가 일직선으로 내려오는 것이 아닌</a:t>
+            </a:r>
+            <a:r>
+              <a:rPr lang="en-US" altLang="ko-KR" dirty="0"/>
+              <a:t>, </a:t>
+            </a:r>
+            <a:r>
+              <a:rPr lang="ko-KR" altLang="en-US" dirty="0"/>
+              <a:t>점점 커지며 입체적으로 다가오는 기능</a:t>
+            </a:r>
+            <a:r>
+              <a:rPr lang="en-US" altLang="ko-KR" dirty="0"/>
+              <a:t> </a:t>
+            </a:r>
+            <a:endParaRPr lang="ko-KR" altLang="en-US" dirty="0"/>
+          </a:p>
+          <a:p>
+            <a:r>
+              <a:rPr lang="en-US" altLang="ko-KR" dirty="0"/>
+              <a:t>3) </a:t>
+            </a:r>
+            <a:r>
+              <a:rPr lang="ko-KR" altLang="en-US" dirty="0"/>
+              <a:t>지정된 형식의 노트파일을 읽어 그대로 화면에 출력해주는 기능</a:t>
+            </a:r>
+          </a:p>
+          <a:p>
+            <a:r>
+              <a:rPr lang="en-US" altLang="ko-KR" dirty="0"/>
+              <a:t>4) </a:t>
+            </a:r>
+            <a:r>
+              <a:rPr lang="ko-KR" altLang="en-US" dirty="0"/>
+              <a:t>판정에</a:t>
+            </a:r>
+            <a:r>
+              <a:rPr lang="en-US" altLang="ko-KR" dirty="0"/>
+              <a:t> </a:t>
+            </a:r>
+            <a:r>
+              <a:rPr lang="ko-KR" altLang="en-US" dirty="0"/>
+              <a:t>따라 다른 색의 이펙트가 나오는 기능</a:t>
+            </a:r>
+          </a:p>
+          <a:p>
+            <a:r>
+              <a:rPr lang="en-US" altLang="ko-KR" dirty="0"/>
+              <a:t>5) </a:t>
+            </a:r>
+            <a:r>
+              <a:rPr lang="ko-KR" altLang="en-US" dirty="0"/>
+              <a:t>판정과 콤보에 따른 점수 측정 및 최고점수 저장 기능</a:t>
+            </a:r>
+          </a:p>
+          <a:p>
+            <a:endParaRPr lang="ko-KR" altLang="en-US" dirty="0"/>
           </a:p>
         </p:txBody>
       </p:sp>
@@ -9325,16 +8200,34 @@
           </a:xfrm>
         </p:spPr>
         <p:txBody>
-          <a:bodyPr/>
+          <a:bodyPr>
+            <a:normAutofit/>
+          </a:bodyPr>
           <a:lstStyle/>
           <a:p>
             <a:r>
               <a:rPr lang="en-US" altLang="ko-KR" dirty="0"/>
-              <a:t>1. </a:t>
+              <a:t>2. </a:t>
             </a:r>
             <a:r>
               <a:rPr lang="ko-KR" altLang="en-US" dirty="0"/>
-              <a:t>구현된 기능</a:t>
+              <a:t>코드</a:t>
+            </a:r>
+            <a:r>
+              <a:rPr lang="en-US" altLang="ko-KR" dirty="0"/>
+              <a:t> </a:t>
+            </a:r>
+            <a:r>
+              <a:rPr lang="ko-KR" altLang="en-US" dirty="0"/>
+              <a:t>설명</a:t>
+            </a:r>
+            <a:r>
+              <a:rPr lang="en-US" altLang="ko-KR" dirty="0"/>
+              <a:t>-</a:t>
+            </a:r>
+            <a:r>
+              <a:rPr lang="ko-KR" altLang="en-US" dirty="0"/>
+              <a:t>클래스 구조도</a:t>
             </a:r>
           </a:p>
         </p:txBody>
@@ -9369,8 +8262,8 @@
         </p:blipFill>
         <p:spPr>
           <a:xfrm>
-            <a:off x="2076794" y="1690688"/>
-            <a:ext cx="8038410" cy="4823046"/>
+            <a:off x="1043844" y="1690688"/>
+            <a:ext cx="10104311" cy="4823046"/>
           </a:xfrm>
         </p:spPr>
       </p:pic>
@@ -9424,32 +8317,19 @@
             <a:pPr lvl="1"/>
             <a:r>
               <a:rPr lang="en-US" altLang="ko-KR" dirty="0"/>
-              <a:t>2) </a:t>
+              <a:t>1) </a:t>
             </a:r>
             <a:r>
               <a:rPr lang="ko-KR" altLang="en-US" dirty="0"/>
-              <a:t>노트가 일직선으로 내려오는 것이 아닌</a:t>
-            </a:r>
-            <a:r>
-              <a:rPr lang="en-US" altLang="ko-KR" dirty="0"/>
-              <a:t>, </a:t>
-            </a:r>
-            <a:r>
-              <a:rPr lang="ko-KR" altLang="en-US" dirty="0"/>
-              <a:t>점점 커지며 입체적으로 다가오는 기능</a:t>
-            </a:r>
-            <a:r>
-              <a:rPr lang="en-US" altLang="ko-KR" dirty="0"/>
-              <a:t> </a:t>
-            </a:r>
-            <a:endParaRPr lang="ko-KR" altLang="en-US" dirty="0"/>
+              <a:t>전체 클래스 구조도</a:t>
+            </a:r>
           </a:p>
         </p:txBody>
       </p:sp>
     </p:spTree>
     <p:extLst>
       <p:ext uri="{BB962C8B-B14F-4D97-AF65-F5344CB8AC3E}">
-        <p14:creationId xmlns:p14="http://schemas.microsoft.com/office/powerpoint/2010/main" val="1710246873"/>
+        <p14:creationId xmlns:p14="http://schemas.microsoft.com/office/powerpoint/2010/main" val="4288627627"/>
       </p:ext>
     </p:extLst>
   </p:cSld>
@@ -9504,11 +8384,19 @@
           <a:p>
             <a:r>
               <a:rPr lang="en-US" altLang="ko-KR" dirty="0"/>
-              <a:t>1. </a:t>
+              <a:t>2. </a:t>
             </a:r>
             <a:r>
               <a:rPr lang="ko-KR" altLang="en-US" dirty="0"/>
-              <a:t>구현된 기능</a:t>
+              <a:t>코드설명</a:t>
+            </a:r>
+            <a:r>
+              <a:rPr lang="en-US" altLang="ko-KR" dirty="0"/>
+              <a:t>-</a:t>
+            </a:r>
+            <a:r>
+              <a:rPr lang="ko-KR" altLang="en-US" dirty="0"/>
+              <a:t>클래스 구조도</a:t>
             </a:r>
           </a:p>
         </p:txBody>
@@ -9543,8 +8431,8 @@
         </p:blipFill>
         <p:spPr>
           <a:xfrm>
-            <a:off x="3457765" y="2105195"/>
-            <a:ext cx="6751030" cy="4050618"/>
+            <a:off x="1043844" y="2606321"/>
+            <a:ext cx="10104311" cy="2991779"/>
           </a:xfrm>
         </p:spPr>
       </p:pic>
@@ -9598,49 +8486,20 @@
             <a:pPr lvl="1"/>
             <a:r>
               <a:rPr lang="en-US" altLang="ko-KR" dirty="0"/>
-              <a:t>3) </a:t>
-            </a:r>
-            <a:r>
-              <a:rPr lang="ko-KR" altLang="en-US" dirty="0"/>
-              <a:t>지정된 형식의 노트파일을 읽어 그대로 화면에 출력해주는 기능</a:t>
-            </a:r>
-          </a:p>
-        </p:txBody>
-      </p:sp>
-      <p:pic>
-        <p:nvPicPr>
-          <p:cNvPr id="3" name="그림 2">
-            <a:extLst>
-              <a:ext uri="{FF2B5EF4-FFF2-40B4-BE49-F238E27FC236}">
-                <a16:creationId xmlns:a16="http://schemas.microsoft.com/office/drawing/2014/main" id="{5D010065-43C7-4846-925A-D7728EB0135F}"/>
-              </a:ext>
-            </a:extLst>
-          </p:cNvPr>
-          <p:cNvPicPr>
-            <a:picLocks noChangeAspect="1"/>
-          </p:cNvPicPr>
-          <p:nvPr/>
-        </p:nvPicPr>
-        <p:blipFill>
-          <a:blip r:embed="rId3"/>
-          <a:stretch>
-            <a:fillRect/>
-          </a:stretch>
-        </p:blipFill>
-        <p:spPr>
-          <a:xfrm>
-            <a:off x="1441232" y="1669827"/>
-            <a:ext cx="1747065" cy="4823047"/>
-          </a:xfrm>
-          <a:prstGeom prst="rect">
-            <a:avLst/>
-          </a:prstGeom>
-        </p:spPr>
-      </p:pic>
+              <a:t>2) </a:t>
+            </a:r>
+            <a:r>
+              <a:rPr lang="en-US" altLang="ko-KR" dirty="0" err="1"/>
+              <a:t>Model_formatPackage</a:t>
+            </a:r>
+            <a:endParaRPr lang="ko-KR" altLang="en-US" dirty="0"/>
+          </a:p>
+        </p:txBody>
+      </p:sp>
     </p:spTree>
     <p:extLst>
       <p:ext uri="{BB962C8B-B14F-4D97-AF65-F5344CB8AC3E}">
-        <p14:creationId xmlns:p14="http://schemas.microsoft.com/office/powerpoint/2010/main" val="3813320289"/>
+        <p14:creationId xmlns:p14="http://schemas.microsoft.com/office/powerpoint/2010/main" val="1636743570"/>
       </p:ext>
     </p:extLst>
   </p:cSld>
@@ -9695,11 +8554,19 @@
           <a:p>
             <a:r>
               <a:rPr lang="en-US" altLang="ko-KR" dirty="0"/>
-              <a:t>1. </a:t>
+              <a:t>2. </a:t>
             </a:r>
             <a:r>
               <a:rPr lang="ko-KR" altLang="en-US" dirty="0"/>
-              <a:t>구현된 기능</a:t>
+              <a:t>코드설명</a:t>
+            </a:r>
+            <a:r>
+              <a:rPr lang="en-US" altLang="ko-KR" dirty="0"/>
+              <a:t>-</a:t>
+            </a:r>
+            <a:r>
+              <a:rPr lang="ko-KR" altLang="en-US" dirty="0"/>
+              <a:t>클래스 명세표</a:t>
             </a:r>
           </a:p>
         </p:txBody>
@@ -9754,59 +8621,336 @@
             <a:pPr lvl="1"/>
             <a:r>
               <a:rPr lang="en-US" altLang="ko-KR" dirty="0"/>
-              <a:t>4) </a:t>
-            </a:r>
-            <a:r>
-              <a:rPr lang="ko-KR" altLang="en-US" dirty="0"/>
-              <a:t>판정에</a:t>
-            </a:r>
-            <a:r>
-              <a:rPr lang="en-US" altLang="ko-KR" dirty="0"/>
+              <a:t>2) </a:t>
+            </a:r>
+            <a:r>
+              <a:rPr lang="en-US" altLang="ko-KR" dirty="0" err="1"/>
+              <a:t>Model_formatPackage</a:t>
+            </a:r>
+            <a:endParaRPr lang="ko-KR" altLang="en-US" dirty="0"/>
+          </a:p>
+        </p:txBody>
+      </p:sp>
+      <p:sp>
+        <p:nvSpPr>
+          <p:cNvPr id="4" name="내용 개체 틀 3">
+            <a:extLst>
+              <a:ext uri="{FF2B5EF4-FFF2-40B4-BE49-F238E27FC236}">
+                <a16:creationId xmlns:a16="http://schemas.microsoft.com/office/drawing/2014/main" id="{69F5C882-E919-4AB7-B2E4-E7215EADAD99}"/>
+              </a:ext>
+            </a:extLst>
+          </p:cNvPr>
+          <p:cNvSpPr>
+            <a:spLocks noGrp="1"/>
+          </p:cNvSpPr>
+          <p:nvPr>
+            <p:ph idx="1"/>
+          </p:nvPr>
+        </p:nvSpPr>
+        <p:spPr/>
+        <p:txBody>
+          <a:bodyPr>
+            <a:normAutofit/>
+          </a:bodyPr>
+          <a:lstStyle/>
+          <a:p>
+            <a:r>
+              <a:rPr lang="en-US" altLang="ko-KR" sz="1600" dirty="0"/>
+              <a:t>noteFormat.java : </a:t>
+            </a:r>
+            <a:r>
+              <a:rPr lang="ko-KR" altLang="en-US" sz="1600" dirty="0"/>
+              <a:t>노트의 형식이 지정된 클래스</a:t>
+            </a:r>
+            <a:endParaRPr lang="en-US" altLang="ko-KR" sz="1600" dirty="0"/>
+          </a:p>
+          <a:p>
+            <a:pPr lvl="1"/>
+            <a:r>
+              <a:rPr lang="en-US" altLang="ko-KR" sz="1200" dirty="0"/>
+              <a:t>line : </a:t>
+            </a:r>
+            <a:r>
+              <a:rPr lang="ko-KR" altLang="en-US" sz="1200" dirty="0"/>
+              <a:t>노트가</a:t>
+            </a:r>
+            <a:r>
+              <a:rPr lang="en-US" altLang="ko-KR" sz="1200" dirty="0"/>
               <a:t> </a:t>
             </a:r>
             <a:r>
-              <a:rPr lang="ko-KR" altLang="en-US" dirty="0"/>
-              <a:t>따라 다른 색의 이펙트가 나오는 기능</a:t>
-            </a:r>
-          </a:p>
-        </p:txBody>
-      </p:sp>
-      <p:pic>
-        <p:nvPicPr>
-          <p:cNvPr id="6" name="내용 개체 틀 5">
-            <a:extLst>
-              <a:ext uri="{FF2B5EF4-FFF2-40B4-BE49-F238E27FC236}">
-                <a16:creationId xmlns:a16="http://schemas.microsoft.com/office/drawing/2014/main" id="{7988D85C-4585-4325-9B54-AF5F58B53ACD}"/>
-              </a:ext>
-            </a:extLst>
-          </p:cNvPr>
-          <p:cNvPicPr>
-            <a:picLocks noGrp="1" noChangeAspect="1"/>
-          </p:cNvPicPr>
-          <p:nvPr>
-            <p:ph idx="1"/>
-          </p:nvPr>
-        </p:nvPicPr>
-        <p:blipFill>
-          <a:blip r:embed="rId2"/>
-          <a:stretch>
-            <a:fillRect/>
-          </a:stretch>
-        </p:blipFill>
-        <p:spPr>
-          <a:xfrm>
-            <a:off x="2451640" y="1825625"/>
-            <a:ext cx="7288719" cy="4351338"/>
-          </a:xfrm>
-          <a:prstGeom prst="rect">
-            <a:avLst/>
-          </a:prstGeom>
-        </p:spPr>
-      </p:pic>
+              <a:rPr lang="ko-KR" altLang="en-US" sz="1200" dirty="0"/>
+              <a:t>나타날 라인</a:t>
+            </a:r>
+            <a:endParaRPr lang="en-US" altLang="ko-KR" sz="1200" dirty="0"/>
+          </a:p>
+          <a:p>
+            <a:pPr lvl="1"/>
+            <a:r>
+              <a:rPr lang="en-US" altLang="ko-KR" sz="1200" dirty="0"/>
+              <a:t>timing</a:t>
+            </a:r>
+            <a:r>
+              <a:rPr lang="ko-KR" altLang="en-US" sz="1200" dirty="0"/>
+              <a:t> </a:t>
+            </a:r>
+            <a:r>
+              <a:rPr lang="en-US" altLang="ko-KR" sz="1200" dirty="0"/>
+              <a:t>:</a:t>
+            </a:r>
+            <a:r>
+              <a:rPr lang="ko-KR" altLang="en-US" sz="1200" dirty="0"/>
+              <a:t> 노트의 판정 시간</a:t>
+            </a:r>
+            <a:endParaRPr lang="en-US" altLang="ko-KR" sz="1600" dirty="0"/>
+          </a:p>
+          <a:p>
+            <a:r>
+              <a:rPr lang="en-US" altLang="ko-KR" sz="1600" dirty="0"/>
+              <a:t>collisionTypeFormat.java : </a:t>
+            </a:r>
+            <a:r>
+              <a:rPr lang="ko-KR" altLang="en-US" sz="1600" dirty="0"/>
+              <a:t>노트의 판정 타입 형식이 지정된 클래스</a:t>
+            </a:r>
+            <a:endParaRPr lang="en-US" altLang="ko-KR" sz="1600" dirty="0"/>
+          </a:p>
+          <a:p>
+            <a:pPr lvl="1"/>
+            <a:r>
+              <a:rPr lang="en-US" altLang="ko-KR" sz="1200" dirty="0" err="1"/>
+              <a:t>collisionTypeList</a:t>
+            </a:r>
+            <a:r>
+              <a:rPr lang="en-US" altLang="ko-KR" sz="1200" dirty="0"/>
+              <a:t> : </a:t>
+            </a:r>
+            <a:r>
+              <a:rPr lang="ko-KR" altLang="en-US" sz="1200" dirty="0"/>
+              <a:t>노트의 판정 타입들이 저장된 리스트</a:t>
+            </a:r>
+            <a:endParaRPr lang="en-US" altLang="ko-KR" sz="1200" dirty="0"/>
+          </a:p>
+          <a:p>
+            <a:pPr lvl="1"/>
+            <a:r>
+              <a:rPr lang="en-US" altLang="ko-KR" sz="1200" dirty="0" err="1"/>
+              <a:t>collisionType</a:t>
+            </a:r>
+            <a:r>
+              <a:rPr lang="en-US" altLang="ko-KR" sz="1200" dirty="0"/>
+              <a:t> : </a:t>
+            </a:r>
+            <a:r>
+              <a:rPr lang="ko-KR" altLang="en-US" sz="1200" dirty="0"/>
+              <a:t>확인중인 노트의 판정 타입</a:t>
+            </a:r>
+            <a:endParaRPr lang="en-US" altLang="ko-KR" sz="1200" dirty="0"/>
+          </a:p>
+          <a:p>
+            <a:pPr lvl="1"/>
+            <a:r>
+              <a:rPr lang="en-US" altLang="ko-KR" sz="1200" dirty="0"/>
+              <a:t>line</a:t>
+            </a:r>
+            <a:r>
+              <a:rPr lang="ko-KR" altLang="en-US" sz="1200" dirty="0"/>
+              <a:t> </a:t>
+            </a:r>
+            <a:r>
+              <a:rPr lang="en-US" altLang="ko-KR" sz="1200" dirty="0"/>
+              <a:t>:</a:t>
+            </a:r>
+            <a:r>
+              <a:rPr lang="ko-KR" altLang="en-US" sz="1200" dirty="0"/>
+              <a:t> 확인중인 노트가 나타난 라인</a:t>
+            </a:r>
+            <a:endParaRPr lang="en-US" altLang="ko-KR" sz="1200" dirty="0"/>
+          </a:p>
+          <a:p>
+            <a:r>
+              <a:rPr lang="en-US" altLang="ko-KR" sz="1600" dirty="0"/>
+              <a:t>scoreFormat.java : </a:t>
+            </a:r>
+            <a:r>
+              <a:rPr lang="ko-KR" altLang="en-US" sz="1600" dirty="0"/>
+              <a:t>점수 정보를 가지는 클래스</a:t>
+            </a:r>
+            <a:endParaRPr lang="en-US" altLang="ko-KR" sz="1600" dirty="0"/>
+          </a:p>
+          <a:p>
+            <a:pPr lvl="1"/>
+            <a:r>
+              <a:rPr lang="en-US" altLang="ko-KR" sz="1200" dirty="0"/>
+              <a:t>score : </a:t>
+            </a:r>
+            <a:r>
+              <a:rPr lang="ko-KR" altLang="en-US" sz="1200" dirty="0"/>
+              <a:t>점수</a:t>
+            </a:r>
+            <a:endParaRPr lang="en-US" altLang="ko-KR" sz="1200" dirty="0"/>
+          </a:p>
+          <a:p>
+            <a:pPr lvl="1"/>
+            <a:r>
+              <a:rPr lang="en-US" altLang="ko-KR" sz="1200" dirty="0"/>
+              <a:t>combo</a:t>
+            </a:r>
+            <a:r>
+              <a:rPr lang="ko-KR" altLang="en-US" sz="1200" dirty="0"/>
+              <a:t> </a:t>
+            </a:r>
+            <a:r>
+              <a:rPr lang="en-US" altLang="ko-KR" sz="1200" dirty="0"/>
+              <a:t>:</a:t>
+            </a:r>
+            <a:r>
+              <a:rPr lang="ko-KR" altLang="en-US" sz="1200" dirty="0"/>
+              <a:t> 콤보</a:t>
+            </a:r>
+            <a:endParaRPr lang="en-US" altLang="ko-KR" sz="1200" dirty="0"/>
+          </a:p>
+          <a:p>
+            <a:pPr lvl="1"/>
+            <a:r>
+              <a:rPr lang="en-US" altLang="ko-KR" sz="1200" dirty="0" err="1"/>
+              <a:t>maxCombo</a:t>
+            </a:r>
+            <a:r>
+              <a:rPr lang="en-US" altLang="ko-KR" sz="1200" dirty="0"/>
+              <a:t> : </a:t>
+            </a:r>
+            <a:r>
+              <a:rPr lang="ko-KR" altLang="en-US" sz="1200" dirty="0"/>
+              <a:t>최대 콤보</a:t>
+            </a:r>
+            <a:endParaRPr lang="en-US" altLang="ko-KR" sz="1200" dirty="0"/>
+          </a:p>
+          <a:p>
+            <a:pPr lvl="1"/>
+            <a:r>
+              <a:rPr lang="en-US" altLang="ko-KR" sz="1200" dirty="0" err="1"/>
+              <a:t>perfectHit</a:t>
+            </a:r>
+            <a:r>
+              <a:rPr lang="en-US" altLang="ko-KR" sz="1200" dirty="0"/>
+              <a:t> : perfect </a:t>
+            </a:r>
+            <a:r>
+              <a:rPr lang="ko-KR" altLang="en-US" sz="1200" dirty="0"/>
+              <a:t>판정을 받은 노트의 수</a:t>
+            </a:r>
+            <a:endParaRPr lang="en-US" altLang="ko-KR" sz="1200" dirty="0"/>
+          </a:p>
+          <a:p>
+            <a:r>
+              <a:rPr lang="en-US" altLang="ko-KR" sz="1600" dirty="0"/>
+              <a:t>gameInputFormat.java</a:t>
+            </a:r>
+            <a:r>
+              <a:rPr lang="ko-KR" altLang="en-US" sz="1600" dirty="0"/>
+              <a:t> </a:t>
+            </a:r>
+            <a:r>
+              <a:rPr lang="en-US" altLang="ko-KR" sz="1600" dirty="0"/>
+              <a:t>:</a:t>
+            </a:r>
+            <a:r>
+              <a:rPr lang="ko-KR" altLang="en-US" sz="1600" dirty="0"/>
+              <a:t> </a:t>
+            </a:r>
+            <a:r>
+              <a:rPr lang="ko-KR" altLang="en-US" sz="1600" dirty="0" err="1"/>
+              <a:t>입력받은</a:t>
+            </a:r>
+            <a:r>
+              <a:rPr lang="ko-KR" altLang="en-US" sz="1600" dirty="0"/>
+              <a:t> 키에 매칭되는 라인과 입력 타이밍을 가지는 클래스</a:t>
+            </a:r>
+            <a:endParaRPr lang="en-US" altLang="ko-KR" sz="400" dirty="0"/>
+          </a:p>
+          <a:p>
+            <a:pPr lvl="1"/>
+            <a:r>
+              <a:rPr lang="en-US" altLang="ko-KR" sz="1200" dirty="0" err="1"/>
+              <a:t>availableKeyList</a:t>
+            </a:r>
+            <a:r>
+              <a:rPr lang="en-US" altLang="ko-KR" sz="1200" dirty="0"/>
+              <a:t> : </a:t>
+            </a:r>
+            <a:r>
+              <a:rPr lang="ko-KR" altLang="en-US" sz="1200" dirty="0"/>
+              <a:t>게임 노트에 </a:t>
+            </a:r>
+            <a:r>
+              <a:rPr lang="ko-KR" altLang="en-US" sz="1200" dirty="0" err="1"/>
+              <a:t>매핑되는</a:t>
+            </a:r>
+            <a:r>
+              <a:rPr lang="ko-KR" altLang="en-US" sz="1200" dirty="0"/>
+              <a:t> </a:t>
+            </a:r>
+            <a:r>
+              <a:rPr lang="ko-KR" altLang="en-US" sz="1200" dirty="0" err="1"/>
+              <a:t>키값</a:t>
+            </a:r>
+            <a:r>
+              <a:rPr lang="ko-KR" altLang="en-US" sz="1200" dirty="0"/>
+              <a:t> 리스트</a:t>
+            </a:r>
+            <a:endParaRPr lang="en-US" altLang="ko-KR" sz="1200" dirty="0"/>
+          </a:p>
+          <a:p>
+            <a:pPr lvl="1"/>
+            <a:r>
+              <a:rPr lang="en-US" altLang="ko-KR" sz="1200" dirty="0"/>
+              <a:t>line : </a:t>
+            </a:r>
+            <a:r>
+              <a:rPr lang="ko-KR" altLang="en-US" sz="1200" dirty="0" err="1"/>
+              <a:t>입력받은</a:t>
+            </a:r>
+            <a:r>
+              <a:rPr lang="ko-KR" altLang="en-US" sz="1200" dirty="0"/>
+              <a:t> 키에 </a:t>
+            </a:r>
+            <a:r>
+              <a:rPr lang="ko-KR" altLang="en-US" sz="1200" dirty="0" err="1"/>
+              <a:t>매핑되는</a:t>
+            </a:r>
+            <a:r>
+              <a:rPr lang="ko-KR" altLang="en-US" sz="1200" dirty="0"/>
+              <a:t> 라인</a:t>
+            </a:r>
+            <a:endParaRPr lang="en-US" altLang="ko-KR" sz="1200" dirty="0"/>
+          </a:p>
+          <a:p>
+            <a:pPr lvl="1"/>
+            <a:r>
+              <a:rPr lang="en-US" altLang="ko-KR" sz="1200" dirty="0"/>
+              <a:t>timing</a:t>
+            </a:r>
+            <a:r>
+              <a:rPr lang="ko-KR" altLang="en-US" sz="1200" dirty="0"/>
+              <a:t> </a:t>
+            </a:r>
+            <a:r>
+              <a:rPr lang="en-US" altLang="ko-KR" sz="1200" dirty="0"/>
+              <a:t>:</a:t>
+            </a:r>
+            <a:r>
+              <a:rPr lang="ko-KR" altLang="en-US" sz="1200" dirty="0"/>
+              <a:t> 키 입력이 들어온 시간</a:t>
+            </a:r>
+            <a:endParaRPr lang="en-US" altLang="ko-KR" sz="1200" dirty="0"/>
+          </a:p>
+        </p:txBody>
+      </p:sp>
     </p:spTree>
     <p:extLst>
       <p:ext uri="{BB962C8B-B14F-4D97-AF65-F5344CB8AC3E}">
-        <p14:creationId xmlns:p14="http://schemas.microsoft.com/office/powerpoint/2010/main" val="1812714350"/>
+        <p14:creationId xmlns:p14="http://schemas.microsoft.com/office/powerpoint/2010/main" val="3530392251"/>
       </p:ext>
     </p:extLst>
   </p:cSld>
@@ -9861,11 +9005,19 @@
           <a:p>
             <a:r>
               <a:rPr lang="en-US" altLang="ko-KR" dirty="0"/>
-              <a:t>1. </a:t>
+              <a:t>2. </a:t>
             </a:r>
             <a:r>
               <a:rPr lang="ko-KR" altLang="en-US" dirty="0"/>
-              <a:t>구현된 기능</a:t>
+              <a:t>코드설명</a:t>
+            </a:r>
+            <a:r>
+              <a:rPr lang="en-US" altLang="ko-KR" dirty="0"/>
+              <a:t>-</a:t>
+            </a:r>
+            <a:r>
+              <a:rPr lang="ko-KR" altLang="en-US" dirty="0"/>
+              <a:t>클래스 구조도</a:t>
             </a:r>
           </a:p>
         </p:txBody>
@@ -9900,8 +9052,8 @@
         </p:blipFill>
         <p:spPr>
           <a:xfrm>
-            <a:off x="2076794" y="1690688"/>
-            <a:ext cx="8038410" cy="4823046"/>
+            <a:off x="1043844" y="1937575"/>
+            <a:ext cx="10104311" cy="4329271"/>
           </a:xfrm>
         </p:spPr>
       </p:pic>
@@ -9955,19 +9107,20 @@
             <a:pPr lvl="1"/>
             <a:r>
               <a:rPr lang="en-US" altLang="ko-KR" dirty="0"/>
-              <a:t>5) </a:t>
-            </a:r>
-            <a:r>
-              <a:rPr lang="ko-KR" altLang="en-US" dirty="0"/>
-              <a:t>판정과 콤보에 따른 점수 측정 및 최고점수 저장 기능</a:t>
-            </a:r>
+              <a:t>3) </a:t>
+            </a:r>
+            <a:r>
+              <a:rPr lang="en-US" altLang="ko-KR" dirty="0" err="1"/>
+              <a:t>Model_readerPackage</a:t>
+            </a:r>
+            <a:endParaRPr lang="ko-KR" altLang="en-US" dirty="0"/>
           </a:p>
         </p:txBody>
       </p:sp>
     </p:spTree>
     <p:extLst>
       <p:ext uri="{BB962C8B-B14F-4D97-AF65-F5344CB8AC3E}">
-        <p14:creationId xmlns:p14="http://schemas.microsoft.com/office/powerpoint/2010/main" val="2230203676"/>
+        <p14:creationId xmlns:p14="http://schemas.microsoft.com/office/powerpoint/2010/main" val="3162332653"/>
       </p:ext>
     </p:extLst>
   </p:cSld>
@@ -10017,9 +9170,7 @@
           </a:xfrm>
         </p:spPr>
         <p:txBody>
-          <a:bodyPr>
-            <a:normAutofit/>
-          </a:bodyPr>
+          <a:bodyPr/>
           <a:lstStyle/>
           <a:p>
             <a:r>
@@ -10028,15 +9179,7 @@
             </a:r>
             <a:r>
               <a:rPr lang="ko-KR" altLang="en-US" dirty="0"/>
-              <a:t>코드</a:t>
-            </a:r>
-            <a:r>
-              <a:rPr lang="en-US" altLang="ko-KR" dirty="0"/>
-              <a:t> </a:t>
-            </a:r>
-            <a:r>
-              <a:rPr lang="ko-KR" altLang="en-US" dirty="0"/>
-              <a:t>설명</a:t>
+              <a:t>코드설명</a:t>
             </a:r>
             <a:r>
               <a:rPr lang="en-US" altLang="ko-KR" dirty="0"/>
@@ -10044,46 +9187,11 @@
             </a:r>
             <a:r>
               <a:rPr lang="ko-KR" altLang="en-US" dirty="0"/>
-              <a:t>클래스 구조도</a:t>
-            </a:r>
-          </a:p>
-        </p:txBody>
-      </p:sp>
-      <p:pic>
-        <p:nvPicPr>
-          <p:cNvPr id="8" name="내용 개체 틀 7">
-            <a:extLst>
-              <a:ext uri="{FF2B5EF4-FFF2-40B4-BE49-F238E27FC236}">
-                <a16:creationId xmlns:a16="http://schemas.microsoft.com/office/drawing/2014/main" id="{4911737D-D08A-47E8-969E-50982B18375B}"/>
-              </a:ext>
-            </a:extLst>
-          </p:cNvPr>
-          <p:cNvPicPr>
-            <a:picLocks noGrp="1" noChangeAspect="1"/>
-          </p:cNvPicPr>
-          <p:nvPr>
-            <p:ph idx="1"/>
-          </p:nvPr>
-        </p:nvPicPr>
-        <p:blipFill>
-          <a:blip r:embed="rId2">
-            <a:extLst>
-              <a:ext uri="{28A0092B-C50C-407E-A947-70E740481C1C}">
-                <a14:useLocalDpi xmlns:a14="http://schemas.microsoft.com/office/drawing/2010/main" val="0"/>
-              </a:ext>
-            </a:extLst>
-          </a:blip>
-          <a:stretch>
-            <a:fillRect/>
-          </a:stretch>
-        </p:blipFill>
-        <p:spPr>
-          <a:xfrm>
-            <a:off x="1043844" y="1690688"/>
-            <a:ext cx="10104311" cy="4823046"/>
-          </a:xfrm>
-        </p:spPr>
-      </p:pic>
+              <a:t>클래스 명세표</a:t>
+            </a:r>
+          </a:p>
+        </p:txBody>
+      </p:sp>
       <p:sp>
         <p:nvSpPr>
           <p:cNvPr id="9" name="제목 1">
@@ -10134,19 +9242,336 @@
             <a:pPr lvl="1"/>
             <a:r>
               <a:rPr lang="en-US" altLang="ko-KR" dirty="0"/>
-              <a:t>1) </a:t>
-            </a:r>
-            <a:r>
-              <a:rPr lang="ko-KR" altLang="en-US" dirty="0"/>
-              <a:t>전체 클래스 구조도</a:t>
-            </a:r>
+              <a:t>3) </a:t>
+            </a:r>
+            <a:r>
+              <a:rPr lang="en-US" altLang="ko-KR" dirty="0" err="1"/>
+              <a:t>Model_readerPackage</a:t>
+            </a:r>
+            <a:endParaRPr lang="ko-KR" altLang="en-US" dirty="0"/>
+          </a:p>
+        </p:txBody>
+      </p:sp>
+      <p:sp>
+        <p:nvSpPr>
+          <p:cNvPr id="4" name="내용 개체 틀 3">
+            <a:extLst>
+              <a:ext uri="{FF2B5EF4-FFF2-40B4-BE49-F238E27FC236}">
+                <a16:creationId xmlns:a16="http://schemas.microsoft.com/office/drawing/2014/main" id="{69F5C882-E919-4AB7-B2E4-E7215EADAD99}"/>
+              </a:ext>
+            </a:extLst>
+          </p:cNvPr>
+          <p:cNvSpPr>
+            <a:spLocks noGrp="1"/>
+          </p:cNvSpPr>
+          <p:nvPr>
+            <p:ph idx="1"/>
+          </p:nvPr>
+        </p:nvSpPr>
+        <p:spPr/>
+        <p:txBody>
+          <a:bodyPr>
+            <a:normAutofit/>
+          </a:bodyPr>
+          <a:lstStyle/>
+          <a:p>
+            <a:r>
+              <a:rPr lang="en-US" altLang="ko-KR" sz="1600" dirty="0"/>
+              <a:t>SongValue.java : </a:t>
+            </a:r>
+            <a:r>
+              <a:rPr lang="ko-KR" altLang="en-US" sz="1600" dirty="0"/>
+              <a:t>노트의 형식이 지정된 클래스</a:t>
+            </a:r>
+            <a:endParaRPr lang="en-US" altLang="ko-KR" sz="1600" dirty="0"/>
+          </a:p>
+          <a:p>
+            <a:pPr lvl="1"/>
+            <a:r>
+              <a:rPr lang="en-US" altLang="ko-KR" sz="1200" dirty="0"/>
+              <a:t>line : </a:t>
+            </a:r>
+            <a:r>
+              <a:rPr lang="ko-KR" altLang="en-US" sz="1200" dirty="0"/>
+              <a:t>노트가</a:t>
+            </a:r>
+            <a:r>
+              <a:rPr lang="en-US" altLang="ko-KR" sz="1200" dirty="0"/>
+              <a:t> </a:t>
+            </a:r>
+            <a:r>
+              <a:rPr lang="ko-KR" altLang="en-US" sz="1200" dirty="0"/>
+              <a:t>나타날 라인</a:t>
+            </a:r>
+            <a:endParaRPr lang="en-US" altLang="ko-KR" sz="1200" dirty="0"/>
+          </a:p>
+          <a:p>
+            <a:pPr lvl="1"/>
+            <a:r>
+              <a:rPr lang="en-US" altLang="ko-KR" sz="1200" dirty="0"/>
+              <a:t>timing</a:t>
+            </a:r>
+            <a:r>
+              <a:rPr lang="ko-KR" altLang="en-US" sz="1200" dirty="0"/>
+              <a:t> </a:t>
+            </a:r>
+            <a:r>
+              <a:rPr lang="en-US" altLang="ko-KR" sz="1200" dirty="0"/>
+              <a:t>:</a:t>
+            </a:r>
+            <a:r>
+              <a:rPr lang="ko-KR" altLang="en-US" sz="1200" dirty="0"/>
+              <a:t> 노트의 판정 시간</a:t>
+            </a:r>
+            <a:endParaRPr lang="en-US" altLang="ko-KR" sz="1600" dirty="0"/>
+          </a:p>
+          <a:p>
+            <a:r>
+              <a:rPr lang="en-US" altLang="ko-KR" sz="1600" dirty="0"/>
+              <a:t>collisionTypeFormat.java : </a:t>
+            </a:r>
+            <a:r>
+              <a:rPr lang="ko-KR" altLang="en-US" sz="1600" dirty="0"/>
+              <a:t>노트의 판정 타입 형식이 지정된 클래스</a:t>
+            </a:r>
+            <a:endParaRPr lang="en-US" altLang="ko-KR" sz="1600" dirty="0"/>
+          </a:p>
+          <a:p>
+            <a:pPr lvl="1"/>
+            <a:r>
+              <a:rPr lang="en-US" altLang="ko-KR" sz="1200" dirty="0" err="1"/>
+              <a:t>collisionTypeList</a:t>
+            </a:r>
+            <a:r>
+              <a:rPr lang="en-US" altLang="ko-KR" sz="1200" dirty="0"/>
+              <a:t> : </a:t>
+            </a:r>
+            <a:r>
+              <a:rPr lang="ko-KR" altLang="en-US" sz="1200" dirty="0"/>
+              <a:t>노트의 판정 타입들이 저장된 리스트</a:t>
+            </a:r>
+            <a:endParaRPr lang="en-US" altLang="ko-KR" sz="1200" dirty="0"/>
+          </a:p>
+          <a:p>
+            <a:pPr lvl="1"/>
+            <a:r>
+              <a:rPr lang="en-US" altLang="ko-KR" sz="1200" dirty="0" err="1"/>
+              <a:t>collisionType</a:t>
+            </a:r>
+            <a:r>
+              <a:rPr lang="en-US" altLang="ko-KR" sz="1200" dirty="0"/>
+              <a:t> : </a:t>
+            </a:r>
+            <a:r>
+              <a:rPr lang="ko-KR" altLang="en-US" sz="1200" dirty="0"/>
+              <a:t>확인중인 노트의 판정 타입</a:t>
+            </a:r>
+            <a:endParaRPr lang="en-US" altLang="ko-KR" sz="1200" dirty="0"/>
+          </a:p>
+          <a:p>
+            <a:pPr lvl="1"/>
+            <a:r>
+              <a:rPr lang="en-US" altLang="ko-KR" sz="1200" dirty="0"/>
+              <a:t>line</a:t>
+            </a:r>
+            <a:r>
+              <a:rPr lang="ko-KR" altLang="en-US" sz="1200" dirty="0"/>
+              <a:t> </a:t>
+            </a:r>
+            <a:r>
+              <a:rPr lang="en-US" altLang="ko-KR" sz="1200" dirty="0"/>
+              <a:t>:</a:t>
+            </a:r>
+            <a:r>
+              <a:rPr lang="ko-KR" altLang="en-US" sz="1200" dirty="0"/>
+              <a:t> 확인중인 노트가 나타난 라인</a:t>
+            </a:r>
+            <a:endParaRPr lang="en-US" altLang="ko-KR" sz="1200" dirty="0"/>
+          </a:p>
+          <a:p>
+            <a:r>
+              <a:rPr lang="en-US" altLang="ko-KR" sz="1600" dirty="0"/>
+              <a:t>scoreFormat.java : </a:t>
+            </a:r>
+            <a:r>
+              <a:rPr lang="ko-KR" altLang="en-US" sz="1600" dirty="0"/>
+              <a:t>점수 정보를 가지는 클래스</a:t>
+            </a:r>
+            <a:endParaRPr lang="en-US" altLang="ko-KR" sz="1600" dirty="0"/>
+          </a:p>
+          <a:p>
+            <a:pPr lvl="1"/>
+            <a:r>
+              <a:rPr lang="en-US" altLang="ko-KR" sz="1200" dirty="0"/>
+              <a:t>score : </a:t>
+            </a:r>
+            <a:r>
+              <a:rPr lang="ko-KR" altLang="en-US" sz="1200" dirty="0"/>
+              <a:t>점수</a:t>
+            </a:r>
+            <a:endParaRPr lang="en-US" altLang="ko-KR" sz="1200" dirty="0"/>
+          </a:p>
+          <a:p>
+            <a:pPr lvl="1"/>
+            <a:r>
+              <a:rPr lang="en-US" altLang="ko-KR" sz="1200" dirty="0"/>
+              <a:t>combo</a:t>
+            </a:r>
+            <a:r>
+              <a:rPr lang="ko-KR" altLang="en-US" sz="1200" dirty="0"/>
+              <a:t> </a:t>
+            </a:r>
+            <a:r>
+              <a:rPr lang="en-US" altLang="ko-KR" sz="1200" dirty="0"/>
+              <a:t>:</a:t>
+            </a:r>
+            <a:r>
+              <a:rPr lang="ko-KR" altLang="en-US" sz="1200" dirty="0"/>
+              <a:t> 콤보</a:t>
+            </a:r>
+            <a:endParaRPr lang="en-US" altLang="ko-KR" sz="1200" dirty="0"/>
+          </a:p>
+          <a:p>
+            <a:pPr lvl="1"/>
+            <a:r>
+              <a:rPr lang="en-US" altLang="ko-KR" sz="1200" dirty="0" err="1"/>
+              <a:t>maxCombo</a:t>
+            </a:r>
+            <a:r>
+              <a:rPr lang="en-US" altLang="ko-KR" sz="1200" dirty="0"/>
+              <a:t> : </a:t>
+            </a:r>
+            <a:r>
+              <a:rPr lang="ko-KR" altLang="en-US" sz="1200" dirty="0"/>
+              <a:t>최대 콤보</a:t>
+            </a:r>
+            <a:endParaRPr lang="en-US" altLang="ko-KR" sz="1200" dirty="0"/>
+          </a:p>
+          <a:p>
+            <a:pPr lvl="1"/>
+            <a:r>
+              <a:rPr lang="en-US" altLang="ko-KR" sz="1200" dirty="0" err="1"/>
+              <a:t>perfectHit</a:t>
+            </a:r>
+            <a:r>
+              <a:rPr lang="en-US" altLang="ko-KR" sz="1200" dirty="0"/>
+              <a:t> : perfect </a:t>
+            </a:r>
+            <a:r>
+              <a:rPr lang="ko-KR" altLang="en-US" sz="1200" dirty="0"/>
+              <a:t>판정을 받은 노트의 수</a:t>
+            </a:r>
+            <a:endParaRPr lang="en-US" altLang="ko-KR" sz="1200" dirty="0"/>
+          </a:p>
+          <a:p>
+            <a:r>
+              <a:rPr lang="en-US" altLang="ko-KR" sz="1600" dirty="0"/>
+              <a:t>gameInputFormat.java</a:t>
+            </a:r>
+            <a:r>
+              <a:rPr lang="ko-KR" altLang="en-US" sz="1600" dirty="0"/>
+              <a:t> </a:t>
+            </a:r>
+            <a:r>
+              <a:rPr lang="en-US" altLang="ko-KR" sz="1600" dirty="0"/>
+              <a:t>:</a:t>
+            </a:r>
+            <a:r>
+              <a:rPr lang="ko-KR" altLang="en-US" sz="1600" dirty="0"/>
+              <a:t> </a:t>
+            </a:r>
+            <a:r>
+              <a:rPr lang="ko-KR" altLang="en-US" sz="1600" dirty="0" err="1"/>
+              <a:t>입력받은</a:t>
+            </a:r>
+            <a:r>
+              <a:rPr lang="ko-KR" altLang="en-US" sz="1600" dirty="0"/>
+              <a:t> 키에 매칭되는 라인과 입력 타이밍을 가지는 클래스</a:t>
+            </a:r>
+            <a:endParaRPr lang="en-US" altLang="ko-KR" sz="400" dirty="0"/>
+          </a:p>
+          <a:p>
+            <a:pPr lvl="1"/>
+            <a:r>
+              <a:rPr lang="en-US" altLang="ko-KR" sz="1200" dirty="0" err="1"/>
+              <a:t>availableKeyList</a:t>
+            </a:r>
+            <a:r>
+              <a:rPr lang="en-US" altLang="ko-KR" sz="1200" dirty="0"/>
+              <a:t> : </a:t>
+            </a:r>
+            <a:r>
+              <a:rPr lang="ko-KR" altLang="en-US" sz="1200" dirty="0"/>
+              <a:t>게임 노트에 </a:t>
+            </a:r>
+            <a:r>
+              <a:rPr lang="ko-KR" altLang="en-US" sz="1200" dirty="0" err="1"/>
+              <a:t>매핑되는</a:t>
+            </a:r>
+            <a:r>
+              <a:rPr lang="ko-KR" altLang="en-US" sz="1200" dirty="0"/>
+              <a:t> </a:t>
+            </a:r>
+            <a:r>
+              <a:rPr lang="ko-KR" altLang="en-US" sz="1200" dirty="0" err="1"/>
+              <a:t>키값</a:t>
+            </a:r>
+            <a:r>
+              <a:rPr lang="ko-KR" altLang="en-US" sz="1200" dirty="0"/>
+              <a:t> 리스트</a:t>
+            </a:r>
+            <a:endParaRPr lang="en-US" altLang="ko-KR" sz="1200" dirty="0"/>
+          </a:p>
+          <a:p>
+            <a:pPr lvl="1"/>
+            <a:r>
+              <a:rPr lang="en-US" altLang="ko-KR" sz="1200" dirty="0"/>
+              <a:t>line : </a:t>
+            </a:r>
+            <a:r>
+              <a:rPr lang="ko-KR" altLang="en-US" sz="1200" dirty="0" err="1"/>
+              <a:t>입력받은</a:t>
+            </a:r>
+            <a:r>
+              <a:rPr lang="ko-KR" altLang="en-US" sz="1200" dirty="0"/>
+              <a:t> 키에 </a:t>
+            </a:r>
+            <a:r>
+              <a:rPr lang="ko-KR" altLang="en-US" sz="1200" dirty="0" err="1"/>
+              <a:t>매핑되는</a:t>
+            </a:r>
+            <a:r>
+              <a:rPr lang="ko-KR" altLang="en-US" sz="1200" dirty="0"/>
+              <a:t> 라인</a:t>
+            </a:r>
+            <a:endParaRPr lang="en-US" altLang="ko-KR" sz="1200" dirty="0"/>
+          </a:p>
+          <a:p>
+            <a:pPr lvl="1"/>
+            <a:r>
+              <a:rPr lang="en-US" altLang="ko-KR" sz="1200" dirty="0"/>
+              <a:t>timing</a:t>
+            </a:r>
+            <a:r>
+              <a:rPr lang="ko-KR" altLang="en-US" sz="1200" dirty="0"/>
+              <a:t> </a:t>
+            </a:r>
+            <a:r>
+              <a:rPr lang="en-US" altLang="ko-KR" sz="1200" dirty="0"/>
+              <a:t>:</a:t>
+            </a:r>
+            <a:r>
+              <a:rPr lang="ko-KR" altLang="en-US" sz="1200" dirty="0"/>
+              <a:t> 키 입력이 들어온 시간</a:t>
+            </a:r>
+            <a:endParaRPr lang="en-US" altLang="ko-KR" sz="1200" dirty="0"/>
           </a:p>
         </p:txBody>
       </p:sp>
     </p:spTree>
     <p:extLst>
       <p:ext uri="{BB962C8B-B14F-4D97-AF65-F5344CB8AC3E}">
-        <p14:creationId xmlns:p14="http://schemas.microsoft.com/office/powerpoint/2010/main" val="4288627627"/>
+        <p14:creationId xmlns:p14="http://schemas.microsoft.com/office/powerpoint/2010/main" val="2703925434"/>
       </p:ext>
     </p:extLst>
   </p:cSld>
@@ -10248,8 +9673,8 @@
         </p:blipFill>
         <p:spPr>
           <a:xfrm>
-            <a:off x="1043844" y="2606321"/>
-            <a:ext cx="10104311" cy="2991779"/>
+            <a:off x="1125373" y="1690688"/>
+            <a:ext cx="9941252" cy="4823046"/>
           </a:xfrm>
         </p:spPr>
       </p:pic>
@@ -10303,11 +9728,19 @@
             <a:pPr lvl="1"/>
             <a:r>
               <a:rPr lang="en-US" altLang="ko-KR" dirty="0"/>
-              <a:t>2) </a:t>
+              <a:t>4) </a:t>
             </a:r>
             <a:r>
               <a:rPr lang="en-US" altLang="ko-KR" dirty="0" err="1"/>
-              <a:t>Model_formatPackage</a:t>
+              <a:t>View_effectDrawerPackage</a:t>
+            </a:r>
+            <a:r>
+              <a:rPr lang="en-US" altLang="ko-KR" dirty="0"/>
+              <a:t>, </a:t>
+            </a:r>
+            <a:r>
+              <a:rPr lang="en-US" altLang="ko-KR" dirty="0" err="1"/>
+              <a:t>View_gameDrawerPackage</a:t>
             </a:r>
             <a:endParaRPr lang="ko-KR" altLang="en-US" dirty="0"/>
           </a:p>
@@ -10316,7 +9749,7 @@
     </p:spTree>
     <p:extLst>
       <p:ext uri="{BB962C8B-B14F-4D97-AF65-F5344CB8AC3E}">
-        <p14:creationId xmlns:p14="http://schemas.microsoft.com/office/powerpoint/2010/main" val="1636743570"/>
+        <p14:creationId xmlns:p14="http://schemas.microsoft.com/office/powerpoint/2010/main" val="694710267"/>
       </p:ext>
     </p:extLst>
   </p:cSld>
